--- a/HTML Girl Code.pptx
+++ b/HTML Girl Code.pptx
@@ -5,12 +5,12 @@
     <p:sldMasterId id="2147483648" r:id="rId1"/>
   </p:sldMasterIdLst>
   <p:notesMasterIdLst>
-    <p:notesMasterId r:id="rId34"/>
+    <p:notesMasterId r:id="rId35"/>
   </p:notesMasterIdLst>
   <p:sldIdLst>
     <p:sldId id="256" r:id="rId2"/>
-    <p:sldId id="258" r:id="rId3"/>
-    <p:sldId id="261" r:id="rId4"/>
+    <p:sldId id="261" r:id="rId3"/>
+    <p:sldId id="258" r:id="rId4"/>
     <p:sldId id="260" r:id="rId5"/>
     <p:sldId id="280" r:id="rId6"/>
     <p:sldId id="262" r:id="rId7"/>
@@ -18,7 +18,7 @@
     <p:sldId id="276" r:id="rId9"/>
     <p:sldId id="264" r:id="rId10"/>
     <p:sldId id="265" r:id="rId11"/>
-    <p:sldId id="278" r:id="rId12"/>
+    <p:sldId id="292" r:id="rId12"/>
     <p:sldId id="266" r:id="rId13"/>
     <p:sldId id="267" r:id="rId14"/>
     <p:sldId id="287" r:id="rId15"/>
@@ -37,9 +37,10 @@
     <p:sldId id="270" r:id="rId28"/>
     <p:sldId id="285" r:id="rId29"/>
     <p:sldId id="286" r:id="rId30"/>
-    <p:sldId id="289" r:id="rId31"/>
-    <p:sldId id="290" r:id="rId32"/>
-    <p:sldId id="283" r:id="rId33"/>
+    <p:sldId id="291" r:id="rId31"/>
+    <p:sldId id="289" r:id="rId32"/>
+    <p:sldId id="290" r:id="rId33"/>
+    <p:sldId id="283" r:id="rId34"/>
   </p:sldIdLst>
   <p:sldSz cx="12192000" cy="6858000"/>
   <p:notesSz cx="6858000" cy="9144000"/>
@@ -228,7 +229,7 @@
           <a:p>
             <a:fld id="{D6FE42ED-5277-4919-8B3F-ADE4C38AB862}" type="datetimeFigureOut">
               <a:rPr lang="en-ZA" smtClean="0"/>
-              <a:t>2017/02/23</a:t>
+              <a:t>2017/02/24</a:t>
             </a:fld>
             <a:endParaRPr lang="en-ZA"/>
           </a:p>
@@ -540,7 +541,204 @@
           <a:bodyPr/>
           <a:lstStyle/>
           <a:p>
-            <a:endParaRPr lang="en-ZA" dirty="0"/>
+            <a:pPr marL="171450" marR="0" indent="-171450" algn="l" defTabSz="914400" rtl="0" eaLnBrk="1" fontAlgn="auto" latinLnBrk="0" hangingPunct="1">
+              <a:lnSpc>
+                <a:spcPct val="100000"/>
+              </a:lnSpc>
+              <a:spcBef>
+                <a:spcPts val="0"/>
+              </a:spcBef>
+              <a:spcAft>
+                <a:spcPts val="0"/>
+              </a:spcAft>
+              <a:buClrTx/>
+              <a:buSzTx/>
+              <a:buFontTx/>
+              <a:buChar char="-"/>
+              <a:tabLst/>
+              <a:defRPr/>
+            </a:pPr>
+            <a:r>
+              <a:rPr lang="en-ZA" b="1" dirty="0" smtClean="0"/>
+              <a:t>Describes</a:t>
+            </a:r>
+            <a:r>
+              <a:rPr lang="en-ZA" dirty="0" smtClean="0"/>
+              <a:t> the </a:t>
+            </a:r>
+            <a:r>
+              <a:rPr lang="en-ZA" b="1" dirty="0" smtClean="0"/>
+              <a:t>structure</a:t>
+            </a:r>
+            <a:r>
+              <a:rPr lang="en-ZA" dirty="0" smtClean="0"/>
+              <a:t> of a </a:t>
+            </a:r>
+            <a:r>
+              <a:rPr lang="en-ZA" b="1" dirty="0" smtClean="0"/>
+              <a:t>webpage</a:t>
+            </a:r>
+            <a:r>
+              <a:rPr lang="en-ZA" dirty="0" smtClean="0"/>
+              <a:t> using </a:t>
+            </a:r>
+            <a:r>
+              <a:rPr lang="en-ZA" b="1" dirty="0" err="1" smtClean="0"/>
+              <a:t>markup</a:t>
+            </a:r>
+            <a:r>
+              <a:rPr lang="en-ZA" dirty="0" smtClean="0"/>
+              <a:t> </a:t>
+            </a:r>
+          </a:p>
+          <a:p>
+            <a:pPr marL="171450" marR="0" indent="-171450" algn="l" defTabSz="914400" rtl="0" eaLnBrk="1" fontAlgn="auto" latinLnBrk="0" hangingPunct="1">
+              <a:lnSpc>
+                <a:spcPct val="100000"/>
+              </a:lnSpc>
+              <a:spcBef>
+                <a:spcPts val="0"/>
+              </a:spcBef>
+              <a:spcAft>
+                <a:spcPts val="0"/>
+              </a:spcAft>
+              <a:buClrTx/>
+              <a:buSzTx/>
+              <a:buFontTx/>
+              <a:buChar char="-"/>
+              <a:tabLst/>
+              <a:defRPr/>
+            </a:pPr>
+            <a:r>
+              <a:rPr lang="en-ZA" dirty="0" smtClean="0"/>
+              <a:t>Is the </a:t>
+            </a:r>
+            <a:r>
+              <a:rPr lang="en-ZA" b="1" dirty="0" smtClean="0"/>
+              <a:t>standard </a:t>
+            </a:r>
+            <a:r>
+              <a:rPr lang="en-ZA" b="1" dirty="0" err="1" smtClean="0"/>
+              <a:t>markup</a:t>
+            </a:r>
+            <a:r>
+              <a:rPr lang="en-ZA" b="1" dirty="0" smtClean="0"/>
+              <a:t> language </a:t>
+            </a:r>
+            <a:r>
+              <a:rPr lang="en-ZA" dirty="0" smtClean="0"/>
+              <a:t>for </a:t>
+            </a:r>
+            <a:r>
+              <a:rPr lang="en-ZA" b="1" dirty="0" smtClean="0"/>
+              <a:t>creating web pages</a:t>
+            </a:r>
+          </a:p>
+          <a:p>
+            <a:pPr marL="171450" marR="0" indent="-171450" algn="l" defTabSz="914400" rtl="0" eaLnBrk="1" fontAlgn="auto" latinLnBrk="0" hangingPunct="1">
+              <a:lnSpc>
+                <a:spcPct val="100000"/>
+              </a:lnSpc>
+              <a:spcBef>
+                <a:spcPts val="0"/>
+              </a:spcBef>
+              <a:spcAft>
+                <a:spcPts val="0"/>
+              </a:spcAft>
+              <a:buClrTx/>
+              <a:buSzTx/>
+              <a:buFontTx/>
+              <a:buChar char="-"/>
+              <a:tabLst/>
+              <a:defRPr/>
+            </a:pPr>
+            <a:r>
+              <a:rPr lang="en-ZA" b="1" baseline="0" dirty="0" smtClean="0"/>
+              <a:t>Elements</a:t>
+            </a:r>
+            <a:r>
+              <a:rPr lang="en-ZA" baseline="0" dirty="0" smtClean="0"/>
+              <a:t> are the </a:t>
+            </a:r>
+            <a:r>
+              <a:rPr lang="en-ZA" b="1" baseline="0" dirty="0" err="1" smtClean="0"/>
+              <a:t>buiding</a:t>
+            </a:r>
+            <a:r>
+              <a:rPr lang="en-ZA" b="1" baseline="0" dirty="0" smtClean="0"/>
+              <a:t> blocks </a:t>
+            </a:r>
+            <a:r>
+              <a:rPr lang="en-ZA" baseline="0" dirty="0" smtClean="0"/>
+              <a:t>of HTML web pages which are </a:t>
+            </a:r>
+            <a:r>
+              <a:rPr lang="en-ZA" b="1" baseline="0" dirty="0" smtClean="0"/>
+              <a:t>represented by tags </a:t>
+            </a:r>
+            <a:r>
+              <a:rPr lang="en-ZA" baseline="0" dirty="0" smtClean="0"/>
+              <a:t>to </a:t>
+            </a:r>
+            <a:r>
+              <a:rPr lang="en-ZA" b="1" baseline="0" dirty="0" smtClean="0"/>
+              <a:t>achieve font, colour, graphic and hyperlink effects </a:t>
+            </a:r>
+            <a:r>
+              <a:rPr lang="en-ZA" baseline="0" dirty="0" smtClean="0"/>
+              <a:t>on the web pages</a:t>
+            </a:r>
+          </a:p>
+          <a:p>
+            <a:pPr marL="171450" marR="0" indent="-171450" algn="l" defTabSz="914400" rtl="0" eaLnBrk="1" fontAlgn="auto" latinLnBrk="0" hangingPunct="1">
+              <a:lnSpc>
+                <a:spcPct val="100000"/>
+              </a:lnSpc>
+              <a:spcBef>
+                <a:spcPts val="0"/>
+              </a:spcBef>
+              <a:spcAft>
+                <a:spcPts val="0"/>
+              </a:spcAft>
+              <a:buClrTx/>
+              <a:buSzTx/>
+              <a:buFontTx/>
+              <a:buChar char="-"/>
+              <a:tabLst/>
+              <a:defRPr/>
+            </a:pPr>
+            <a:r>
+              <a:rPr lang="en-ZA" b="1" baseline="0" dirty="0" smtClean="0"/>
+              <a:t>Tags</a:t>
+            </a:r>
+            <a:r>
+              <a:rPr lang="en-ZA" baseline="0" dirty="0" smtClean="0"/>
+              <a:t> are </a:t>
+            </a:r>
+            <a:r>
+              <a:rPr lang="en-ZA" b="1" baseline="0" dirty="0" smtClean="0"/>
+              <a:t>not displayed </a:t>
+            </a:r>
+            <a:r>
+              <a:rPr lang="en-ZA" baseline="0" dirty="0" smtClean="0"/>
+              <a:t>on a webpage but </a:t>
+            </a:r>
+            <a:r>
+              <a:rPr lang="en-ZA" b="1" baseline="0" dirty="0" smtClean="0"/>
+              <a:t>render the content </a:t>
+            </a:r>
+            <a:r>
+              <a:rPr lang="en-ZA" baseline="0" dirty="0" smtClean="0"/>
+              <a:t>of the page</a:t>
+            </a:r>
+            <a:endParaRPr lang="en-ZA" dirty="0" smtClean="0"/>
+          </a:p>
+          <a:p>
+            <a:pPr marL="0" indent="0">
+              <a:buFontTx/>
+              <a:buNone/>
+            </a:pPr>
+            <a:endParaRPr lang="en-ZA" dirty="0" smtClean="0"/>
           </a:p>
         </p:txBody>
       </p:sp>
@@ -561,7 +759,7 @@
           <a:p>
             <a:fld id="{BB75B98B-6232-4556-AC1A-7B82E0511A99}" type="slidenum">
               <a:rPr lang="en-ZA" smtClean="0"/>
-              <a:t>2</a:t>
+              <a:t>3</a:t>
             </a:fld>
             <a:endParaRPr lang="en-ZA"/>
           </a:p>
@@ -624,6 +822,34 @@
           <a:bodyPr/>
           <a:lstStyle/>
           <a:p>
+            <a:pPr marL="171450" indent="-171450">
+              <a:buFontTx/>
+              <a:buChar char="-"/>
+            </a:pPr>
+            <a:r>
+              <a:rPr lang="en-ZA" dirty="0" smtClean="0"/>
+              <a:t>Selectors</a:t>
+            </a:r>
+          </a:p>
+          <a:p>
+            <a:pPr marL="171450" indent="-171450">
+              <a:buFontTx/>
+              <a:buChar char="-"/>
+            </a:pPr>
+            <a:r>
+              <a:rPr lang="en-ZA" dirty="0" smtClean="0"/>
+              <a:t>Id’s are unique</a:t>
+            </a:r>
+          </a:p>
+          <a:p>
+            <a:pPr marL="171450" indent="-171450">
+              <a:buFontTx/>
+              <a:buChar char="-"/>
+            </a:pPr>
+            <a:r>
+              <a:rPr lang="en-ZA" dirty="0" smtClean="0"/>
+              <a:t>Classes are not unique</a:t>
+            </a:r>
             <a:endParaRPr lang="en-ZA" dirty="0"/>
           </a:p>
         </p:txBody>
@@ -645,7 +871,7 @@
           <a:p>
             <a:fld id="{BB75B98B-6232-4556-AC1A-7B82E0511A99}" type="slidenum">
               <a:rPr lang="en-ZA" smtClean="0"/>
-              <a:t>17</a:t>
+              <a:t>14</a:t>
             </a:fld>
             <a:endParaRPr lang="en-ZA"/>
           </a:p>
@@ -654,7 +880,7 @@
     </p:spTree>
     <p:extLst>
       <p:ext uri="{BB962C8B-B14F-4D97-AF65-F5344CB8AC3E}">
-        <p14:creationId xmlns:p14="http://schemas.microsoft.com/office/powerpoint/2010/main" val="1045299149"/>
+        <p14:creationId xmlns:p14="http://schemas.microsoft.com/office/powerpoint/2010/main" val="4287639098"/>
       </p:ext>
     </p:extLst>
   </p:cSld>
@@ -710,7 +936,7 @@
           <a:p>
             <a:r>
               <a:rPr lang="en-ZA" dirty="0" smtClean="0"/>
-              <a:t>Demo</a:t>
+              <a:t>- Can’t use the same div twice</a:t>
             </a:r>
             <a:endParaRPr lang="en-ZA" dirty="0"/>
           </a:p>
@@ -733,7 +959,7 @@
           <a:p>
             <a:fld id="{BB75B98B-6232-4556-AC1A-7B82E0511A99}" type="slidenum">
               <a:rPr lang="en-ZA" smtClean="0"/>
-              <a:t>26</a:t>
+              <a:t>15</a:t>
             </a:fld>
             <a:endParaRPr lang="en-ZA"/>
           </a:p>
@@ -742,7 +968,7 @@
     </p:spTree>
     <p:extLst>
       <p:ext uri="{BB962C8B-B14F-4D97-AF65-F5344CB8AC3E}">
-        <p14:creationId xmlns:p14="http://schemas.microsoft.com/office/powerpoint/2010/main" val="1162850173"/>
+        <p14:creationId xmlns:p14="http://schemas.microsoft.com/office/powerpoint/2010/main" val="3734087040"/>
       </p:ext>
     </p:extLst>
   </p:cSld>
@@ -796,10 +1022,6 @@
           <a:bodyPr/>
           <a:lstStyle/>
           <a:p>
-            <a:r>
-              <a:rPr lang="en-ZA" smtClean="0"/>
-              <a:t>Brief Introduction</a:t>
-            </a:r>
             <a:endParaRPr lang="en-ZA" dirty="0"/>
           </a:p>
         </p:txBody>
@@ -821,7 +1043,7 @@
           <a:p>
             <a:fld id="{BB75B98B-6232-4556-AC1A-7B82E0511A99}" type="slidenum">
               <a:rPr lang="en-ZA" smtClean="0"/>
-              <a:t>27</a:t>
+              <a:t>16</a:t>
             </a:fld>
             <a:endParaRPr lang="en-ZA"/>
           </a:p>
@@ -830,7 +1052,7 @@
     </p:spTree>
     <p:extLst>
       <p:ext uri="{BB962C8B-B14F-4D97-AF65-F5344CB8AC3E}">
-        <p14:creationId xmlns:p14="http://schemas.microsoft.com/office/powerpoint/2010/main" val="4288966399"/>
+        <p14:creationId xmlns:p14="http://schemas.microsoft.com/office/powerpoint/2010/main" val="286341168"/>
       </p:ext>
     </p:extLst>
   </p:cSld>
@@ -884,10 +1106,6 @@
           <a:bodyPr/>
           <a:lstStyle/>
           <a:p>
-            <a:r>
-              <a:rPr lang="en-ZA" smtClean="0"/>
-              <a:t>Brief Introduction</a:t>
-            </a:r>
             <a:endParaRPr lang="en-ZA" dirty="0"/>
           </a:p>
         </p:txBody>
@@ -909,7 +1127,7 @@
           <a:p>
             <a:fld id="{BB75B98B-6232-4556-AC1A-7B82E0511A99}" type="slidenum">
               <a:rPr lang="en-ZA" smtClean="0"/>
-              <a:t>28</a:t>
+              <a:t>17</a:t>
             </a:fld>
             <a:endParaRPr lang="en-ZA"/>
           </a:p>
@@ -918,7 +1136,7 @@
     </p:spTree>
     <p:extLst>
       <p:ext uri="{BB962C8B-B14F-4D97-AF65-F5344CB8AC3E}">
-        <p14:creationId xmlns:p14="http://schemas.microsoft.com/office/powerpoint/2010/main" val="1508843644"/>
+        <p14:creationId xmlns:p14="http://schemas.microsoft.com/office/powerpoint/2010/main" val="1045299149"/>
       </p:ext>
     </p:extLst>
   </p:cSld>
@@ -973,8 +1191,8 @@
           <a:lstStyle/>
           <a:p>
             <a:r>
-              <a:rPr lang="en-ZA" smtClean="0"/>
-              <a:t>Brief Introduction</a:t>
+              <a:rPr lang="en-ZA" dirty="0" smtClean="0"/>
+              <a:t>Demo</a:t>
             </a:r>
             <a:endParaRPr lang="en-ZA" dirty="0"/>
           </a:p>
@@ -997,7 +1215,7 @@
           <a:p>
             <a:fld id="{BB75B98B-6232-4556-AC1A-7B82E0511A99}" type="slidenum">
               <a:rPr lang="en-ZA" smtClean="0"/>
-              <a:t>29</a:t>
+              <a:t>26</a:t>
             </a:fld>
             <a:endParaRPr lang="en-ZA"/>
           </a:p>
@@ -1006,7 +1224,7 @@
     </p:spTree>
     <p:extLst>
       <p:ext uri="{BB962C8B-B14F-4D97-AF65-F5344CB8AC3E}">
-        <p14:creationId xmlns:p14="http://schemas.microsoft.com/office/powerpoint/2010/main" val="629144925"/>
+        <p14:creationId xmlns:p14="http://schemas.microsoft.com/office/powerpoint/2010/main" val="1162850173"/>
       </p:ext>
     </p:extLst>
   </p:cSld>
@@ -1060,10 +1278,6 @@
           <a:bodyPr/>
           <a:lstStyle/>
           <a:p>
-            <a:r>
-              <a:rPr lang="en-ZA" smtClean="0"/>
-              <a:t>Brief Introduction</a:t>
-            </a:r>
             <a:endParaRPr lang="en-ZA" dirty="0"/>
           </a:p>
         </p:txBody>
@@ -1085,7 +1299,7 @@
           <a:p>
             <a:fld id="{BB75B98B-6232-4556-AC1A-7B82E0511A99}" type="slidenum">
               <a:rPr lang="en-ZA" smtClean="0"/>
-              <a:t>30</a:t>
+              <a:t>27</a:t>
             </a:fld>
             <a:endParaRPr lang="en-ZA"/>
           </a:p>
@@ -1094,7 +1308,7 @@
     </p:spTree>
     <p:extLst>
       <p:ext uri="{BB962C8B-B14F-4D97-AF65-F5344CB8AC3E}">
-        <p14:creationId xmlns:p14="http://schemas.microsoft.com/office/powerpoint/2010/main" val="1995386220"/>
+        <p14:creationId xmlns:p14="http://schemas.microsoft.com/office/powerpoint/2010/main" val="4288966399"/>
       </p:ext>
     </p:extLst>
   </p:cSld>
@@ -1148,10 +1362,6 @@
           <a:bodyPr/>
           <a:lstStyle/>
           <a:p>
-            <a:r>
-              <a:rPr lang="en-ZA" smtClean="0"/>
-              <a:t>Brief Introduction</a:t>
-            </a:r>
             <a:endParaRPr lang="en-ZA" dirty="0"/>
           </a:p>
         </p:txBody>
@@ -1173,7 +1383,7 @@
           <a:p>
             <a:fld id="{BB75B98B-6232-4556-AC1A-7B82E0511A99}" type="slidenum">
               <a:rPr lang="en-ZA" smtClean="0"/>
-              <a:t>31</a:t>
+              <a:t>28</a:t>
             </a:fld>
             <a:endParaRPr lang="en-ZA"/>
           </a:p>
@@ -1182,7 +1392,7 @@
     </p:spTree>
     <p:extLst>
       <p:ext uri="{BB962C8B-B14F-4D97-AF65-F5344CB8AC3E}">
-        <p14:creationId xmlns:p14="http://schemas.microsoft.com/office/powerpoint/2010/main" val="1621762457"/>
+        <p14:creationId xmlns:p14="http://schemas.microsoft.com/office/powerpoint/2010/main" val="1508843644"/>
       </p:ext>
     </p:extLst>
   </p:cSld>
@@ -1236,10 +1446,6 @@
           <a:bodyPr/>
           <a:lstStyle/>
           <a:p>
-            <a:r>
-              <a:rPr lang="en-ZA" smtClean="0"/>
-              <a:t>Brief Introduction</a:t>
-            </a:r>
             <a:endParaRPr lang="en-ZA" dirty="0"/>
           </a:p>
         </p:txBody>
@@ -1261,7 +1467,7 @@
           <a:p>
             <a:fld id="{BB75B98B-6232-4556-AC1A-7B82E0511A99}" type="slidenum">
               <a:rPr lang="en-ZA" smtClean="0"/>
-              <a:t>32</a:t>
+              <a:t>29</a:t>
             </a:fld>
             <a:endParaRPr lang="en-ZA"/>
           </a:p>
@@ -1270,7 +1476,175 @@
     </p:spTree>
     <p:extLst>
       <p:ext uri="{BB962C8B-B14F-4D97-AF65-F5344CB8AC3E}">
-        <p14:creationId xmlns:p14="http://schemas.microsoft.com/office/powerpoint/2010/main" val="3535879632"/>
+        <p14:creationId xmlns:p14="http://schemas.microsoft.com/office/powerpoint/2010/main" val="629144925"/>
+      </p:ext>
+    </p:extLst>
+  </p:cSld>
+  <p:clrMapOvr>
+    <a:masterClrMapping/>
+  </p:clrMapOvr>
+</p:notes>
+</file>
+
+<file path=ppt/notesSlides/notesSlide18.xml><?xml version="1.0" encoding="utf-8"?>
+<p:notes xmlns:a="http://schemas.openxmlformats.org/drawingml/2006/main" xmlns:r="http://schemas.openxmlformats.org/officeDocument/2006/relationships" xmlns:p="http://schemas.openxmlformats.org/presentationml/2006/main">
+  <p:cSld>
+    <p:spTree>
+      <p:nvGrpSpPr>
+        <p:cNvPr id="1" name=""/>
+        <p:cNvGrpSpPr/>
+        <p:nvPr/>
+      </p:nvGrpSpPr>
+      <p:grpSpPr>
+        <a:xfrm>
+          <a:off x="0" y="0"/>
+          <a:ext cx="0" cy="0"/>
+          <a:chOff x="0" y="0"/>
+          <a:chExt cx="0" cy="0"/>
+        </a:xfrm>
+      </p:grpSpPr>
+      <p:sp>
+        <p:nvSpPr>
+          <p:cNvPr id="2" name="Slide Image Placeholder 1"/>
+          <p:cNvSpPr>
+            <a:spLocks noGrp="1" noRot="1" noChangeAspect="1"/>
+          </p:cNvSpPr>
+          <p:nvPr>
+            <p:ph type="sldImg"/>
+          </p:nvPr>
+        </p:nvSpPr>
+        <p:spPr/>
+      </p:sp>
+      <p:sp>
+        <p:nvSpPr>
+          <p:cNvPr id="3" name="Notes Placeholder 2"/>
+          <p:cNvSpPr>
+            <a:spLocks noGrp="1"/>
+          </p:cNvSpPr>
+          <p:nvPr>
+            <p:ph type="body" idx="1"/>
+          </p:nvPr>
+        </p:nvSpPr>
+        <p:spPr/>
+        <p:txBody>
+          <a:bodyPr/>
+          <a:lstStyle/>
+          <a:p>
+            <a:endParaRPr lang="en-ZA" dirty="0"/>
+          </a:p>
+        </p:txBody>
+      </p:sp>
+      <p:sp>
+        <p:nvSpPr>
+          <p:cNvPr id="4" name="Slide Number Placeholder 3"/>
+          <p:cNvSpPr>
+            <a:spLocks noGrp="1"/>
+          </p:cNvSpPr>
+          <p:nvPr>
+            <p:ph type="sldNum" sz="quarter" idx="10"/>
+          </p:nvPr>
+        </p:nvSpPr>
+        <p:spPr/>
+        <p:txBody>
+          <a:bodyPr/>
+          <a:lstStyle/>
+          <a:p>
+            <a:fld id="{BB75B98B-6232-4556-AC1A-7B82E0511A99}" type="slidenum">
+              <a:rPr lang="en-ZA" smtClean="0"/>
+              <a:t>30</a:t>
+            </a:fld>
+            <a:endParaRPr lang="en-ZA"/>
+          </a:p>
+        </p:txBody>
+      </p:sp>
+    </p:spTree>
+    <p:extLst>
+      <p:ext uri="{BB962C8B-B14F-4D97-AF65-F5344CB8AC3E}">
+        <p14:creationId xmlns:p14="http://schemas.microsoft.com/office/powerpoint/2010/main" val="1286648571"/>
+      </p:ext>
+    </p:extLst>
+  </p:cSld>
+  <p:clrMapOvr>
+    <a:masterClrMapping/>
+  </p:clrMapOvr>
+</p:notes>
+</file>
+
+<file path=ppt/notesSlides/notesSlide19.xml><?xml version="1.0" encoding="utf-8"?>
+<p:notes xmlns:a="http://schemas.openxmlformats.org/drawingml/2006/main" xmlns:r="http://schemas.openxmlformats.org/officeDocument/2006/relationships" xmlns:p="http://schemas.openxmlformats.org/presentationml/2006/main">
+  <p:cSld>
+    <p:spTree>
+      <p:nvGrpSpPr>
+        <p:cNvPr id="1" name=""/>
+        <p:cNvGrpSpPr/>
+        <p:nvPr/>
+      </p:nvGrpSpPr>
+      <p:grpSpPr>
+        <a:xfrm>
+          <a:off x="0" y="0"/>
+          <a:ext cx="0" cy="0"/>
+          <a:chOff x="0" y="0"/>
+          <a:chExt cx="0" cy="0"/>
+        </a:xfrm>
+      </p:grpSpPr>
+      <p:sp>
+        <p:nvSpPr>
+          <p:cNvPr id="2" name="Slide Image Placeholder 1"/>
+          <p:cNvSpPr>
+            <a:spLocks noGrp="1" noRot="1" noChangeAspect="1"/>
+          </p:cNvSpPr>
+          <p:nvPr>
+            <p:ph type="sldImg"/>
+          </p:nvPr>
+        </p:nvSpPr>
+        <p:spPr/>
+      </p:sp>
+      <p:sp>
+        <p:nvSpPr>
+          <p:cNvPr id="3" name="Notes Placeholder 2"/>
+          <p:cNvSpPr>
+            <a:spLocks noGrp="1"/>
+          </p:cNvSpPr>
+          <p:nvPr>
+            <p:ph type="body" idx="1"/>
+          </p:nvPr>
+        </p:nvSpPr>
+        <p:spPr/>
+        <p:txBody>
+          <a:bodyPr/>
+          <a:lstStyle/>
+          <a:p>
+            <a:endParaRPr lang="en-ZA" dirty="0"/>
+          </a:p>
+        </p:txBody>
+      </p:sp>
+      <p:sp>
+        <p:nvSpPr>
+          <p:cNvPr id="4" name="Slide Number Placeholder 3"/>
+          <p:cNvSpPr>
+            <a:spLocks noGrp="1"/>
+          </p:cNvSpPr>
+          <p:nvPr>
+            <p:ph type="sldNum" sz="quarter" idx="10"/>
+          </p:nvPr>
+        </p:nvSpPr>
+        <p:spPr/>
+        <p:txBody>
+          <a:bodyPr/>
+          <a:lstStyle/>
+          <a:p>
+            <a:fld id="{BB75B98B-6232-4556-AC1A-7B82E0511A99}" type="slidenum">
+              <a:rPr lang="en-ZA" smtClean="0"/>
+              <a:t>31</a:t>
+            </a:fld>
+            <a:endParaRPr lang="en-ZA"/>
+          </a:p>
+        </p:txBody>
+      </p:sp>
+    </p:spTree>
+    <p:extLst>
+      <p:ext uri="{BB962C8B-B14F-4D97-AF65-F5344CB8AC3E}">
+        <p14:creationId xmlns:p14="http://schemas.microsoft.com/office/powerpoint/2010/main" val="1995386220"/>
       </p:ext>
     </p:extLst>
   </p:cSld>
@@ -1329,8 +1703,12 @@
               <a:buChar char="-"/>
             </a:pPr>
             <a:r>
-              <a:rPr lang="en-ZA" baseline="0" dirty="0" smtClean="0"/>
-              <a:t>Discuss tags</a:t>
+              <a:rPr lang="en-ZA" b="1" dirty="0" smtClean="0"/>
+              <a:t>Define pieces of content</a:t>
+            </a:r>
+            <a:r>
+              <a:rPr lang="en-ZA" dirty="0" smtClean="0"/>
+              <a:t> on a web page</a:t>
             </a:r>
           </a:p>
           <a:p>
@@ -1339,16 +1717,16 @@
               <a:buChar char="-"/>
             </a:pPr>
             <a:r>
+              <a:rPr lang="en-ZA" dirty="0" smtClean="0"/>
+              <a:t>Defined within</a:t>
+            </a:r>
+            <a:r>
               <a:rPr lang="en-ZA" baseline="0" dirty="0" smtClean="0"/>
-              <a:t>&lt;!</a:t>
-            </a:r>
-            <a:r>
-              <a:rPr lang="en-ZA" baseline="0" dirty="0" err="1" smtClean="0"/>
-              <a:t>doctype</a:t>
-            </a:r>
-            <a:r>
-              <a:rPr lang="en-ZA" baseline="0" dirty="0" smtClean="0"/>
-              <a:t> html&gt; -</a:t>
+              <a:t> </a:t>
+            </a:r>
+            <a:r>
+              <a:rPr lang="en-ZA" b="1" baseline="0" dirty="0" smtClean="0"/>
+              <a:t>&lt;&gt;</a:t>
             </a:r>
           </a:p>
           <a:p>
@@ -1357,8 +1735,16 @@
               <a:buChar char="-"/>
             </a:pPr>
             <a:r>
-              <a:rPr lang="en-ZA" baseline="0" dirty="0" smtClean="0"/>
-              <a:t>&lt;html&gt; -</a:t>
+              <a:rPr lang="en-ZA" b="1" baseline="0" dirty="0" smtClean="0"/>
+              <a:t>Opening </a:t>
+            </a:r>
+            <a:r>
+              <a:rPr lang="en-ZA" b="0" baseline="0" dirty="0" smtClean="0"/>
+              <a:t>and</a:t>
+            </a:r>
+            <a:r>
+              <a:rPr lang="en-ZA" b="1" baseline="0" dirty="0" smtClean="0"/>
+              <a:t> closing tag</a:t>
             </a:r>
           </a:p>
           <a:p>
@@ -1366,20 +1752,6 @@
               <a:buFontTx/>
               <a:buChar char="-"/>
             </a:pPr>
-            <a:r>
-              <a:rPr lang="en-ZA" baseline="0" dirty="0" smtClean="0"/>
-              <a:t>Head tag –</a:t>
-            </a:r>
-          </a:p>
-          <a:p>
-            <a:pPr marL="171450" indent="-171450">
-              <a:buFontTx/>
-              <a:buChar char="-"/>
-            </a:pPr>
-            <a:r>
-              <a:rPr lang="en-ZA" baseline="0" dirty="0" smtClean="0"/>
-              <a:t>Body tag -</a:t>
-            </a:r>
             <a:endParaRPr lang="en-ZA" dirty="0"/>
           </a:p>
         </p:txBody>
@@ -1401,7 +1773,7 @@
           <a:p>
             <a:fld id="{BB75B98B-6232-4556-AC1A-7B82E0511A99}" type="slidenum">
               <a:rPr lang="en-ZA" smtClean="0"/>
-              <a:t>5</a:t>
+              <a:t>4</a:t>
             </a:fld>
             <a:endParaRPr lang="en-ZA"/>
           </a:p>
@@ -1410,7 +1782,175 @@
     </p:spTree>
     <p:extLst>
       <p:ext uri="{BB962C8B-B14F-4D97-AF65-F5344CB8AC3E}">
-        <p14:creationId xmlns:p14="http://schemas.microsoft.com/office/powerpoint/2010/main" val="4147081227"/>
+        <p14:creationId xmlns:p14="http://schemas.microsoft.com/office/powerpoint/2010/main" val="4039192201"/>
+      </p:ext>
+    </p:extLst>
+  </p:cSld>
+  <p:clrMapOvr>
+    <a:masterClrMapping/>
+  </p:clrMapOvr>
+</p:notes>
+</file>
+
+<file path=ppt/notesSlides/notesSlide20.xml><?xml version="1.0" encoding="utf-8"?>
+<p:notes xmlns:a="http://schemas.openxmlformats.org/drawingml/2006/main" xmlns:r="http://schemas.openxmlformats.org/officeDocument/2006/relationships" xmlns:p="http://schemas.openxmlformats.org/presentationml/2006/main">
+  <p:cSld>
+    <p:spTree>
+      <p:nvGrpSpPr>
+        <p:cNvPr id="1" name=""/>
+        <p:cNvGrpSpPr/>
+        <p:nvPr/>
+      </p:nvGrpSpPr>
+      <p:grpSpPr>
+        <a:xfrm>
+          <a:off x="0" y="0"/>
+          <a:ext cx="0" cy="0"/>
+          <a:chOff x="0" y="0"/>
+          <a:chExt cx="0" cy="0"/>
+        </a:xfrm>
+      </p:grpSpPr>
+      <p:sp>
+        <p:nvSpPr>
+          <p:cNvPr id="2" name="Slide Image Placeholder 1"/>
+          <p:cNvSpPr>
+            <a:spLocks noGrp="1" noRot="1" noChangeAspect="1"/>
+          </p:cNvSpPr>
+          <p:nvPr>
+            <p:ph type="sldImg"/>
+          </p:nvPr>
+        </p:nvSpPr>
+        <p:spPr/>
+      </p:sp>
+      <p:sp>
+        <p:nvSpPr>
+          <p:cNvPr id="3" name="Notes Placeholder 2"/>
+          <p:cNvSpPr>
+            <a:spLocks noGrp="1"/>
+          </p:cNvSpPr>
+          <p:nvPr>
+            <p:ph type="body" idx="1"/>
+          </p:nvPr>
+        </p:nvSpPr>
+        <p:spPr/>
+        <p:txBody>
+          <a:bodyPr/>
+          <a:lstStyle/>
+          <a:p>
+            <a:endParaRPr lang="en-ZA" dirty="0"/>
+          </a:p>
+        </p:txBody>
+      </p:sp>
+      <p:sp>
+        <p:nvSpPr>
+          <p:cNvPr id="4" name="Slide Number Placeholder 3"/>
+          <p:cNvSpPr>
+            <a:spLocks noGrp="1"/>
+          </p:cNvSpPr>
+          <p:nvPr>
+            <p:ph type="sldNum" sz="quarter" idx="10"/>
+          </p:nvPr>
+        </p:nvSpPr>
+        <p:spPr/>
+        <p:txBody>
+          <a:bodyPr/>
+          <a:lstStyle/>
+          <a:p>
+            <a:fld id="{BB75B98B-6232-4556-AC1A-7B82E0511A99}" type="slidenum">
+              <a:rPr lang="en-ZA" smtClean="0"/>
+              <a:t>32</a:t>
+            </a:fld>
+            <a:endParaRPr lang="en-ZA"/>
+          </a:p>
+        </p:txBody>
+      </p:sp>
+    </p:spTree>
+    <p:extLst>
+      <p:ext uri="{BB962C8B-B14F-4D97-AF65-F5344CB8AC3E}">
+        <p14:creationId xmlns:p14="http://schemas.microsoft.com/office/powerpoint/2010/main" val="1621762457"/>
+      </p:ext>
+    </p:extLst>
+  </p:cSld>
+  <p:clrMapOvr>
+    <a:masterClrMapping/>
+  </p:clrMapOvr>
+</p:notes>
+</file>
+
+<file path=ppt/notesSlides/notesSlide21.xml><?xml version="1.0" encoding="utf-8"?>
+<p:notes xmlns:a="http://schemas.openxmlformats.org/drawingml/2006/main" xmlns:r="http://schemas.openxmlformats.org/officeDocument/2006/relationships" xmlns:p="http://schemas.openxmlformats.org/presentationml/2006/main">
+  <p:cSld>
+    <p:spTree>
+      <p:nvGrpSpPr>
+        <p:cNvPr id="1" name=""/>
+        <p:cNvGrpSpPr/>
+        <p:nvPr/>
+      </p:nvGrpSpPr>
+      <p:grpSpPr>
+        <a:xfrm>
+          <a:off x="0" y="0"/>
+          <a:ext cx="0" cy="0"/>
+          <a:chOff x="0" y="0"/>
+          <a:chExt cx="0" cy="0"/>
+        </a:xfrm>
+      </p:grpSpPr>
+      <p:sp>
+        <p:nvSpPr>
+          <p:cNvPr id="2" name="Slide Image Placeholder 1"/>
+          <p:cNvSpPr>
+            <a:spLocks noGrp="1" noRot="1" noChangeAspect="1"/>
+          </p:cNvSpPr>
+          <p:nvPr>
+            <p:ph type="sldImg"/>
+          </p:nvPr>
+        </p:nvSpPr>
+        <p:spPr/>
+      </p:sp>
+      <p:sp>
+        <p:nvSpPr>
+          <p:cNvPr id="3" name="Notes Placeholder 2"/>
+          <p:cNvSpPr>
+            <a:spLocks noGrp="1"/>
+          </p:cNvSpPr>
+          <p:nvPr>
+            <p:ph type="body" idx="1"/>
+          </p:nvPr>
+        </p:nvSpPr>
+        <p:spPr/>
+        <p:txBody>
+          <a:bodyPr/>
+          <a:lstStyle/>
+          <a:p>
+            <a:endParaRPr lang="en-ZA" dirty="0"/>
+          </a:p>
+        </p:txBody>
+      </p:sp>
+      <p:sp>
+        <p:nvSpPr>
+          <p:cNvPr id="4" name="Slide Number Placeholder 3"/>
+          <p:cNvSpPr>
+            <a:spLocks noGrp="1"/>
+          </p:cNvSpPr>
+          <p:nvPr>
+            <p:ph type="sldNum" sz="quarter" idx="10"/>
+          </p:nvPr>
+        </p:nvSpPr>
+        <p:spPr/>
+        <p:txBody>
+          <a:bodyPr/>
+          <a:lstStyle/>
+          <a:p>
+            <a:fld id="{BB75B98B-6232-4556-AC1A-7B82E0511A99}" type="slidenum">
+              <a:rPr lang="en-ZA" smtClean="0"/>
+              <a:t>33</a:t>
+            </a:fld>
+            <a:endParaRPr lang="en-ZA"/>
+          </a:p>
+        </p:txBody>
+      </p:sp>
+    </p:spTree>
+    <p:extLst>
+      <p:ext uri="{BB962C8B-B14F-4D97-AF65-F5344CB8AC3E}">
+        <p14:creationId xmlns:p14="http://schemas.microsoft.com/office/powerpoint/2010/main" val="3535879632"/>
       </p:ext>
     </p:extLst>
   </p:cSld>
@@ -1469,18 +2009,9 @@
               <a:buChar char="-"/>
             </a:pPr>
             <a:r>
-              <a:rPr lang="en-ZA" dirty="0" smtClean="0"/>
-              <a:t>Before</a:t>
-            </a:r>
-            <a:r>
               <a:rPr lang="en-ZA" baseline="0" dirty="0" smtClean="0"/>
-              <a:t> HTML5 most containers were structured as </a:t>
-            </a:r>
-            <a:r>
-              <a:rPr lang="en-ZA" baseline="0" dirty="0" err="1" smtClean="0"/>
-              <a:t>div’s</a:t>
-            </a:r>
-            <a:endParaRPr lang="en-ZA" baseline="0" dirty="0" smtClean="0"/>
+              <a:t>Show examples of tags</a:t>
+            </a:r>
           </a:p>
           <a:p>
             <a:pPr marL="171450" indent="-171450">
@@ -1488,21 +2019,329 @@
               <a:buChar char="-"/>
             </a:pPr>
             <a:r>
+              <a:rPr lang="en-ZA" b="1" baseline="0" dirty="0" smtClean="0"/>
+              <a:t>&lt;!</a:t>
+            </a:r>
+            <a:r>
+              <a:rPr lang="en-ZA" b="1" baseline="0" dirty="0" err="1" smtClean="0"/>
+              <a:t>doctype</a:t>
+            </a:r>
+            <a:r>
+              <a:rPr lang="en-ZA" b="1" baseline="0" dirty="0" smtClean="0"/>
+              <a:t> html&gt;</a:t>
+            </a:r>
+            <a:r>
               <a:rPr lang="en-ZA" baseline="0" dirty="0" smtClean="0"/>
-              <a:t>One of HTML5’s focuses was on </a:t>
-            </a:r>
-            <a:r>
-              <a:rPr lang="en-ZA" baseline="0" dirty="0" err="1" smtClean="0"/>
-              <a:t>scemantics</a:t>
-            </a:r>
-            <a:endParaRPr lang="en-ZA" baseline="0" dirty="0" smtClean="0"/>
-          </a:p>
-          <a:p>
-            <a:pPr marL="171450" indent="-171450">
+              <a:t> </a:t>
+            </a:r>
+          </a:p>
+          <a:p>
+            <a:pPr marL="628650" lvl="1" indent="-171450">
               <a:buFontTx/>
               <a:buChar char="-"/>
             </a:pPr>
-            <a:endParaRPr lang="en-ZA" dirty="0"/>
+            <a:r>
+              <a:rPr lang="en-ZA" baseline="0" dirty="0" smtClean="0"/>
+              <a:t>is </a:t>
+            </a:r>
+            <a:r>
+              <a:rPr lang="en-ZA" b="1" baseline="0" dirty="0" smtClean="0"/>
+              <a:t>not a tag </a:t>
+            </a:r>
+            <a:r>
+              <a:rPr lang="en-ZA" baseline="0" dirty="0" smtClean="0"/>
+              <a:t>but rather an </a:t>
+            </a:r>
+            <a:r>
+              <a:rPr lang="en-ZA" b="1" baseline="0" dirty="0" smtClean="0"/>
+              <a:t>instruction to the browser </a:t>
+            </a:r>
+            <a:r>
+              <a:rPr lang="en-ZA" baseline="0" dirty="0" smtClean="0"/>
+              <a:t>stating which </a:t>
+            </a:r>
+            <a:r>
+              <a:rPr lang="en-ZA" b="1" baseline="0" dirty="0" smtClean="0"/>
+              <a:t>version of HTML </a:t>
+            </a:r>
+            <a:r>
+              <a:rPr lang="en-ZA" baseline="0" dirty="0" smtClean="0"/>
+              <a:t>the page is written in - HTML5</a:t>
+            </a:r>
+          </a:p>
+          <a:p>
+            <a:pPr marL="628650" lvl="1" indent="-171450">
+              <a:buFontTx/>
+              <a:buChar char="-"/>
+            </a:pPr>
+            <a:r>
+              <a:rPr lang="en-ZA" b="1" baseline="0" dirty="0" smtClean="0"/>
+              <a:t>HTML 4.01</a:t>
+            </a:r>
+            <a:r>
+              <a:rPr lang="en-ZA" baseline="0" dirty="0" smtClean="0"/>
+              <a:t> had </a:t>
+            </a:r>
+            <a:r>
+              <a:rPr lang="en-ZA" b="1" baseline="0" dirty="0" smtClean="0"/>
+              <a:t>variations</a:t>
+            </a:r>
+            <a:r>
+              <a:rPr lang="en-ZA" baseline="0" dirty="0" smtClean="0"/>
+              <a:t> but </a:t>
+            </a:r>
+            <a:r>
+              <a:rPr lang="en-ZA" b="1" baseline="0" dirty="0" smtClean="0"/>
+              <a:t>HTML5</a:t>
+            </a:r>
+            <a:r>
+              <a:rPr lang="en-ZA" baseline="0" dirty="0" smtClean="0"/>
+              <a:t> only has </a:t>
+            </a:r>
+            <a:r>
+              <a:rPr lang="en-ZA" b="1" baseline="0" dirty="0" smtClean="0"/>
+              <a:t>one</a:t>
+            </a:r>
+          </a:p>
+          <a:p>
+            <a:pPr marL="171450" lvl="0" indent="-171450">
+              <a:buFontTx/>
+              <a:buChar char="-"/>
+            </a:pPr>
+            <a:r>
+              <a:rPr lang="en-ZA" b="1" baseline="0" dirty="0" smtClean="0"/>
+              <a:t>&lt;html&gt;</a:t>
+            </a:r>
+          </a:p>
+          <a:p>
+            <a:pPr marL="628650" lvl="1" indent="-171450">
+              <a:buFontTx/>
+              <a:buChar char="-"/>
+            </a:pPr>
+            <a:r>
+              <a:rPr lang="en-ZA" b="0" baseline="0" dirty="0" smtClean="0"/>
+              <a:t>the</a:t>
+            </a:r>
+            <a:r>
+              <a:rPr lang="en-ZA" b="1" baseline="0" dirty="0" smtClean="0"/>
+              <a:t> root </a:t>
+            </a:r>
+            <a:r>
+              <a:rPr lang="en-ZA" b="0" baseline="0" dirty="0" smtClean="0"/>
+              <a:t>of an </a:t>
+            </a:r>
+            <a:r>
+              <a:rPr lang="en-ZA" b="1" baseline="0" dirty="0" smtClean="0"/>
+              <a:t>HTML document </a:t>
+            </a:r>
+            <a:r>
+              <a:rPr lang="en-ZA" b="0" baseline="0" dirty="0" smtClean="0"/>
+              <a:t>and</a:t>
+            </a:r>
+            <a:r>
+              <a:rPr lang="en-ZA" b="1" baseline="0" dirty="0" smtClean="0"/>
+              <a:t> tells </a:t>
+            </a:r>
+            <a:r>
+              <a:rPr lang="en-ZA" b="0" baseline="0" dirty="0" smtClean="0"/>
+              <a:t>the</a:t>
+            </a:r>
+            <a:r>
+              <a:rPr lang="en-ZA" b="1" baseline="0" dirty="0" smtClean="0"/>
+              <a:t> browser </a:t>
+            </a:r>
+            <a:r>
+              <a:rPr lang="en-ZA" b="0" baseline="0" dirty="0" smtClean="0"/>
+              <a:t>that the </a:t>
+            </a:r>
+            <a:r>
+              <a:rPr lang="en-ZA" b="1" baseline="0" dirty="0" smtClean="0"/>
+              <a:t>document is HTML</a:t>
+            </a:r>
+          </a:p>
+          <a:p>
+            <a:pPr marL="628650" lvl="1" indent="-171450">
+              <a:buFontTx/>
+              <a:buChar char="-"/>
+            </a:pPr>
+            <a:r>
+              <a:rPr lang="en-ZA" b="1" baseline="0" dirty="0" smtClean="0"/>
+              <a:t>contains all HTML elements</a:t>
+            </a:r>
+            <a:endParaRPr lang="en-ZA" b="1" baseline="0" dirty="0"/>
+          </a:p>
+          <a:p>
+            <a:pPr marL="171450" lvl="0" indent="-171450">
+              <a:buFontTx/>
+              <a:buChar char="-"/>
+            </a:pPr>
+            <a:r>
+              <a:rPr lang="en-ZA" b="1" baseline="0" dirty="0" smtClean="0"/>
+              <a:t>&lt;head&gt;</a:t>
+            </a:r>
+          </a:p>
+          <a:p>
+            <a:pPr marL="628650" marR="0" lvl="1" indent="-171450" algn="l" defTabSz="914400" rtl="0" eaLnBrk="1" fontAlgn="auto" latinLnBrk="0" hangingPunct="1">
+              <a:lnSpc>
+                <a:spcPct val="100000"/>
+              </a:lnSpc>
+              <a:spcBef>
+                <a:spcPts val="0"/>
+              </a:spcBef>
+              <a:spcAft>
+                <a:spcPts val="0"/>
+              </a:spcAft>
+              <a:buClrTx/>
+              <a:buSzTx/>
+              <a:buFontTx/>
+              <a:buChar char="-"/>
+              <a:tabLst/>
+              <a:defRPr/>
+            </a:pPr>
+            <a:r>
+              <a:rPr lang="en-ZA" b="0" baseline="0" dirty="0" smtClean="0"/>
+              <a:t>contains</a:t>
+            </a:r>
+            <a:r>
+              <a:rPr lang="en-ZA" b="1" baseline="0" dirty="0" smtClean="0"/>
+              <a:t> general, behind the scenes </a:t>
+            </a:r>
+            <a:r>
+              <a:rPr lang="en-ZA" b="0" baseline="0" dirty="0" smtClean="0"/>
+              <a:t>information related to the document</a:t>
+            </a:r>
+          </a:p>
+          <a:p>
+            <a:pPr marL="628650" lvl="1" indent="-171450">
+              <a:buFontTx/>
+              <a:buChar char="-"/>
+            </a:pPr>
+            <a:r>
+              <a:rPr lang="en-ZA" b="0" baseline="0" dirty="0" smtClean="0"/>
+              <a:t>contains all </a:t>
+            </a:r>
+            <a:r>
+              <a:rPr lang="en-ZA" b="1" baseline="0" dirty="0" smtClean="0"/>
+              <a:t>head elements</a:t>
+            </a:r>
+          </a:p>
+          <a:p>
+            <a:pPr marL="628650" lvl="1" indent="-171450">
+              <a:buFontTx/>
+              <a:buChar char="-"/>
+            </a:pPr>
+            <a:r>
+              <a:rPr lang="en-ZA" b="1" baseline="0" dirty="0" smtClean="0"/>
+              <a:t>title, scripts, styles, meta data, </a:t>
+            </a:r>
+            <a:r>
+              <a:rPr lang="en-ZA" b="0" baseline="0" dirty="0" smtClean="0"/>
+              <a:t>etc.</a:t>
+            </a:r>
+          </a:p>
+          <a:p>
+            <a:pPr marL="628650" lvl="1" indent="-171450">
+              <a:buFontTx/>
+              <a:buChar char="-"/>
+            </a:pPr>
+            <a:r>
+              <a:rPr lang="en-ZA" b="1" baseline="0" dirty="0" smtClean="0"/>
+              <a:t>charset</a:t>
+            </a:r>
+            <a:r>
+              <a:rPr lang="en-ZA" b="0" baseline="0" dirty="0" smtClean="0"/>
+              <a:t> – </a:t>
+            </a:r>
+            <a:r>
+              <a:rPr lang="en-ZA" b="1" baseline="0" dirty="0" smtClean="0"/>
+              <a:t>character encoding</a:t>
+            </a:r>
+            <a:r>
+              <a:rPr lang="en-ZA" b="0" baseline="0" dirty="0" smtClean="0"/>
+              <a:t> for the HTML document, </a:t>
+            </a:r>
+            <a:r>
+              <a:rPr lang="en-ZA" b="1" baseline="0" dirty="0" smtClean="0"/>
+              <a:t>UTF-8</a:t>
+            </a:r>
+            <a:r>
+              <a:rPr lang="en-ZA" b="0" baseline="0" dirty="0" smtClean="0"/>
+              <a:t> is capable of </a:t>
+            </a:r>
+            <a:r>
+              <a:rPr lang="en-ZA" b="1" baseline="0" dirty="0" smtClean="0"/>
+              <a:t>encoding all possible characters</a:t>
+            </a:r>
+            <a:r>
+              <a:rPr lang="en-ZA" b="0" baseline="0" dirty="0" smtClean="0"/>
+              <a:t> and is the </a:t>
+            </a:r>
+            <a:r>
+              <a:rPr lang="en-ZA" b="1" baseline="0" dirty="0" smtClean="0"/>
+              <a:t>preferred encoding </a:t>
+            </a:r>
+            <a:r>
+              <a:rPr lang="en-ZA" b="0" baseline="0" dirty="0" smtClean="0"/>
+              <a:t>for web pages</a:t>
+            </a:r>
+          </a:p>
+          <a:p>
+            <a:pPr marL="171450" lvl="0" indent="-171450">
+              <a:buFontTx/>
+              <a:buChar char="-"/>
+            </a:pPr>
+            <a:r>
+              <a:rPr lang="en-ZA" b="1" baseline="0" dirty="0" smtClean="0"/>
+              <a:t>&lt;body&gt;</a:t>
+            </a:r>
+          </a:p>
+          <a:p>
+            <a:pPr marL="628650" lvl="1" indent="-171450">
+              <a:buFontTx/>
+              <a:buChar char="-"/>
+            </a:pPr>
+            <a:r>
+              <a:rPr lang="en-ZA" b="1" baseline="0" dirty="0" smtClean="0"/>
+              <a:t>defines </a:t>
+            </a:r>
+            <a:r>
+              <a:rPr lang="en-ZA" b="0" baseline="0" dirty="0" smtClean="0"/>
+              <a:t>the</a:t>
+            </a:r>
+            <a:r>
+              <a:rPr lang="en-ZA" b="1" baseline="0" dirty="0" smtClean="0"/>
+              <a:t> document’s body </a:t>
+            </a:r>
+            <a:r>
+              <a:rPr lang="en-ZA" b="0" baseline="0" dirty="0" smtClean="0"/>
+              <a:t>and</a:t>
+            </a:r>
+            <a:r>
+              <a:rPr lang="en-ZA" b="1" baseline="0" dirty="0" smtClean="0"/>
+              <a:t> contains </a:t>
+            </a:r>
+            <a:r>
+              <a:rPr lang="en-ZA" b="0" baseline="0" dirty="0" smtClean="0"/>
+              <a:t>all the </a:t>
+            </a:r>
+            <a:r>
+              <a:rPr lang="en-ZA" b="1" baseline="0" dirty="0" smtClean="0"/>
+              <a:t>content </a:t>
+            </a:r>
+            <a:r>
+              <a:rPr lang="en-ZA" b="0" baseline="0" dirty="0" smtClean="0"/>
+              <a:t>of an HTML document</a:t>
+            </a:r>
+          </a:p>
+          <a:p>
+            <a:pPr marL="628650" lvl="1" indent="-171450">
+              <a:buFontTx/>
+              <a:buChar char="-"/>
+            </a:pPr>
+            <a:r>
+              <a:rPr lang="en-ZA" b="1" baseline="0" dirty="0" smtClean="0"/>
+              <a:t>hyperlinks, images, tables, lists, paragraphs, etc.</a:t>
+            </a:r>
           </a:p>
         </p:txBody>
       </p:sp>
@@ -1523,7 +2362,7 @@
           <a:p>
             <a:fld id="{BB75B98B-6232-4556-AC1A-7B82E0511A99}" type="slidenum">
               <a:rPr lang="en-ZA" smtClean="0"/>
-              <a:t>7</a:t>
+              <a:t>5</a:t>
             </a:fld>
             <a:endParaRPr lang="en-ZA"/>
           </a:p>
@@ -1532,7 +2371,7 @@
     </p:spTree>
     <p:extLst>
       <p:ext uri="{BB962C8B-B14F-4D97-AF65-F5344CB8AC3E}">
-        <p14:creationId xmlns:p14="http://schemas.microsoft.com/office/powerpoint/2010/main" val="3781258693"/>
+        <p14:creationId xmlns:p14="http://schemas.microsoft.com/office/powerpoint/2010/main" val="4147081227"/>
       </p:ext>
     </p:extLst>
   </p:cSld>
@@ -1591,8 +2430,32 @@
               <a:buChar char="-"/>
             </a:pPr>
             <a:r>
+              <a:rPr lang="en-ZA" dirty="0" smtClean="0"/>
+              <a:t>HTML5 introduced</a:t>
+            </a:r>
+            <a:r>
               <a:rPr lang="en-ZA" baseline="0" dirty="0" smtClean="0"/>
-              <a:t>Briefly discuss tabs</a:t>
+              <a:t> </a:t>
+            </a:r>
+            <a:r>
+              <a:rPr lang="en-ZA" b="1" baseline="0" dirty="0" smtClean="0"/>
+              <a:t>new semantic elements </a:t>
+            </a:r>
+            <a:r>
+              <a:rPr lang="en-ZA" baseline="0" dirty="0" smtClean="0"/>
+              <a:t>to </a:t>
+            </a:r>
+            <a:r>
+              <a:rPr lang="en-ZA" b="1" baseline="0" dirty="0" smtClean="0"/>
+              <a:t>simplify</a:t>
+            </a:r>
+            <a:r>
+              <a:rPr lang="en-ZA" baseline="0" dirty="0" smtClean="0"/>
+              <a:t> and </a:t>
+            </a:r>
+            <a:r>
+              <a:rPr lang="en-ZA" b="1" baseline="0" dirty="0" smtClean="0"/>
+              <a:t>better describe content contained within an element</a:t>
             </a:r>
           </a:p>
           <a:p>
@@ -1601,9 +2464,32 @@
               <a:buChar char="-"/>
             </a:pPr>
             <a:r>
-              <a:rPr lang="en-ZA" baseline="0" dirty="0" smtClean="0"/>
-              <a:t>Define general structure of the site (containers)</a:t>
-            </a:r>
+              <a:rPr lang="en-ZA" b="0" baseline="0" dirty="0" smtClean="0"/>
+              <a:t>Previous use of </a:t>
+            </a:r>
+            <a:r>
+              <a:rPr lang="en-ZA" b="1" baseline="0" dirty="0" smtClean="0"/>
+              <a:t>div </a:t>
+            </a:r>
+            <a:r>
+              <a:rPr lang="en-ZA" b="0" baseline="0" dirty="0" smtClean="0"/>
+              <a:t>was </a:t>
+            </a:r>
+            <a:r>
+              <a:rPr lang="en-ZA" b="1" baseline="0" dirty="0" smtClean="0"/>
+              <a:t>not very descriptive</a:t>
+            </a:r>
+          </a:p>
+          <a:p>
+            <a:pPr marL="171450" indent="-171450">
+              <a:buFontTx/>
+              <a:buChar char="-"/>
+            </a:pPr>
+            <a:r>
+              <a:rPr lang="en-ZA" b="1" baseline="0" dirty="0" smtClean="0"/>
+              <a:t>Cleaner, nicer looking code</a:t>
+            </a:r>
+            <a:endParaRPr lang="en-ZA" b="1" dirty="0"/>
           </a:p>
         </p:txBody>
       </p:sp>
@@ -1624,7 +2510,7 @@
           <a:p>
             <a:fld id="{BB75B98B-6232-4556-AC1A-7B82E0511A99}" type="slidenum">
               <a:rPr lang="en-ZA" smtClean="0"/>
-              <a:t>9</a:t>
+              <a:t>7</a:t>
             </a:fld>
             <a:endParaRPr lang="en-ZA"/>
           </a:p>
@@ -1633,7 +2519,7 @@
     </p:spTree>
     <p:extLst>
       <p:ext uri="{BB962C8B-B14F-4D97-AF65-F5344CB8AC3E}">
-        <p14:creationId xmlns:p14="http://schemas.microsoft.com/office/powerpoint/2010/main" val="4251487383"/>
+        <p14:creationId xmlns:p14="http://schemas.microsoft.com/office/powerpoint/2010/main" val="3781258693"/>
       </p:ext>
     </p:extLst>
   </p:cSld>
@@ -1687,52 +2573,10 @@
           <a:bodyPr/>
           <a:lstStyle/>
           <a:p>
-            <a:pPr marL="171450" marR="0" indent="-171450" algn="l" defTabSz="914400" rtl="0" eaLnBrk="1" fontAlgn="auto" latinLnBrk="0" hangingPunct="1">
-              <a:lnSpc>
-                <a:spcPct val="100000"/>
-              </a:lnSpc>
-              <a:spcBef>
-                <a:spcPts val="0"/>
-              </a:spcBef>
-              <a:spcAft>
-                <a:spcPts val="0"/>
-              </a:spcAft>
-              <a:buClrTx/>
-              <a:buSzTx/>
-              <a:buFontTx/>
-              <a:buChar char="-"/>
-              <a:tabLst/>
-              <a:defRPr/>
-            </a:pPr>
             <a:r>
               <a:rPr lang="en-ZA" dirty="0" smtClean="0"/>
-              <a:t>Discuss tags – used for formatting</a:t>
-            </a:r>
-          </a:p>
-          <a:p>
-            <a:pPr marL="171450" marR="0" indent="-171450" algn="l" defTabSz="914400" rtl="0" eaLnBrk="1" fontAlgn="auto" latinLnBrk="0" hangingPunct="1">
-              <a:lnSpc>
-                <a:spcPct val="100000"/>
-              </a:lnSpc>
-              <a:spcBef>
-                <a:spcPts val="0"/>
-              </a:spcBef>
-              <a:spcAft>
-                <a:spcPts val="0"/>
-              </a:spcAft>
-              <a:buClrTx/>
-              <a:buSzTx/>
-              <a:buFontTx/>
-              <a:buChar char="-"/>
-              <a:tabLst/>
-              <a:defRPr/>
-            </a:pPr>
-            <a:r>
-              <a:rPr lang="en-ZA" dirty="0" smtClean="0"/>
-              <a:t>Tags can be nested</a:t>
-            </a:r>
-          </a:p>
-          <a:p>
+              <a:t>Discuss code</a:t>
+            </a:r>
             <a:endParaRPr lang="en-ZA" dirty="0"/>
           </a:p>
         </p:txBody>
@@ -1754,7 +2598,7 @@
           <a:p>
             <a:fld id="{BB75B98B-6232-4556-AC1A-7B82E0511A99}" type="slidenum">
               <a:rPr lang="en-ZA" smtClean="0"/>
-              <a:t>10</a:t>
+              <a:t>8</a:t>
             </a:fld>
             <a:endParaRPr lang="en-ZA"/>
           </a:p>
@@ -1763,7 +2607,7 @@
     </p:spTree>
     <p:extLst>
       <p:ext uri="{BB962C8B-B14F-4D97-AF65-F5344CB8AC3E}">
-        <p14:creationId xmlns:p14="http://schemas.microsoft.com/office/powerpoint/2010/main" val="3017194443"/>
+        <p14:creationId xmlns:p14="http://schemas.microsoft.com/office/powerpoint/2010/main" val="2454641188"/>
       </p:ext>
     </p:extLst>
   </p:cSld>
@@ -1817,7 +2661,11 @@
           <a:bodyPr/>
           <a:lstStyle/>
           <a:p>
-            <a:endParaRPr lang="en-ZA" dirty="0"/>
+            <a:pPr marL="171450" indent="-171450">
+              <a:buFontTx/>
+              <a:buChar char="-"/>
+            </a:pPr>
+            <a:endParaRPr lang="en-ZA" baseline="0" dirty="0" smtClean="0"/>
           </a:p>
         </p:txBody>
       </p:sp>
@@ -1838,7 +2686,7 @@
           <a:p>
             <a:fld id="{BB75B98B-6232-4556-AC1A-7B82E0511A99}" type="slidenum">
               <a:rPr lang="en-ZA" smtClean="0"/>
-              <a:t>11</a:t>
+              <a:t>9</a:t>
             </a:fld>
             <a:endParaRPr lang="en-ZA"/>
           </a:p>
@@ -1847,7 +2695,7 @@
     </p:spTree>
     <p:extLst>
       <p:ext uri="{BB962C8B-B14F-4D97-AF65-F5344CB8AC3E}">
-        <p14:creationId xmlns:p14="http://schemas.microsoft.com/office/powerpoint/2010/main" val="885055773"/>
+        <p14:creationId xmlns:p14="http://schemas.microsoft.com/office/powerpoint/2010/main" val="4251487383"/>
       </p:ext>
     </p:extLst>
   </p:cSld>
@@ -1901,7 +2749,24 @@
           <a:bodyPr/>
           <a:lstStyle/>
           <a:p>
-            <a:endParaRPr lang="en-ZA" dirty="0"/>
+            <a:pPr marL="0" marR="0" indent="0" algn="l" defTabSz="914400" rtl="0" eaLnBrk="1" fontAlgn="auto" latinLnBrk="0" hangingPunct="1">
+              <a:lnSpc>
+                <a:spcPct val="100000"/>
+              </a:lnSpc>
+              <a:spcBef>
+                <a:spcPts val="0"/>
+              </a:spcBef>
+              <a:spcAft>
+                <a:spcPts val="0"/>
+              </a:spcAft>
+              <a:buClrTx/>
+              <a:buSzTx/>
+              <a:buFontTx/>
+              <a:buNone/>
+              <a:tabLst/>
+              <a:defRPr/>
+            </a:pPr>
+            <a:endParaRPr lang="en-ZA" dirty="0" smtClean="0"/>
           </a:p>
         </p:txBody>
       </p:sp>
@@ -1922,7 +2787,7 @@
           <a:p>
             <a:fld id="{BB75B98B-6232-4556-AC1A-7B82E0511A99}" type="slidenum">
               <a:rPr lang="en-ZA" smtClean="0"/>
-              <a:t>14</a:t>
+              <a:t>10</a:t>
             </a:fld>
             <a:endParaRPr lang="en-ZA"/>
           </a:p>
@@ -1931,7 +2796,7 @@
     </p:spTree>
     <p:extLst>
       <p:ext uri="{BB962C8B-B14F-4D97-AF65-F5344CB8AC3E}">
-        <p14:creationId xmlns:p14="http://schemas.microsoft.com/office/powerpoint/2010/main" val="4287639098"/>
+        <p14:creationId xmlns:p14="http://schemas.microsoft.com/office/powerpoint/2010/main" val="3017194443"/>
       </p:ext>
     </p:extLst>
   </p:cSld>
@@ -1985,10 +2850,6 @@
           <a:bodyPr/>
           <a:lstStyle/>
           <a:p>
-            <a:r>
-              <a:rPr lang="en-ZA" dirty="0" smtClean="0"/>
-              <a:t>- Can’t use the same div twice</a:t>
-            </a:r>
             <a:endParaRPr lang="en-ZA" dirty="0"/>
           </a:p>
         </p:txBody>
@@ -2010,7 +2871,7 @@
           <a:p>
             <a:fld id="{BB75B98B-6232-4556-AC1A-7B82E0511A99}" type="slidenum">
               <a:rPr lang="en-ZA" smtClean="0"/>
-              <a:t>15</a:t>
+              <a:t>11</a:t>
             </a:fld>
             <a:endParaRPr lang="en-ZA"/>
           </a:p>
@@ -2019,7 +2880,7 @@
     </p:spTree>
     <p:extLst>
       <p:ext uri="{BB962C8B-B14F-4D97-AF65-F5344CB8AC3E}">
-        <p14:creationId xmlns:p14="http://schemas.microsoft.com/office/powerpoint/2010/main" val="3734087040"/>
+        <p14:creationId xmlns:p14="http://schemas.microsoft.com/office/powerpoint/2010/main" val="3521105626"/>
       </p:ext>
     </p:extLst>
   </p:cSld>
@@ -2073,7 +2934,67 @@
           <a:bodyPr/>
           <a:lstStyle/>
           <a:p>
-            <a:endParaRPr lang="en-ZA" dirty="0"/>
+            <a:pPr marL="171450" indent="-171450">
+              <a:buFontTx/>
+              <a:buChar char="-"/>
+            </a:pPr>
+            <a:r>
+              <a:rPr lang="en-ZA" b="1" baseline="0" dirty="0" smtClean="0"/>
+              <a:t>Extra information </a:t>
+            </a:r>
+            <a:r>
+              <a:rPr lang="en-ZA" baseline="0" dirty="0" smtClean="0"/>
+              <a:t>can be </a:t>
+            </a:r>
+            <a:r>
+              <a:rPr lang="en-ZA" b="1" baseline="0" dirty="0" smtClean="0"/>
+              <a:t>added</a:t>
+            </a:r>
+            <a:r>
+              <a:rPr lang="en-ZA" baseline="0" dirty="0" smtClean="0"/>
+              <a:t> to HTML </a:t>
+            </a:r>
+            <a:r>
+              <a:rPr lang="en-ZA" b="1" baseline="0" dirty="0" smtClean="0"/>
+              <a:t>elements</a:t>
+            </a:r>
+            <a:r>
+              <a:rPr lang="en-ZA" baseline="0" dirty="0" smtClean="0"/>
+              <a:t> or tags by using </a:t>
+            </a:r>
+            <a:r>
+              <a:rPr lang="en-ZA" b="1" baseline="0" dirty="0" smtClean="0"/>
+              <a:t>attributes</a:t>
+            </a:r>
+          </a:p>
+          <a:p>
+            <a:pPr marL="171450" indent="-171450">
+              <a:buFontTx/>
+              <a:buChar char="-"/>
+            </a:pPr>
+            <a:r>
+              <a:rPr lang="en-ZA" b="1" baseline="0" dirty="0" smtClean="0"/>
+              <a:t>Width, height, classes and id’s, external source files, links, etc.</a:t>
+            </a:r>
+          </a:p>
+          <a:p>
+            <a:pPr marL="171450" indent="-171450">
+              <a:buFontTx/>
+              <a:buChar char="-"/>
+            </a:pPr>
+            <a:r>
+              <a:rPr lang="en-ZA" b="0" baseline="0" dirty="0" smtClean="0"/>
+              <a:t>State</a:t>
+            </a:r>
+            <a:r>
+              <a:rPr lang="en-ZA" b="1" baseline="0" dirty="0" smtClean="0"/>
+              <a:t> attribute name = “value”, double quotations </a:t>
+            </a:r>
+            <a:r>
+              <a:rPr lang="en-ZA" b="0" baseline="0" dirty="0" smtClean="0"/>
+              <a:t>are preferred practise</a:t>
+            </a:r>
+            <a:endParaRPr lang="en-ZA" b="0" dirty="0"/>
           </a:p>
         </p:txBody>
       </p:sp>
@@ -2094,7 +3015,7 @@
           <a:p>
             <a:fld id="{BB75B98B-6232-4556-AC1A-7B82E0511A99}" type="slidenum">
               <a:rPr lang="en-ZA" smtClean="0"/>
-              <a:t>16</a:t>
+              <a:t>12</a:t>
             </a:fld>
             <a:endParaRPr lang="en-ZA"/>
           </a:p>
@@ -2103,7 +3024,7 @@
     </p:spTree>
     <p:extLst>
       <p:ext uri="{BB962C8B-B14F-4D97-AF65-F5344CB8AC3E}">
-        <p14:creationId xmlns:p14="http://schemas.microsoft.com/office/powerpoint/2010/main" val="286341168"/>
+        <p14:creationId xmlns:p14="http://schemas.microsoft.com/office/powerpoint/2010/main" val="3526858781"/>
       </p:ext>
     </p:extLst>
   </p:cSld>
@@ -2244,7 +3165,7 @@
           <a:p>
             <a:fld id="{5B0D97BF-FEF0-4DF6-B6FC-4DCE80F93E2C}" type="datetimeFigureOut">
               <a:rPr lang="en-ZA" smtClean="0"/>
-              <a:t>2017/02/23</a:t>
+              <a:t>2017/02/24</a:t>
             </a:fld>
             <a:endParaRPr lang="en-ZA"/>
           </a:p>
@@ -2414,7 +3335,7 @@
           <a:p>
             <a:fld id="{5B0D97BF-FEF0-4DF6-B6FC-4DCE80F93E2C}" type="datetimeFigureOut">
               <a:rPr lang="en-ZA" smtClean="0"/>
-              <a:t>2017/02/23</a:t>
+              <a:t>2017/02/24</a:t>
             </a:fld>
             <a:endParaRPr lang="en-ZA"/>
           </a:p>
@@ -2594,7 +3515,7 @@
           <a:p>
             <a:fld id="{5B0D97BF-FEF0-4DF6-B6FC-4DCE80F93E2C}" type="datetimeFigureOut">
               <a:rPr lang="en-ZA" smtClean="0"/>
-              <a:t>2017/02/23</a:t>
+              <a:t>2017/02/24</a:t>
             </a:fld>
             <a:endParaRPr lang="en-ZA"/>
           </a:p>
@@ -2764,7 +3685,7 @@
           <a:p>
             <a:fld id="{5B0D97BF-FEF0-4DF6-B6FC-4DCE80F93E2C}" type="datetimeFigureOut">
               <a:rPr lang="en-ZA" smtClean="0"/>
-              <a:t>2017/02/23</a:t>
+              <a:t>2017/02/24</a:t>
             </a:fld>
             <a:endParaRPr lang="en-ZA"/>
           </a:p>
@@ -3010,7 +3931,7 @@
           <a:p>
             <a:fld id="{5B0D97BF-FEF0-4DF6-B6FC-4DCE80F93E2C}" type="datetimeFigureOut">
               <a:rPr lang="en-ZA" smtClean="0"/>
-              <a:t>2017/02/23</a:t>
+              <a:t>2017/02/24</a:t>
             </a:fld>
             <a:endParaRPr lang="en-ZA"/>
           </a:p>
@@ -3242,7 +4163,7 @@
           <a:p>
             <a:fld id="{5B0D97BF-FEF0-4DF6-B6FC-4DCE80F93E2C}" type="datetimeFigureOut">
               <a:rPr lang="en-ZA" smtClean="0"/>
-              <a:t>2017/02/23</a:t>
+              <a:t>2017/02/24</a:t>
             </a:fld>
             <a:endParaRPr lang="en-ZA"/>
           </a:p>
@@ -3609,7 +4530,7 @@
           <a:p>
             <a:fld id="{5B0D97BF-FEF0-4DF6-B6FC-4DCE80F93E2C}" type="datetimeFigureOut">
               <a:rPr lang="en-ZA" smtClean="0"/>
-              <a:t>2017/02/23</a:t>
+              <a:t>2017/02/24</a:t>
             </a:fld>
             <a:endParaRPr lang="en-ZA"/>
           </a:p>
@@ -3727,7 +4648,7 @@
           <a:p>
             <a:fld id="{5B0D97BF-FEF0-4DF6-B6FC-4DCE80F93E2C}" type="datetimeFigureOut">
               <a:rPr lang="en-ZA" smtClean="0"/>
-              <a:t>2017/02/23</a:t>
+              <a:t>2017/02/24</a:t>
             </a:fld>
             <a:endParaRPr lang="en-ZA"/>
           </a:p>
@@ -3822,7 +4743,7 @@
           <a:p>
             <a:fld id="{5B0D97BF-FEF0-4DF6-B6FC-4DCE80F93E2C}" type="datetimeFigureOut">
               <a:rPr lang="en-ZA" smtClean="0"/>
-              <a:t>2017/02/23</a:t>
+              <a:t>2017/02/24</a:t>
             </a:fld>
             <a:endParaRPr lang="en-ZA"/>
           </a:p>
@@ -4099,7 +5020,7 @@
           <a:p>
             <a:fld id="{5B0D97BF-FEF0-4DF6-B6FC-4DCE80F93E2C}" type="datetimeFigureOut">
               <a:rPr lang="en-ZA" smtClean="0"/>
-              <a:t>2017/02/23</a:t>
+              <a:t>2017/02/24</a:t>
             </a:fld>
             <a:endParaRPr lang="en-ZA"/>
           </a:p>
@@ -4352,7 +5273,7 @@
           <a:p>
             <a:fld id="{5B0D97BF-FEF0-4DF6-B6FC-4DCE80F93E2C}" type="datetimeFigureOut">
               <a:rPr lang="en-ZA" smtClean="0"/>
-              <a:t>2017/02/23</a:t>
+              <a:t>2017/02/24</a:t>
             </a:fld>
             <a:endParaRPr lang="en-ZA"/>
           </a:p>
@@ -4565,7 +5486,7 @@
           <a:p>
             <a:fld id="{5B0D97BF-FEF0-4DF6-B6FC-4DCE80F93E2C}" type="datetimeFigureOut">
               <a:rPr lang="en-ZA" smtClean="0"/>
-              <a:t>2017/02/23</a:t>
+              <a:t>2017/02/24</a:t>
             </a:fld>
             <a:endParaRPr lang="en-ZA"/>
           </a:p>
@@ -5464,14 +6385,14 @@
           <p:nvPr>
             <p:extLst>
               <p:ext uri="{D42A27DB-BD31-4B8C-83A1-F6EECF244321}">
-                <p14:modId xmlns:p14="http://schemas.microsoft.com/office/powerpoint/2010/main" val="1276011410"/>
+                <p14:modId xmlns:p14="http://schemas.microsoft.com/office/powerpoint/2010/main" val="468267368"/>
               </p:ext>
             </p:extLst>
           </p:nvPr>
         </p:nvGraphicFramePr>
         <p:xfrm>
-          <a:off x="2032000" y="1371627"/>
-          <a:ext cx="8128002" cy="4138824"/>
+          <a:off x="2032000" y="1425414"/>
+          <a:ext cx="8128002" cy="3959644"/>
         </p:xfrm>
         <a:graphic>
           <a:graphicData uri="http://schemas.openxmlformats.org/drawingml/2006/table">
@@ -5483,17 +6404,17 @@
                 <a:gridCol w="3625850"/>
                 <a:gridCol w="4502152"/>
               </a:tblGrid>
-              <a:tr h="341705">
+              <a:tr h="396000">
                 <a:tc>
                   <a:txBody>
                     <a:bodyPr/>
                     <a:lstStyle/>
                     <a:p>
                       <a:r>
-                        <a:rPr lang="en-ZA" dirty="0" smtClean="0"/>
+                        <a:rPr lang="en-ZA" sz="1800" dirty="0" smtClean="0"/>
                         <a:t>TAG</a:t>
                       </a:r>
-                      <a:endParaRPr lang="en-ZA" dirty="0"/>
+                      <a:endParaRPr lang="en-ZA" sz="1800" dirty="0"/>
                     </a:p>
                   </a:txBody>
                   <a:tcPr>
@@ -5508,10 +6429,10 @@
                     <a:lstStyle/>
                     <a:p>
                       <a:r>
-                        <a:rPr lang="en-ZA" dirty="0" smtClean="0"/>
+                        <a:rPr lang="en-ZA" sz="1800" dirty="0" smtClean="0"/>
                         <a:t>TAG DESCRIPTION</a:t>
                       </a:r>
-                      <a:endParaRPr lang="en-ZA" dirty="0"/>
+                      <a:endParaRPr lang="en-ZA" sz="1800" dirty="0"/>
                     </a:p>
                   </a:txBody>
                   <a:tcPr>
@@ -5521,14 +6442,14 @@
                   </a:tcPr>
                 </a:tc>
               </a:tr>
-              <a:tr h="314422">
+              <a:tr h="395644">
                 <a:tc>
                   <a:txBody>
                     <a:bodyPr/>
                     <a:lstStyle/>
                     <a:p>
                       <a:r>
-                        <a:rPr lang="en-ZA" sz="1400" dirty="0" smtClean="0">
+                        <a:rPr lang="en-ZA" sz="1800" dirty="0" smtClean="0">
                           <a:solidFill>
                             <a:schemeClr val="tx1">
                               <a:lumMod val="65000"/>
@@ -5538,7 +6459,7 @@
                         </a:rPr>
                         <a:t>&lt;h1&gt;&lt;/h1&gt;</a:t>
                       </a:r>
-                      <a:endParaRPr lang="en-ZA" sz="1400" dirty="0">
+                      <a:endParaRPr lang="en-ZA" sz="1800" dirty="0">
                         <a:solidFill>
                           <a:schemeClr val="tx1">
                             <a:lumMod val="65000"/>
@@ -5556,7 +6477,7 @@
                     <a:lstStyle/>
                     <a:p>
                       <a:r>
-                        <a:rPr lang="en-ZA" sz="1400" dirty="0" smtClean="0">
+                        <a:rPr lang="en-ZA" sz="1800" dirty="0" smtClean="0">
                           <a:solidFill>
                             <a:schemeClr val="tx1">
                               <a:lumMod val="65000"/>
@@ -5566,7 +6487,7 @@
                         </a:rPr>
                         <a:t>Defines a heading: &lt;h1&gt; - &lt;h6&gt;</a:t>
                       </a:r>
-                      <a:endParaRPr lang="en-ZA" sz="1400" dirty="0">
+                      <a:endParaRPr lang="en-ZA" sz="1800" dirty="0">
                         <a:solidFill>
                           <a:schemeClr val="tx1">
                             <a:lumMod val="65000"/>
@@ -5579,14 +6500,14 @@
                   <a:tcPr/>
                 </a:tc>
               </a:tr>
-              <a:tr h="314422">
+              <a:tr h="396000">
                 <a:tc>
                   <a:txBody>
                     <a:bodyPr/>
                     <a:lstStyle/>
                     <a:p>
                       <a:r>
-                        <a:rPr lang="en-ZA" sz="1400" dirty="0" smtClean="0">
+                        <a:rPr lang="en-ZA" sz="1800" dirty="0" smtClean="0">
                           <a:solidFill>
                             <a:schemeClr val="tx1">
                               <a:lumMod val="65000"/>
@@ -5596,7 +6517,7 @@
                         </a:rPr>
                         <a:t>&lt;p&gt;&lt;/p&gt;</a:t>
                       </a:r>
-                      <a:endParaRPr lang="en-ZA" sz="1400" dirty="0">
+                      <a:endParaRPr lang="en-ZA" sz="1800" dirty="0">
                         <a:solidFill>
                           <a:schemeClr val="tx1">
                             <a:lumMod val="65000"/>
@@ -5614,7 +6535,7 @@
                     <a:lstStyle/>
                     <a:p>
                       <a:r>
-                        <a:rPr lang="en-ZA" sz="1400" dirty="0" smtClean="0">
+                        <a:rPr lang="en-ZA" sz="1800" dirty="0" smtClean="0">
                           <a:solidFill>
                             <a:schemeClr val="tx1">
                               <a:lumMod val="65000"/>
@@ -5624,7 +6545,7 @@
                         </a:rPr>
                         <a:t>Defines a paragraph</a:t>
                       </a:r>
-                      <a:endParaRPr lang="en-ZA" sz="1400" dirty="0">
+                      <a:endParaRPr lang="en-ZA" sz="1800" dirty="0">
                         <a:solidFill>
                           <a:schemeClr val="tx1">
                             <a:lumMod val="65000"/>
@@ -5637,14 +6558,14 @@
                   <a:tcPr/>
                 </a:tc>
               </a:tr>
-              <a:tr h="314422">
+              <a:tr h="396000">
                 <a:tc>
                   <a:txBody>
                     <a:bodyPr/>
                     <a:lstStyle/>
                     <a:p>
                       <a:r>
-                        <a:rPr lang="en-ZA" sz="1400" dirty="0" smtClean="0">
+                        <a:rPr lang="en-ZA" sz="1800" dirty="0" smtClean="0">
                           <a:solidFill>
                             <a:schemeClr val="tx1">
                               <a:lumMod val="65000"/>
@@ -5655,7 +6576,7 @@
                         <a:t>&lt;</a:t>
                       </a:r>
                       <a:r>
-                        <a:rPr lang="en-ZA" sz="1400" dirty="0" err="1" smtClean="0">
+                        <a:rPr lang="en-ZA" sz="1800" dirty="0" err="1" smtClean="0">
                           <a:solidFill>
                             <a:schemeClr val="tx1">
                               <a:lumMod val="65000"/>
@@ -5666,7 +6587,7 @@
                         <a:t>blockquote</a:t>
                       </a:r>
                       <a:r>
-                        <a:rPr lang="en-ZA" sz="1400" dirty="0" smtClean="0">
+                        <a:rPr lang="en-ZA" sz="1800" dirty="0" smtClean="0">
                           <a:solidFill>
                             <a:schemeClr val="tx1">
                               <a:lumMod val="65000"/>
@@ -5677,7 +6598,7 @@
                         <a:t>&gt;&lt;/</a:t>
                       </a:r>
                       <a:r>
-                        <a:rPr lang="en-ZA" sz="1400" dirty="0" err="1" smtClean="0">
+                        <a:rPr lang="en-ZA" sz="1800" dirty="0" err="1" smtClean="0">
                           <a:solidFill>
                             <a:schemeClr val="tx1">
                               <a:lumMod val="65000"/>
@@ -5688,7 +6609,7 @@
                         <a:t>blockquote</a:t>
                       </a:r>
                       <a:r>
-                        <a:rPr lang="en-ZA" sz="1400" dirty="0" smtClean="0">
+                        <a:rPr lang="en-ZA" sz="1800" dirty="0" smtClean="0">
                           <a:solidFill>
                             <a:schemeClr val="tx1">
                               <a:lumMod val="65000"/>
@@ -5698,7 +6619,7 @@
                         </a:rPr>
                         <a:t>/&gt;</a:t>
                       </a:r>
-                      <a:endParaRPr lang="en-ZA" sz="1400" dirty="0">
+                      <a:endParaRPr lang="en-ZA" sz="1800" dirty="0">
                         <a:solidFill>
                           <a:schemeClr val="tx1">
                             <a:lumMod val="65000"/>
@@ -5716,7 +6637,7 @@
                     <a:lstStyle/>
                     <a:p>
                       <a:r>
-                        <a:rPr lang="en-ZA" sz="1400" dirty="0" smtClean="0">
+                        <a:rPr lang="en-ZA" sz="1800" dirty="0" smtClean="0">
                           <a:solidFill>
                             <a:schemeClr val="tx1">
                               <a:lumMod val="65000"/>
@@ -5726,7 +6647,7 @@
                         </a:rPr>
                         <a:t>Defines a quotation</a:t>
                       </a:r>
-                      <a:endParaRPr lang="en-ZA" sz="1400" dirty="0">
+                      <a:endParaRPr lang="en-ZA" sz="1800" dirty="0">
                         <a:solidFill>
                           <a:schemeClr val="tx1">
                             <a:lumMod val="65000"/>
@@ -5739,14 +6660,14 @@
                   <a:tcPr/>
                 </a:tc>
               </a:tr>
-              <a:tr h="314422">
+              <a:tr h="396000">
                 <a:tc>
                   <a:txBody>
                     <a:bodyPr/>
                     <a:lstStyle/>
                     <a:p>
                       <a:r>
-                        <a:rPr lang="en-ZA" sz="1400" dirty="0" smtClean="0">
+                        <a:rPr lang="en-ZA" sz="1800" dirty="0" smtClean="0">
                           <a:solidFill>
                             <a:schemeClr val="tx1">
                               <a:lumMod val="65000"/>
@@ -5757,7 +6678,7 @@
                         <a:t>&lt;</a:t>
                       </a:r>
                       <a:r>
-                        <a:rPr lang="en-ZA" sz="1400" dirty="0" err="1" smtClean="0">
+                        <a:rPr lang="en-ZA" sz="1800" dirty="0" err="1" smtClean="0">
                           <a:solidFill>
                             <a:schemeClr val="tx1">
                               <a:lumMod val="65000"/>
@@ -5768,7 +6689,7 @@
                         <a:t>em</a:t>
                       </a:r>
                       <a:r>
-                        <a:rPr lang="en-ZA" sz="1400" dirty="0" smtClean="0">
+                        <a:rPr lang="en-ZA" sz="1800" dirty="0" smtClean="0">
                           <a:solidFill>
                             <a:schemeClr val="tx1">
                               <a:lumMod val="65000"/>
@@ -5779,7 +6700,7 @@
                         <a:t>&gt;&lt;/</a:t>
                       </a:r>
                       <a:r>
-                        <a:rPr lang="en-ZA" sz="1400" dirty="0" err="1" smtClean="0">
+                        <a:rPr lang="en-ZA" sz="1800" dirty="0" err="1" smtClean="0">
                           <a:solidFill>
                             <a:schemeClr val="tx1">
                               <a:lumMod val="65000"/>
@@ -5790,7 +6711,7 @@
                         <a:t>em</a:t>
                       </a:r>
                       <a:r>
-                        <a:rPr lang="en-ZA" sz="1400" dirty="0" smtClean="0">
+                        <a:rPr lang="en-ZA" sz="1800" dirty="0" smtClean="0">
                           <a:solidFill>
                             <a:schemeClr val="tx1">
                               <a:lumMod val="65000"/>
@@ -5800,7 +6721,7 @@
                         </a:rPr>
                         <a:t>&gt;</a:t>
                       </a:r>
-                      <a:endParaRPr lang="en-ZA" sz="1400" dirty="0">
+                      <a:endParaRPr lang="en-ZA" sz="1800" dirty="0">
                         <a:solidFill>
                           <a:schemeClr val="tx1">
                             <a:lumMod val="65000"/>
@@ -5818,7 +6739,7 @@
                     <a:lstStyle/>
                     <a:p>
                       <a:r>
-                        <a:rPr lang="en-ZA" sz="1400" dirty="0" smtClean="0">
+                        <a:rPr lang="en-ZA" sz="1800" dirty="0" smtClean="0">
                           <a:solidFill>
                             <a:schemeClr val="tx1">
                               <a:lumMod val="65000"/>
@@ -5828,7 +6749,7 @@
                         </a:rPr>
                         <a:t>Italic</a:t>
                       </a:r>
-                      <a:endParaRPr lang="en-ZA" sz="1400" dirty="0">
+                      <a:endParaRPr lang="en-ZA" sz="1800" dirty="0">
                         <a:solidFill>
                           <a:schemeClr val="tx1">
                             <a:lumMod val="65000"/>
@@ -5841,14 +6762,14 @@
                   <a:tcPr/>
                 </a:tc>
               </a:tr>
-              <a:tr h="314422">
+              <a:tr h="396000">
                 <a:tc>
                   <a:txBody>
                     <a:bodyPr/>
                     <a:lstStyle/>
                     <a:p>
                       <a:r>
-                        <a:rPr lang="en-ZA" sz="1400" dirty="0" smtClean="0">
+                        <a:rPr lang="en-ZA" sz="1800" dirty="0" smtClean="0">
                           <a:solidFill>
                             <a:schemeClr val="tx1">
                               <a:lumMod val="65000"/>
@@ -5858,7 +6779,7 @@
                         </a:rPr>
                         <a:t>&lt;strong&gt;&lt;/strong&gt;</a:t>
                       </a:r>
-                      <a:endParaRPr lang="en-ZA" sz="1400" dirty="0">
+                      <a:endParaRPr lang="en-ZA" sz="1800" dirty="0">
                         <a:solidFill>
                           <a:schemeClr val="tx1">
                             <a:lumMod val="65000"/>
@@ -5876,7 +6797,7 @@
                     <a:lstStyle/>
                     <a:p>
                       <a:r>
-                        <a:rPr lang="en-ZA" sz="1400" dirty="0" smtClean="0">
+                        <a:rPr lang="en-ZA" sz="1800" dirty="0" smtClean="0">
                           <a:solidFill>
                             <a:schemeClr val="tx1">
                               <a:lumMod val="65000"/>
@@ -5886,7 +6807,7 @@
                         </a:rPr>
                         <a:t>Bold</a:t>
                       </a:r>
-                      <a:endParaRPr lang="en-ZA" sz="1400" dirty="0">
+                      <a:endParaRPr lang="en-ZA" sz="1800" dirty="0">
                         <a:solidFill>
                           <a:schemeClr val="tx1">
                             <a:lumMod val="65000"/>
@@ -5899,14 +6820,14 @@
                   <a:tcPr/>
                 </a:tc>
               </a:tr>
-              <a:tr h="314422">
+              <a:tr h="396000">
                 <a:tc>
                   <a:txBody>
                     <a:bodyPr/>
                     <a:lstStyle/>
                     <a:p>
                       <a:r>
-                        <a:rPr lang="en-ZA" sz="1400" dirty="0" smtClean="0">
+                        <a:rPr lang="en-ZA" sz="1800" dirty="0" smtClean="0">
                           <a:solidFill>
                             <a:schemeClr val="tx1">
                               <a:lumMod val="65000"/>
@@ -5917,7 +6838,7 @@
                         <a:t>&lt;</a:t>
                       </a:r>
                       <a:r>
-                        <a:rPr lang="en-ZA" sz="1400" dirty="0" err="1" smtClean="0">
+                        <a:rPr lang="en-ZA" sz="1800" dirty="0" err="1" smtClean="0">
                           <a:solidFill>
                             <a:schemeClr val="tx1">
                               <a:lumMod val="65000"/>
@@ -5928,7 +6849,7 @@
                         <a:t>br</a:t>
                       </a:r>
                       <a:r>
-                        <a:rPr lang="en-ZA" sz="1400" dirty="0" smtClean="0">
+                        <a:rPr lang="en-ZA" sz="1800" dirty="0" smtClean="0">
                           <a:solidFill>
                             <a:schemeClr val="tx1">
                               <a:lumMod val="65000"/>
@@ -5938,7 +6859,7 @@
                         </a:rPr>
                         <a:t>/&gt;</a:t>
                       </a:r>
-                      <a:endParaRPr lang="en-ZA" sz="1400" dirty="0">
+                      <a:endParaRPr lang="en-ZA" sz="1800" dirty="0">
                         <a:solidFill>
                           <a:schemeClr val="tx1">
                             <a:lumMod val="65000"/>
@@ -5956,7 +6877,7 @@
                     <a:lstStyle/>
                     <a:p>
                       <a:r>
-                        <a:rPr lang="en-ZA" sz="1400" dirty="0" smtClean="0">
+                        <a:rPr lang="en-ZA" sz="1800" dirty="0" smtClean="0">
                           <a:solidFill>
                             <a:schemeClr val="tx1">
                               <a:lumMod val="65000"/>
@@ -5966,7 +6887,7 @@
                         </a:rPr>
                         <a:t>Inserts a single line break</a:t>
                       </a:r>
-                      <a:endParaRPr lang="en-ZA" sz="1400" dirty="0">
+                      <a:endParaRPr lang="en-ZA" sz="1800" dirty="0">
                         <a:solidFill>
                           <a:schemeClr val="tx1">
                             <a:lumMod val="65000"/>
@@ -5979,14 +6900,14 @@
                   <a:tcPr/>
                 </a:tc>
               </a:tr>
-              <a:tr h="314422">
+              <a:tr h="396000">
                 <a:tc>
                   <a:txBody>
                     <a:bodyPr/>
                     <a:lstStyle/>
                     <a:p>
                       <a:r>
-                        <a:rPr lang="en-ZA" sz="1400" dirty="0" smtClean="0">
+                        <a:rPr lang="en-ZA" sz="1800" dirty="0" smtClean="0">
                           <a:solidFill>
                             <a:schemeClr val="tx1">
                               <a:lumMod val="65000"/>
@@ -5997,7 +6918,7 @@
                         <a:t>&lt;</a:t>
                       </a:r>
                       <a:r>
-                        <a:rPr lang="en-ZA" sz="1400" dirty="0" err="1" smtClean="0">
+                        <a:rPr lang="en-ZA" sz="1800" dirty="0" err="1" smtClean="0">
                           <a:solidFill>
                             <a:schemeClr val="tx1">
                               <a:lumMod val="65000"/>
@@ -6008,7 +6929,7 @@
                         <a:t>ol</a:t>
                       </a:r>
                       <a:r>
-                        <a:rPr lang="en-ZA" sz="1400" dirty="0" smtClean="0">
+                        <a:rPr lang="en-ZA" sz="1800" dirty="0" smtClean="0">
                           <a:solidFill>
                             <a:schemeClr val="tx1">
                               <a:lumMod val="65000"/>
@@ -6019,7 +6940,7 @@
                         <a:t>&gt;</a:t>
                       </a:r>
                       <a:r>
-                        <a:rPr lang="en-ZA" sz="1400" dirty="0" err="1" smtClean="0">
+                        <a:rPr lang="en-ZA" sz="1800" dirty="0" err="1" smtClean="0">
                           <a:solidFill>
                             <a:schemeClr val="tx1">
                               <a:lumMod val="65000"/>
@@ -6030,7 +6951,7 @@
                         <a:t>ol</a:t>
                       </a:r>
                       <a:r>
-                        <a:rPr lang="en-ZA" sz="1400" dirty="0" smtClean="0">
+                        <a:rPr lang="en-ZA" sz="1800" dirty="0" smtClean="0">
                           <a:solidFill>
                             <a:schemeClr val="tx1">
                               <a:lumMod val="65000"/>
@@ -6040,7 +6961,7 @@
                         </a:rPr>
                         <a:t>&gt;</a:t>
                       </a:r>
-                      <a:endParaRPr lang="en-ZA" sz="1400" dirty="0">
+                      <a:endParaRPr lang="en-ZA" sz="1800" dirty="0">
                         <a:solidFill>
                           <a:schemeClr val="tx1">
                             <a:lumMod val="65000"/>
@@ -6075,7 +6996,7 @@
                         <a:defRPr/>
                       </a:pPr>
                       <a:r>
-                        <a:rPr lang="en-ZA" sz="1400" kern="1200" dirty="0" smtClean="0">
+                        <a:rPr lang="en-ZA" sz="1800" kern="1200" dirty="0" smtClean="0">
                           <a:solidFill>
                             <a:schemeClr val="tx1">
                               <a:lumMod val="65000"/>
@@ -6087,7 +7008,7 @@
                         <a:t>Defines</a:t>
                       </a:r>
                       <a:r>
-                        <a:rPr lang="en-ZA" sz="1400" kern="1200" baseline="0" dirty="0" smtClean="0">
+                        <a:rPr lang="en-ZA" sz="1800" kern="1200" baseline="0" dirty="0" smtClean="0">
                           <a:solidFill>
                             <a:schemeClr val="tx1">
                               <a:lumMod val="65000"/>
@@ -6098,7 +7019,7 @@
                         </a:rPr>
                         <a:t> an ordered list (1,2,3)</a:t>
                       </a:r>
-                      <a:endParaRPr lang="en-ZA" sz="1400" dirty="0" smtClean="0">
+                      <a:endParaRPr lang="en-ZA" sz="1800" dirty="0" smtClean="0">
                         <a:solidFill>
                           <a:schemeClr val="tx1">
                             <a:lumMod val="65000"/>
@@ -6111,14 +7032,14 @@
                   <a:tcPr/>
                 </a:tc>
               </a:tr>
-              <a:tr h="314422">
+              <a:tr h="396000">
                 <a:tc>
                   <a:txBody>
                     <a:bodyPr/>
                     <a:lstStyle/>
                     <a:p>
                       <a:r>
-                        <a:rPr lang="en-ZA" sz="1400" dirty="0" smtClean="0">
+                        <a:rPr lang="en-ZA" sz="1800" dirty="0" smtClean="0">
                           <a:solidFill>
                             <a:schemeClr val="tx1">
                               <a:lumMod val="65000"/>
@@ -6129,7 +7050,7 @@
                         <a:t>&lt;</a:t>
                       </a:r>
                       <a:r>
-                        <a:rPr lang="en-ZA" sz="1400" dirty="0" err="1" smtClean="0">
+                        <a:rPr lang="en-ZA" sz="1800" dirty="0" err="1" smtClean="0">
                           <a:solidFill>
                             <a:schemeClr val="tx1">
                               <a:lumMod val="65000"/>
@@ -6140,7 +7061,7 @@
                         <a:t>ul</a:t>
                       </a:r>
                       <a:r>
-                        <a:rPr lang="en-ZA" sz="1400" dirty="0" smtClean="0">
+                        <a:rPr lang="en-ZA" sz="1800" dirty="0" smtClean="0">
                           <a:solidFill>
                             <a:schemeClr val="tx1">
                               <a:lumMod val="65000"/>
@@ -6151,7 +7072,7 @@
                         <a:t>&gt;&lt;/</a:t>
                       </a:r>
                       <a:r>
-                        <a:rPr lang="en-ZA" sz="1400" dirty="0" err="1" smtClean="0">
+                        <a:rPr lang="en-ZA" sz="1800" dirty="0" err="1" smtClean="0">
                           <a:solidFill>
                             <a:schemeClr val="tx1">
                               <a:lumMod val="65000"/>
@@ -6162,7 +7083,7 @@
                         <a:t>ul</a:t>
                       </a:r>
                       <a:r>
-                        <a:rPr lang="en-ZA" sz="1400" dirty="0" smtClean="0">
+                        <a:rPr lang="en-ZA" sz="1800" dirty="0" smtClean="0">
                           <a:solidFill>
                             <a:schemeClr val="tx1">
                               <a:lumMod val="65000"/>
@@ -6172,7 +7093,7 @@
                         </a:rPr>
                         <a:t>&gt;</a:t>
                       </a:r>
-                      <a:endParaRPr lang="en-ZA" sz="1400" dirty="0">
+                      <a:endParaRPr lang="en-ZA" sz="1800" dirty="0">
                         <a:solidFill>
                           <a:schemeClr val="tx1">
                             <a:lumMod val="65000"/>
@@ -6207,7 +7128,7 @@
                         <a:defRPr/>
                       </a:pPr>
                       <a:r>
-                        <a:rPr lang="en-ZA" sz="1400" dirty="0" smtClean="0">
+                        <a:rPr lang="en-ZA" sz="1800" dirty="0" smtClean="0">
                           <a:solidFill>
                             <a:schemeClr val="tx1">
                               <a:lumMod val="65000"/>
@@ -6222,14 +7143,14 @@
                   <a:tcPr/>
                 </a:tc>
               </a:tr>
-              <a:tr h="314422">
+              <a:tr h="396000">
                 <a:tc>
                   <a:txBody>
                     <a:bodyPr/>
                     <a:lstStyle/>
                     <a:p>
                       <a:r>
-                        <a:rPr lang="en-ZA" sz="1400" dirty="0" smtClean="0">
+                        <a:rPr lang="en-ZA" sz="1800" dirty="0" smtClean="0">
                           <a:solidFill>
                             <a:schemeClr val="tx1">
                               <a:lumMod val="65000"/>
@@ -6237,31 +7158,9 @@
                             </a:schemeClr>
                           </a:solidFill>
                         </a:rPr>
-                        <a:t>&lt;</a:t>
+                        <a:t>&lt;li&gt;&lt;/li&gt;</a:t>
                       </a:r>
-                      <a:r>
-                        <a:rPr lang="en-ZA" sz="1400" dirty="0" smtClean="0">
-                          <a:solidFill>
-                            <a:schemeClr val="tx1">
-                              <a:lumMod val="65000"/>
-                              <a:lumOff val="35000"/>
-                            </a:schemeClr>
-                          </a:solidFill>
-                        </a:rPr>
-                        <a:t>table&gt;&lt;/</a:t>
-                      </a:r>
-                      <a:r>
-                        <a:rPr lang="en-ZA" sz="1400" dirty="0" smtClean="0">
-                          <a:solidFill>
-                            <a:schemeClr val="tx1">
-                              <a:lumMod val="65000"/>
-                              <a:lumOff val="35000"/>
-                            </a:schemeClr>
-                          </a:solidFill>
-                        </a:rPr>
-                        <a:t>table&gt;</a:t>
-                      </a:r>
-                      <a:endParaRPr lang="en-ZA" sz="1400" dirty="0">
+                      <a:endParaRPr lang="en-ZA" sz="1800" dirty="0">
                         <a:solidFill>
                           <a:schemeClr val="tx1">
                             <a:lumMod val="65000"/>
@@ -6278,8 +7177,25 @@
                     <a:bodyPr/>
                     <a:lstStyle/>
                     <a:p>
+                      <a:pPr marL="0" marR="0" indent="0" algn="l" defTabSz="914400" rtl="0" eaLnBrk="1" fontAlgn="auto" latinLnBrk="0" hangingPunct="1">
+                        <a:lnSpc>
+                          <a:spcPct val="100000"/>
+                        </a:lnSpc>
+                        <a:spcBef>
+                          <a:spcPts val="0"/>
+                        </a:spcBef>
+                        <a:spcAft>
+                          <a:spcPts val="0"/>
+                        </a:spcAft>
+                        <a:buClrTx/>
+                        <a:buSzTx/>
+                        <a:buFontTx/>
+                        <a:buNone/>
+                        <a:tabLst/>
+                        <a:defRPr/>
+                      </a:pPr>
                       <a:r>
-                        <a:rPr lang="en-ZA" sz="1400" dirty="0" smtClean="0">
+                        <a:rPr lang="en-ZA" sz="1800" dirty="0" smtClean="0">
                           <a:solidFill>
                             <a:schemeClr val="tx1">
                               <a:lumMod val="65000"/>
@@ -6287,10 +7203,10 @@
                             </a:schemeClr>
                           </a:solidFill>
                         </a:rPr>
-                        <a:t>Defines a table with 1 row (</a:t>
+                        <a:t>Defines an item within </a:t>
                       </a:r>
                       <a:r>
-                        <a:rPr lang="en-ZA" sz="1400" dirty="0" err="1" smtClean="0">
+                        <a:rPr lang="en-ZA" sz="1800" baseline="0" dirty="0" smtClean="0">
                           <a:solidFill>
                             <a:schemeClr val="tx1">
                               <a:lumMod val="65000"/>
@@ -6298,227 +7214,9 @@
                             </a:schemeClr>
                           </a:solidFill>
                         </a:rPr>
-                        <a:t>tr</a:t>
+                        <a:t>a list</a:t>
                       </a:r>
-                      <a:r>
-                        <a:rPr lang="en-ZA" sz="1400" dirty="0" smtClean="0">
-                          <a:solidFill>
-                            <a:schemeClr val="tx1">
-                              <a:lumMod val="65000"/>
-                              <a:lumOff val="35000"/>
-                            </a:schemeClr>
-                          </a:solidFill>
-                        </a:rPr>
-                        <a:t>) and 1 col (td)</a:t>
-                      </a:r>
-                      <a:endParaRPr lang="en-ZA" sz="1400" dirty="0">
-                        <a:solidFill>
-                          <a:schemeClr val="tx1">
-                            <a:lumMod val="65000"/>
-                            <a:lumOff val="35000"/>
-                          </a:schemeClr>
-                        </a:solidFill>
-                      </a:endParaRPr>
-                    </a:p>
-                  </a:txBody>
-                  <a:tcPr/>
-                </a:tc>
-              </a:tr>
-              <a:tr h="314422">
-                <a:tc>
-                  <a:txBody>
-                    <a:bodyPr/>
-                    <a:lstStyle/>
-                    <a:p>
-                      <a:r>
-                        <a:rPr lang="en-ZA" sz="1400" dirty="0" smtClean="0">
-                          <a:solidFill>
-                            <a:schemeClr val="tx1">
-                              <a:lumMod val="65000"/>
-                              <a:lumOff val="35000"/>
-                            </a:schemeClr>
-                          </a:solidFill>
-                        </a:rPr>
-                        <a:t>&lt;a&gt;&lt;/a&gt;</a:t>
-                      </a:r>
-                      <a:endParaRPr lang="en-ZA" sz="1400" dirty="0">
-                        <a:solidFill>
-                          <a:schemeClr val="tx1">
-                            <a:lumMod val="65000"/>
-                            <a:lumOff val="35000"/>
-                          </a:schemeClr>
-                        </a:solidFill>
-                      </a:endParaRPr>
-                    </a:p>
-                  </a:txBody>
-                  <a:tcPr/>
-                </a:tc>
-                <a:tc>
-                  <a:txBody>
-                    <a:bodyPr/>
-                    <a:lstStyle/>
-                    <a:p>
-                      <a:r>
-                        <a:rPr lang="en-ZA" sz="1400" dirty="0" smtClean="0">
-                          <a:solidFill>
-                            <a:schemeClr val="tx1">
-                              <a:lumMod val="65000"/>
-                              <a:lumOff val="35000"/>
-                            </a:schemeClr>
-                          </a:solidFill>
-                        </a:rPr>
-                        <a:t>Defines an anchor, usually</a:t>
-                      </a:r>
-                      <a:r>
-                        <a:rPr lang="en-ZA" sz="1400" baseline="0" dirty="0" smtClean="0">
-                          <a:solidFill>
-                            <a:schemeClr val="tx1">
-                              <a:lumMod val="65000"/>
-                              <a:lumOff val="35000"/>
-                            </a:schemeClr>
-                          </a:solidFill>
-                        </a:rPr>
-                        <a:t> to add a link</a:t>
-                      </a:r>
-                      <a:endParaRPr lang="en-ZA" sz="1400" dirty="0">
-                        <a:solidFill>
-                          <a:schemeClr val="tx1">
-                            <a:lumMod val="65000"/>
-                            <a:lumOff val="35000"/>
-                          </a:schemeClr>
-                        </a:solidFill>
-                      </a:endParaRPr>
-                    </a:p>
-                  </a:txBody>
-                  <a:tcPr/>
-                </a:tc>
-              </a:tr>
-              <a:tr h="314422">
-                <a:tc>
-                  <a:txBody>
-                    <a:bodyPr/>
-                    <a:lstStyle/>
-                    <a:p>
-                      <a:r>
-                        <a:rPr lang="en-ZA" sz="1400" dirty="0" smtClean="0">
-                          <a:solidFill>
-                            <a:schemeClr val="tx1">
-                              <a:lumMod val="65000"/>
-                              <a:lumOff val="35000"/>
-                            </a:schemeClr>
-                          </a:solidFill>
-                        </a:rPr>
-                        <a:t>&lt;</a:t>
-                      </a:r>
-                      <a:r>
-                        <a:rPr lang="en-ZA" sz="1400" dirty="0" err="1" smtClean="0">
-                          <a:solidFill>
-                            <a:schemeClr val="tx1">
-                              <a:lumMod val="65000"/>
-                              <a:lumOff val="35000"/>
-                            </a:schemeClr>
-                          </a:solidFill>
-                        </a:rPr>
-                        <a:t>img</a:t>
-                      </a:r>
-                      <a:r>
-                        <a:rPr lang="en-ZA" sz="1400" dirty="0" smtClean="0">
-                          <a:solidFill>
-                            <a:schemeClr val="tx1">
-                              <a:lumMod val="65000"/>
-                              <a:lumOff val="35000"/>
-                            </a:schemeClr>
-                          </a:solidFill>
-                        </a:rPr>
-                        <a:t>&gt;</a:t>
-                      </a:r>
-                      <a:endParaRPr lang="en-ZA" sz="1400" dirty="0">
-                        <a:solidFill>
-                          <a:schemeClr val="tx1">
-                            <a:lumMod val="65000"/>
-                            <a:lumOff val="35000"/>
-                          </a:schemeClr>
-                        </a:solidFill>
-                      </a:endParaRPr>
-                    </a:p>
-                  </a:txBody>
-                  <a:tcPr/>
-                </a:tc>
-                <a:tc>
-                  <a:txBody>
-                    <a:bodyPr/>
-                    <a:lstStyle/>
-                    <a:p>
-                      <a:r>
-                        <a:rPr lang="en-ZA" sz="1400" dirty="0" smtClean="0">
-                          <a:solidFill>
-                            <a:schemeClr val="tx1">
-                              <a:lumMod val="65000"/>
-                              <a:lumOff val="35000"/>
-                            </a:schemeClr>
-                          </a:solidFill>
-                        </a:rPr>
-                        <a:t>Defines an image</a:t>
-                      </a:r>
-                      <a:endParaRPr lang="en-ZA" sz="1400" dirty="0">
-                        <a:solidFill>
-                          <a:schemeClr val="tx1">
-                            <a:lumMod val="65000"/>
-                            <a:lumOff val="35000"/>
-                          </a:schemeClr>
-                        </a:solidFill>
-                      </a:endParaRPr>
-                    </a:p>
-                  </a:txBody>
-                  <a:tcPr/>
-                </a:tc>
-              </a:tr>
-              <a:tr h="314422">
-                <a:tc>
-                  <a:txBody>
-                    <a:bodyPr/>
-                    <a:lstStyle/>
-                    <a:p>
-                      <a:r>
-                        <a:rPr lang="en-ZA" sz="1400" dirty="0" smtClean="0">
-                          <a:solidFill>
-                            <a:schemeClr val="tx1">
-                              <a:lumMod val="65000"/>
-                              <a:lumOff val="35000"/>
-                            </a:schemeClr>
-                          </a:solidFill>
-                        </a:rPr>
-                        <a:t>&lt;span&gt;&lt;/span&gt;</a:t>
-                      </a:r>
-                      <a:endParaRPr lang="en-ZA" sz="1400" dirty="0">
-                        <a:solidFill>
-                          <a:schemeClr val="tx1">
-                            <a:lumMod val="65000"/>
-                            <a:lumOff val="35000"/>
-                          </a:schemeClr>
-                        </a:solidFill>
-                      </a:endParaRPr>
-                    </a:p>
-                  </a:txBody>
-                  <a:tcPr/>
-                </a:tc>
-                <a:tc>
-                  <a:txBody>
-                    <a:bodyPr/>
-                    <a:lstStyle/>
-                    <a:p>
-                      <a:r>
-                        <a:rPr lang="en-ZA" sz="1400" dirty="0" smtClean="0">
-                          <a:solidFill>
-                            <a:schemeClr val="tx1">
-                              <a:lumMod val="65000"/>
-                              <a:lumOff val="35000"/>
-                            </a:schemeClr>
-                          </a:solidFill>
-                        </a:rPr>
-                        <a:t>Groups inline elements</a:t>
-                      </a:r>
-                      <a:endParaRPr lang="en-ZA" sz="1400" dirty="0">
+                      <a:endParaRPr lang="en-ZA" sz="1800" dirty="0" smtClean="0">
                         <a:solidFill>
                           <a:schemeClr val="tx1">
                             <a:lumMod val="65000"/>
@@ -6624,10 +7322,6 @@
           <a:lstStyle/>
           <a:p>
             <a:pPr algn="ctr"/>
-            <a:r>
-              <a:rPr lang="en-ZA" sz="1400"/>
-              <a:t> </a:t>
-            </a:r>
             <a:endParaRPr lang="en-ZA" sz="1400" dirty="0">
               <a:ln w="0"/>
               <a:solidFill>
@@ -6674,7 +7368,7 @@
                 <a:ea typeface="Open Sans" panose="020B0606030504020204" pitchFamily="34" charset="0"/>
                 <a:cs typeface="Arial" panose="020B0604020202020204" pitchFamily="34" charset="0"/>
               </a:rPr>
-              <a:t>THE</a:t>
+              <a:t>COMMONLY USED TAGS: </a:t>
             </a:r>
             <a:r>
               <a:rPr lang="en-ZA" sz="5400" b="1" dirty="0" smtClean="0">
@@ -6684,89 +7378,9 @@
                 <a:ea typeface="Open Sans" panose="020B0606030504020204" pitchFamily="34" charset="0"/>
                 <a:cs typeface="Arial" panose="020B0604020202020204" pitchFamily="34" charset="0"/>
               </a:rPr>
-              <a:t> </a:t>
-            </a:r>
-            <a:r>
-              <a:rPr lang="en-ZA" sz="5400" b="1" dirty="0" smtClean="0">
-                <a:solidFill>
-                  <a:schemeClr val="bg1"/>
-                </a:solidFill>
-                <a:ea typeface="Open Sans" panose="020B0606030504020204" pitchFamily="34" charset="0"/>
-                <a:cs typeface="Arial" panose="020B0604020202020204" pitchFamily="34" charset="0"/>
-              </a:rPr>
-              <a:t>D</a:t>
-            </a:r>
-            <a:r>
-              <a:rPr lang="en-ZA" sz="5400" dirty="0" smtClean="0">
-                <a:solidFill>
-                  <a:srgbClr val="F85652"/>
-                </a:solidFill>
-                <a:ea typeface="Open Sans" panose="020B0606030504020204" pitchFamily="34" charset="0"/>
-                <a:cs typeface="Arial" panose="020B0604020202020204" pitchFamily="34" charset="0"/>
-              </a:rPr>
-              <a:t>OCUMENT</a:t>
-            </a:r>
-            <a:r>
-              <a:rPr lang="en-ZA" sz="5400" b="1" dirty="0" smtClean="0">
-                <a:solidFill>
-                  <a:srgbClr val="F85652"/>
-                </a:solidFill>
-                <a:ea typeface="Open Sans" panose="020B0606030504020204" pitchFamily="34" charset="0"/>
-                <a:cs typeface="Arial" panose="020B0604020202020204" pitchFamily="34" charset="0"/>
-              </a:rPr>
-              <a:t> </a:t>
-            </a:r>
-            <a:r>
-              <a:rPr lang="en-ZA" sz="5400" b="1" dirty="0" smtClean="0">
-                <a:solidFill>
-                  <a:schemeClr val="bg1"/>
-                </a:solidFill>
-                <a:ea typeface="Open Sans" panose="020B0606030504020204" pitchFamily="34" charset="0"/>
-                <a:cs typeface="Arial" panose="020B0604020202020204" pitchFamily="34" charset="0"/>
-              </a:rPr>
-              <a:t>O</a:t>
-            </a:r>
-            <a:r>
-              <a:rPr lang="en-ZA" sz="5400" dirty="0" smtClean="0">
-                <a:solidFill>
-                  <a:srgbClr val="F85652"/>
-                </a:solidFill>
-                <a:ea typeface="Open Sans" panose="020B0606030504020204" pitchFamily="34" charset="0"/>
-                <a:cs typeface="Arial" panose="020B0604020202020204" pitchFamily="34" charset="0"/>
-              </a:rPr>
-              <a:t>BJECT</a:t>
-            </a:r>
-            <a:r>
-              <a:rPr lang="en-ZA" sz="5400" b="1" dirty="0" smtClean="0">
-                <a:solidFill>
-                  <a:srgbClr val="F85652"/>
-                </a:solidFill>
-                <a:ea typeface="Open Sans" panose="020B0606030504020204" pitchFamily="34" charset="0"/>
-                <a:cs typeface="Arial" panose="020B0604020202020204" pitchFamily="34" charset="0"/>
-              </a:rPr>
-              <a:t> </a:t>
-            </a:r>
-            <a:r>
-              <a:rPr lang="en-ZA" sz="5400" b="1" dirty="0" smtClean="0">
-                <a:solidFill>
-                  <a:schemeClr val="bg1"/>
-                </a:solidFill>
-                <a:ea typeface="Open Sans" panose="020B0606030504020204" pitchFamily="34" charset="0"/>
-                <a:cs typeface="Arial" panose="020B0604020202020204" pitchFamily="34" charset="0"/>
-              </a:rPr>
-              <a:t>M</a:t>
-            </a:r>
-            <a:r>
-              <a:rPr lang="en-ZA" sz="5400" dirty="0" smtClean="0">
-                <a:solidFill>
-                  <a:srgbClr val="F85652"/>
-                </a:solidFill>
-                <a:ea typeface="Open Sans" panose="020B0606030504020204" pitchFamily="34" charset="0"/>
-                <a:cs typeface="Arial" panose="020B0604020202020204" pitchFamily="34" charset="0"/>
-              </a:rPr>
-              <a:t>ODEL</a:t>
-            </a:r>
-            <a:endParaRPr lang="en-ZA" sz="5400" dirty="0">
+              <a:t>FORMATTING</a:t>
+            </a:r>
+            <a:endParaRPr lang="en-ZA" sz="5400" b="1" dirty="0">
               <a:solidFill>
                 <a:srgbClr val="F85652"/>
               </a:solidFill>
@@ -6894,136 +7508,662 @@
           </a:extLst>
         </p:spPr>
       </p:pic>
-      <p:sp>
-        <p:nvSpPr>
-          <p:cNvPr id="2" name="Rectangle 1"/>
-          <p:cNvSpPr/>
-          <p:nvPr/>
-        </p:nvSpPr>
-        <p:spPr>
-          <a:xfrm>
-            <a:off x="5977217" y="3244334"/>
-            <a:ext cx="237566" cy="369332"/>
-          </a:xfrm>
-          <a:prstGeom prst="rect">
-            <a:avLst/>
-          </a:prstGeom>
-        </p:spPr>
-        <p:txBody>
-          <a:bodyPr wrap="none">
-            <a:spAutoFit/>
-          </a:bodyPr>
-          <a:lstStyle/>
-          <a:p>
-            <a:r>
-              <a:rPr lang="en-ZA" dirty="0"/>
-              <a:t> </a:t>
-            </a:r>
-          </a:p>
-        </p:txBody>
-      </p:sp>
-      <p:sp>
-        <p:nvSpPr>
-          <p:cNvPr id="5" name="Rectangle 4"/>
-          <p:cNvSpPr/>
-          <p:nvPr/>
-        </p:nvSpPr>
-        <p:spPr>
-          <a:xfrm>
-            <a:off x="2374232" y="1443789"/>
-            <a:ext cx="7154779" cy="3914274"/>
-          </a:xfrm>
-          <a:prstGeom prst="rect">
-            <a:avLst/>
-          </a:prstGeom>
-          <a:solidFill>
-            <a:schemeClr val="bg1"/>
-          </a:solidFill>
-          <a:ln>
-            <a:noFill/>
-          </a:ln>
-        </p:spPr>
-        <p:style>
-          <a:lnRef idx="2">
-            <a:schemeClr val="accent1">
-              <a:shade val="50000"/>
-            </a:schemeClr>
-          </a:lnRef>
-          <a:fillRef idx="1">
-            <a:schemeClr val="accent1"/>
-          </a:fillRef>
-          <a:effectRef idx="0">
-            <a:schemeClr val="accent1"/>
-          </a:effectRef>
-          <a:fontRef idx="minor">
-            <a:schemeClr val="lt1"/>
-          </a:fontRef>
-        </p:style>
-        <p:txBody>
-          <a:bodyPr rtlCol="0" anchor="ctr"/>
-          <a:lstStyle/>
-          <a:p>
-            <a:pPr algn="ctr"/>
-            <a:endParaRPr lang="en-ZA"/>
-          </a:p>
-        </p:txBody>
-      </p:sp>
-      <p:pic>
-        <p:nvPicPr>
-          <p:cNvPr id="1026" name="Picture 2" descr="Image result for document object model"/>
-          <p:cNvPicPr>
-            <a:picLocks noChangeAspect="1" noChangeArrowheads="1"/>
-          </p:cNvPicPr>
-          <p:nvPr/>
-        </p:nvPicPr>
-        <p:blipFill>
-          <a:blip r:embed="rId5">
-            <a:extLst>
-              <a:ext uri="{28A0092B-C50C-407E-A947-70E740481C1C}">
-                <a14:useLocalDpi xmlns:a14="http://schemas.microsoft.com/office/drawing/2010/main" val="0"/>
-              </a:ext>
-            </a:extLst>
-          </a:blip>
-          <a:srcRect/>
-          <a:stretch>
-            <a:fillRect/>
-          </a:stretch>
-        </p:blipFill>
-        <p:spPr bwMode="auto">
-          <a:xfrm>
-            <a:off x="2611383" y="1654977"/>
-            <a:ext cx="6667500" cy="3476626"/>
-          </a:xfrm>
-          <a:prstGeom prst="rect">
-            <a:avLst/>
-          </a:prstGeom>
-          <a:noFill/>
-          <a:extLst>
-            <a:ext uri="{909E8E84-426E-40DD-AFC4-6F175D3DCCD1}">
-              <a14:hiddenFill xmlns:a14="http://schemas.microsoft.com/office/drawing/2010/main">
-                <a:solidFill>
-                  <a:srgbClr val="FFFFFF"/>
-                </a:solidFill>
-              </a14:hiddenFill>
-            </a:ext>
-          </a:extLst>
-        </p:spPr>
-      </p:pic>
+      <p:graphicFrame>
+        <p:nvGraphicFramePr>
+          <p:cNvPr id="6" name="Table 5"/>
+          <p:cNvGraphicFramePr>
+            <a:graphicFrameLocks noGrp="1"/>
+          </p:cNvGraphicFramePr>
+          <p:nvPr>
+            <p:extLst>
+              <p:ext uri="{D42A27DB-BD31-4B8C-83A1-F6EECF244321}">
+                <p14:modId xmlns:p14="http://schemas.microsoft.com/office/powerpoint/2010/main" val="4277273545"/>
+              </p:ext>
+            </p:extLst>
+          </p:nvPr>
+        </p:nvGraphicFramePr>
+        <p:xfrm>
+          <a:off x="2032000" y="1783999"/>
+          <a:ext cx="8128002" cy="3168000"/>
+        </p:xfrm>
+        <a:graphic>
+          <a:graphicData uri="http://schemas.openxmlformats.org/drawingml/2006/table">
+            <a:tbl>
+              <a:tblPr firstRow="1" bandRow="1">
+                <a:tableStyleId>{F5AB1C69-6EDB-4FF4-983F-18BD219EF322}</a:tableStyleId>
+              </a:tblPr>
+              <a:tblGrid>
+                <a:gridCol w="3625850"/>
+                <a:gridCol w="4502152"/>
+              </a:tblGrid>
+              <a:tr h="396000">
+                <a:tc>
+                  <a:txBody>
+                    <a:bodyPr/>
+                    <a:lstStyle/>
+                    <a:p>
+                      <a:r>
+                        <a:rPr lang="en-ZA" dirty="0" smtClean="0"/>
+                        <a:t>TAG</a:t>
+                      </a:r>
+                      <a:endParaRPr lang="en-ZA" dirty="0"/>
+                    </a:p>
+                  </a:txBody>
+                  <a:tcPr>
+                    <a:solidFill>
+                      <a:srgbClr val="F85652"/>
+                    </a:solidFill>
+                  </a:tcPr>
+                </a:tc>
+                <a:tc>
+                  <a:txBody>
+                    <a:bodyPr/>
+                    <a:lstStyle/>
+                    <a:p>
+                      <a:r>
+                        <a:rPr lang="en-ZA" dirty="0" smtClean="0"/>
+                        <a:t>TAG DESCRIPTION</a:t>
+                      </a:r>
+                      <a:endParaRPr lang="en-ZA" dirty="0"/>
+                    </a:p>
+                  </a:txBody>
+                  <a:tcPr>
+                    <a:solidFill>
+                      <a:srgbClr val="F85652"/>
+                    </a:solidFill>
+                  </a:tcPr>
+                </a:tc>
+              </a:tr>
+              <a:tr h="396000">
+                <a:tc>
+                  <a:txBody>
+                    <a:bodyPr/>
+                    <a:lstStyle/>
+                    <a:p>
+                      <a:r>
+                        <a:rPr lang="en-ZA" sz="1800" dirty="0" smtClean="0">
+                          <a:solidFill>
+                            <a:schemeClr val="tx1">
+                              <a:lumMod val="65000"/>
+                              <a:lumOff val="35000"/>
+                            </a:schemeClr>
+                          </a:solidFill>
+                        </a:rPr>
+                        <a:t>&lt;table&gt;&lt;/table&gt;</a:t>
+                      </a:r>
+                      <a:endParaRPr lang="en-ZA" sz="1800" dirty="0">
+                        <a:solidFill>
+                          <a:schemeClr val="tx1">
+                            <a:lumMod val="65000"/>
+                            <a:lumOff val="35000"/>
+                          </a:schemeClr>
+                        </a:solidFill>
+                      </a:endParaRPr>
+                    </a:p>
+                  </a:txBody>
+                  <a:tcPr/>
+                </a:tc>
+                <a:tc>
+                  <a:txBody>
+                    <a:bodyPr/>
+                    <a:lstStyle/>
+                    <a:p>
+                      <a:r>
+                        <a:rPr lang="en-ZA" sz="1800" dirty="0" smtClean="0">
+                          <a:solidFill>
+                            <a:schemeClr val="tx1">
+                              <a:lumMod val="65000"/>
+                              <a:lumOff val="35000"/>
+                            </a:schemeClr>
+                          </a:solidFill>
+                        </a:rPr>
+                        <a:t>Defines a table with 1 row (</a:t>
+                      </a:r>
+                      <a:r>
+                        <a:rPr lang="en-ZA" sz="1800" dirty="0" err="1" smtClean="0">
+                          <a:solidFill>
+                            <a:schemeClr val="tx1">
+                              <a:lumMod val="65000"/>
+                              <a:lumOff val="35000"/>
+                            </a:schemeClr>
+                          </a:solidFill>
+                        </a:rPr>
+                        <a:t>tr</a:t>
+                      </a:r>
+                      <a:r>
+                        <a:rPr lang="en-ZA" sz="1800" dirty="0" smtClean="0">
+                          <a:solidFill>
+                            <a:schemeClr val="tx1">
+                              <a:lumMod val="65000"/>
+                              <a:lumOff val="35000"/>
+                            </a:schemeClr>
+                          </a:solidFill>
+                        </a:rPr>
+                        <a:t>) and 1 col (td)</a:t>
+                      </a:r>
+                      <a:endParaRPr lang="en-ZA" sz="1800" dirty="0">
+                        <a:solidFill>
+                          <a:schemeClr val="tx1">
+                            <a:lumMod val="65000"/>
+                            <a:lumOff val="35000"/>
+                          </a:schemeClr>
+                        </a:solidFill>
+                      </a:endParaRPr>
+                    </a:p>
+                  </a:txBody>
+                  <a:tcPr/>
+                </a:tc>
+              </a:tr>
+              <a:tr h="396000">
+                <a:tc>
+                  <a:txBody>
+                    <a:bodyPr/>
+                    <a:lstStyle/>
+                    <a:p>
+                      <a:r>
+                        <a:rPr lang="en-ZA" sz="1800" dirty="0" smtClean="0">
+                          <a:solidFill>
+                            <a:schemeClr val="tx1">
+                              <a:lumMod val="65000"/>
+                              <a:lumOff val="35000"/>
+                            </a:schemeClr>
+                          </a:solidFill>
+                        </a:rPr>
+                        <a:t>&lt;</a:t>
+                      </a:r>
+                      <a:r>
+                        <a:rPr lang="en-ZA" sz="1800" dirty="0" err="1" smtClean="0">
+                          <a:solidFill>
+                            <a:schemeClr val="tx1">
+                              <a:lumMod val="65000"/>
+                              <a:lumOff val="35000"/>
+                            </a:schemeClr>
+                          </a:solidFill>
+                        </a:rPr>
+                        <a:t>tr</a:t>
+                      </a:r>
+                      <a:r>
+                        <a:rPr lang="en-ZA" sz="1800" dirty="0" smtClean="0">
+                          <a:solidFill>
+                            <a:schemeClr val="tx1">
+                              <a:lumMod val="65000"/>
+                              <a:lumOff val="35000"/>
+                            </a:schemeClr>
+                          </a:solidFill>
+                        </a:rPr>
+                        <a:t>&gt;&lt;/</a:t>
+                      </a:r>
+                      <a:r>
+                        <a:rPr lang="en-ZA" sz="1800" dirty="0" err="1" smtClean="0">
+                          <a:solidFill>
+                            <a:schemeClr val="tx1">
+                              <a:lumMod val="65000"/>
+                              <a:lumOff val="35000"/>
+                            </a:schemeClr>
+                          </a:solidFill>
+                        </a:rPr>
+                        <a:t>tr</a:t>
+                      </a:r>
+                      <a:r>
+                        <a:rPr lang="en-ZA" sz="1800" dirty="0" smtClean="0">
+                          <a:solidFill>
+                            <a:schemeClr val="tx1">
+                              <a:lumMod val="65000"/>
+                              <a:lumOff val="35000"/>
+                            </a:schemeClr>
+                          </a:solidFill>
+                        </a:rPr>
+                        <a:t>&gt;</a:t>
+                      </a:r>
+                      <a:endParaRPr lang="en-ZA" sz="1800" dirty="0">
+                        <a:solidFill>
+                          <a:schemeClr val="tx1">
+                            <a:lumMod val="65000"/>
+                            <a:lumOff val="35000"/>
+                          </a:schemeClr>
+                        </a:solidFill>
+                      </a:endParaRPr>
+                    </a:p>
+                  </a:txBody>
+                  <a:tcPr/>
+                </a:tc>
+                <a:tc>
+                  <a:txBody>
+                    <a:bodyPr/>
+                    <a:lstStyle/>
+                    <a:p>
+                      <a:r>
+                        <a:rPr lang="en-ZA" sz="1800" dirty="0" smtClean="0">
+                          <a:solidFill>
+                            <a:schemeClr val="tx1">
+                              <a:lumMod val="65000"/>
+                              <a:lumOff val="35000"/>
+                            </a:schemeClr>
+                          </a:solidFill>
+                        </a:rPr>
+                        <a:t>Defines a new row of a table</a:t>
+                      </a:r>
+                      <a:endParaRPr lang="en-ZA" sz="1800" dirty="0">
+                        <a:solidFill>
+                          <a:schemeClr val="tx1">
+                            <a:lumMod val="65000"/>
+                            <a:lumOff val="35000"/>
+                          </a:schemeClr>
+                        </a:solidFill>
+                      </a:endParaRPr>
+                    </a:p>
+                  </a:txBody>
+                  <a:tcPr/>
+                </a:tc>
+              </a:tr>
+              <a:tr h="396000">
+                <a:tc>
+                  <a:txBody>
+                    <a:bodyPr/>
+                    <a:lstStyle/>
+                    <a:p>
+                      <a:r>
+                        <a:rPr lang="en-ZA" sz="1800" dirty="0" smtClean="0">
+                          <a:solidFill>
+                            <a:schemeClr val="tx1">
+                              <a:lumMod val="65000"/>
+                              <a:lumOff val="35000"/>
+                            </a:schemeClr>
+                          </a:solidFill>
+                        </a:rPr>
+                        <a:t>&lt;</a:t>
+                      </a:r>
+                      <a:r>
+                        <a:rPr lang="en-ZA" sz="1800" dirty="0" err="1" smtClean="0">
+                          <a:solidFill>
+                            <a:schemeClr val="tx1">
+                              <a:lumMod val="65000"/>
+                              <a:lumOff val="35000"/>
+                            </a:schemeClr>
+                          </a:solidFill>
+                        </a:rPr>
+                        <a:t>th</a:t>
+                      </a:r>
+                      <a:r>
+                        <a:rPr lang="en-ZA" sz="1800" dirty="0" smtClean="0">
+                          <a:solidFill>
+                            <a:schemeClr val="tx1">
+                              <a:lumMod val="65000"/>
+                              <a:lumOff val="35000"/>
+                            </a:schemeClr>
+                          </a:solidFill>
+                        </a:rPr>
+                        <a:t>&gt;&lt;/</a:t>
+                      </a:r>
+                      <a:r>
+                        <a:rPr lang="en-ZA" sz="1800" dirty="0" err="1" smtClean="0">
+                          <a:solidFill>
+                            <a:schemeClr val="tx1">
+                              <a:lumMod val="65000"/>
+                              <a:lumOff val="35000"/>
+                            </a:schemeClr>
+                          </a:solidFill>
+                        </a:rPr>
+                        <a:t>th</a:t>
+                      </a:r>
+                      <a:r>
+                        <a:rPr lang="en-ZA" sz="1800" dirty="0" smtClean="0">
+                          <a:solidFill>
+                            <a:schemeClr val="tx1">
+                              <a:lumMod val="65000"/>
+                              <a:lumOff val="35000"/>
+                            </a:schemeClr>
+                          </a:solidFill>
+                        </a:rPr>
+                        <a:t>&gt;</a:t>
+                      </a:r>
+                      <a:endParaRPr lang="en-ZA" sz="1800" dirty="0">
+                        <a:solidFill>
+                          <a:schemeClr val="tx1">
+                            <a:lumMod val="65000"/>
+                            <a:lumOff val="35000"/>
+                          </a:schemeClr>
+                        </a:solidFill>
+                      </a:endParaRPr>
+                    </a:p>
+                  </a:txBody>
+                  <a:tcPr/>
+                </a:tc>
+                <a:tc>
+                  <a:txBody>
+                    <a:bodyPr/>
+                    <a:lstStyle/>
+                    <a:p>
+                      <a:r>
+                        <a:rPr lang="en-ZA" sz="1800" dirty="0" smtClean="0">
+                          <a:solidFill>
+                            <a:schemeClr val="tx1">
+                              <a:lumMod val="65000"/>
+                              <a:lumOff val="35000"/>
+                            </a:schemeClr>
+                          </a:solidFill>
+                        </a:rPr>
+                        <a:t>Defines the heading column of a table</a:t>
+                      </a:r>
+                      <a:endParaRPr lang="en-ZA" sz="1800" dirty="0">
+                        <a:solidFill>
+                          <a:schemeClr val="tx1">
+                            <a:lumMod val="65000"/>
+                            <a:lumOff val="35000"/>
+                          </a:schemeClr>
+                        </a:solidFill>
+                      </a:endParaRPr>
+                    </a:p>
+                  </a:txBody>
+                  <a:tcPr/>
+                </a:tc>
+              </a:tr>
+              <a:tr h="396000">
+                <a:tc>
+                  <a:txBody>
+                    <a:bodyPr/>
+                    <a:lstStyle/>
+                    <a:p>
+                      <a:r>
+                        <a:rPr lang="en-ZA" sz="1800" dirty="0" smtClean="0">
+                          <a:solidFill>
+                            <a:schemeClr val="tx1">
+                              <a:lumMod val="65000"/>
+                              <a:lumOff val="35000"/>
+                            </a:schemeClr>
+                          </a:solidFill>
+                        </a:rPr>
+                        <a:t>&lt;td&gt;&lt;/td&gt;</a:t>
+                      </a:r>
+                      <a:endParaRPr lang="en-ZA" sz="1800" dirty="0">
+                        <a:solidFill>
+                          <a:schemeClr val="tx1">
+                            <a:lumMod val="65000"/>
+                            <a:lumOff val="35000"/>
+                          </a:schemeClr>
+                        </a:solidFill>
+                      </a:endParaRPr>
+                    </a:p>
+                  </a:txBody>
+                  <a:tcPr/>
+                </a:tc>
+                <a:tc>
+                  <a:txBody>
+                    <a:bodyPr/>
+                    <a:lstStyle/>
+                    <a:p>
+                      <a:r>
+                        <a:rPr lang="en-ZA" sz="1800" dirty="0" smtClean="0">
+                          <a:solidFill>
+                            <a:schemeClr val="tx1">
+                              <a:lumMod val="65000"/>
+                              <a:lumOff val="35000"/>
+                            </a:schemeClr>
+                          </a:solidFill>
+                        </a:rPr>
+                        <a:t>Defines a standard column of</a:t>
+                      </a:r>
+                      <a:r>
+                        <a:rPr lang="en-ZA" sz="1800" baseline="0" dirty="0" smtClean="0">
+                          <a:solidFill>
+                            <a:schemeClr val="tx1">
+                              <a:lumMod val="65000"/>
+                              <a:lumOff val="35000"/>
+                            </a:schemeClr>
+                          </a:solidFill>
+                        </a:rPr>
+                        <a:t> a</a:t>
+                      </a:r>
+                      <a:r>
+                        <a:rPr lang="en-ZA" sz="1800" dirty="0" smtClean="0">
+                          <a:solidFill>
+                            <a:schemeClr val="tx1">
+                              <a:lumMod val="65000"/>
+                              <a:lumOff val="35000"/>
+                            </a:schemeClr>
+                          </a:solidFill>
+                        </a:rPr>
+                        <a:t> table</a:t>
+                      </a:r>
+                      <a:endParaRPr lang="en-ZA" sz="1800" dirty="0">
+                        <a:solidFill>
+                          <a:schemeClr val="tx1">
+                            <a:lumMod val="65000"/>
+                            <a:lumOff val="35000"/>
+                          </a:schemeClr>
+                        </a:solidFill>
+                      </a:endParaRPr>
+                    </a:p>
+                  </a:txBody>
+                  <a:tcPr/>
+                </a:tc>
+              </a:tr>
+              <a:tr h="396000">
+                <a:tc>
+                  <a:txBody>
+                    <a:bodyPr/>
+                    <a:lstStyle/>
+                    <a:p>
+                      <a:r>
+                        <a:rPr lang="en-ZA" sz="1800" dirty="0" smtClean="0">
+                          <a:solidFill>
+                            <a:schemeClr val="tx1">
+                              <a:lumMod val="65000"/>
+                              <a:lumOff val="35000"/>
+                            </a:schemeClr>
+                          </a:solidFill>
+                        </a:rPr>
+                        <a:t>&lt;a&gt;&lt;/a&gt;</a:t>
+                      </a:r>
+                      <a:endParaRPr lang="en-ZA" sz="1800" dirty="0">
+                        <a:solidFill>
+                          <a:schemeClr val="tx1">
+                            <a:lumMod val="65000"/>
+                            <a:lumOff val="35000"/>
+                          </a:schemeClr>
+                        </a:solidFill>
+                      </a:endParaRPr>
+                    </a:p>
+                  </a:txBody>
+                  <a:tcPr/>
+                </a:tc>
+                <a:tc>
+                  <a:txBody>
+                    <a:bodyPr/>
+                    <a:lstStyle/>
+                    <a:p>
+                      <a:r>
+                        <a:rPr lang="en-ZA" sz="1800" dirty="0" smtClean="0">
+                          <a:solidFill>
+                            <a:schemeClr val="tx1">
+                              <a:lumMod val="65000"/>
+                              <a:lumOff val="35000"/>
+                            </a:schemeClr>
+                          </a:solidFill>
+                        </a:rPr>
+                        <a:t>Defines an anchor, usually</a:t>
+                      </a:r>
+                      <a:r>
+                        <a:rPr lang="en-ZA" sz="1800" baseline="0" dirty="0" smtClean="0">
+                          <a:solidFill>
+                            <a:schemeClr val="tx1">
+                              <a:lumMod val="65000"/>
+                              <a:lumOff val="35000"/>
+                            </a:schemeClr>
+                          </a:solidFill>
+                        </a:rPr>
+                        <a:t> to add a link</a:t>
+                      </a:r>
+                      <a:endParaRPr lang="en-ZA" sz="1800" dirty="0">
+                        <a:solidFill>
+                          <a:schemeClr val="tx1">
+                            <a:lumMod val="65000"/>
+                            <a:lumOff val="35000"/>
+                          </a:schemeClr>
+                        </a:solidFill>
+                      </a:endParaRPr>
+                    </a:p>
+                  </a:txBody>
+                  <a:tcPr/>
+                </a:tc>
+              </a:tr>
+              <a:tr h="396000">
+                <a:tc>
+                  <a:txBody>
+                    <a:bodyPr/>
+                    <a:lstStyle/>
+                    <a:p>
+                      <a:r>
+                        <a:rPr lang="en-ZA" sz="1800" dirty="0" smtClean="0">
+                          <a:solidFill>
+                            <a:schemeClr val="tx1">
+                              <a:lumMod val="65000"/>
+                              <a:lumOff val="35000"/>
+                            </a:schemeClr>
+                          </a:solidFill>
+                        </a:rPr>
+                        <a:t>&lt;</a:t>
+                      </a:r>
+                      <a:r>
+                        <a:rPr lang="en-ZA" sz="1800" dirty="0" err="1" smtClean="0">
+                          <a:solidFill>
+                            <a:schemeClr val="tx1">
+                              <a:lumMod val="65000"/>
+                              <a:lumOff val="35000"/>
+                            </a:schemeClr>
+                          </a:solidFill>
+                        </a:rPr>
+                        <a:t>img</a:t>
+                      </a:r>
+                      <a:r>
+                        <a:rPr lang="en-ZA" sz="1800" dirty="0" smtClean="0">
+                          <a:solidFill>
+                            <a:schemeClr val="tx1">
+                              <a:lumMod val="65000"/>
+                              <a:lumOff val="35000"/>
+                            </a:schemeClr>
+                          </a:solidFill>
+                        </a:rPr>
+                        <a:t>&gt;</a:t>
+                      </a:r>
+                      <a:endParaRPr lang="en-ZA" sz="1800" dirty="0">
+                        <a:solidFill>
+                          <a:schemeClr val="tx1">
+                            <a:lumMod val="65000"/>
+                            <a:lumOff val="35000"/>
+                          </a:schemeClr>
+                        </a:solidFill>
+                      </a:endParaRPr>
+                    </a:p>
+                  </a:txBody>
+                  <a:tcPr/>
+                </a:tc>
+                <a:tc>
+                  <a:txBody>
+                    <a:bodyPr/>
+                    <a:lstStyle/>
+                    <a:p>
+                      <a:r>
+                        <a:rPr lang="en-ZA" sz="1800" dirty="0" smtClean="0">
+                          <a:solidFill>
+                            <a:schemeClr val="tx1">
+                              <a:lumMod val="65000"/>
+                              <a:lumOff val="35000"/>
+                            </a:schemeClr>
+                          </a:solidFill>
+                        </a:rPr>
+                        <a:t>Defines an image</a:t>
+                      </a:r>
+                      <a:endParaRPr lang="en-ZA" sz="1800" dirty="0">
+                        <a:solidFill>
+                          <a:schemeClr val="tx1">
+                            <a:lumMod val="65000"/>
+                            <a:lumOff val="35000"/>
+                          </a:schemeClr>
+                        </a:solidFill>
+                      </a:endParaRPr>
+                    </a:p>
+                  </a:txBody>
+                  <a:tcPr/>
+                </a:tc>
+              </a:tr>
+              <a:tr h="396000">
+                <a:tc>
+                  <a:txBody>
+                    <a:bodyPr/>
+                    <a:lstStyle/>
+                    <a:p>
+                      <a:r>
+                        <a:rPr lang="en-ZA" sz="1800" dirty="0" smtClean="0">
+                          <a:solidFill>
+                            <a:schemeClr val="tx1">
+                              <a:lumMod val="65000"/>
+                              <a:lumOff val="35000"/>
+                            </a:schemeClr>
+                          </a:solidFill>
+                        </a:rPr>
+                        <a:t>&lt;span&gt;&lt;/span&gt;</a:t>
+                      </a:r>
+                      <a:endParaRPr lang="en-ZA" sz="1800" dirty="0">
+                        <a:solidFill>
+                          <a:schemeClr val="tx1">
+                            <a:lumMod val="65000"/>
+                            <a:lumOff val="35000"/>
+                          </a:schemeClr>
+                        </a:solidFill>
+                      </a:endParaRPr>
+                    </a:p>
+                  </a:txBody>
+                  <a:tcPr/>
+                </a:tc>
+                <a:tc>
+                  <a:txBody>
+                    <a:bodyPr/>
+                    <a:lstStyle/>
+                    <a:p>
+                      <a:r>
+                        <a:rPr lang="en-ZA" sz="1800" dirty="0" smtClean="0">
+                          <a:solidFill>
+                            <a:schemeClr val="tx1">
+                              <a:lumMod val="65000"/>
+                              <a:lumOff val="35000"/>
+                            </a:schemeClr>
+                          </a:solidFill>
+                        </a:rPr>
+                        <a:t>Groups inline elements</a:t>
+                      </a:r>
+                      <a:endParaRPr lang="en-ZA" sz="1800" dirty="0">
+                        <a:solidFill>
+                          <a:schemeClr val="tx1">
+                            <a:lumMod val="65000"/>
+                            <a:lumOff val="35000"/>
+                          </a:schemeClr>
+                        </a:solidFill>
+                      </a:endParaRPr>
+                    </a:p>
+                  </a:txBody>
+                  <a:tcPr/>
+                </a:tc>
+              </a:tr>
+            </a:tbl>
+          </a:graphicData>
+        </a:graphic>
+      </p:graphicFrame>
     </p:spTree>
     <p:extLst>
       <p:ext uri="{BB962C8B-B14F-4D97-AF65-F5344CB8AC3E}">
-        <p14:creationId xmlns:p14="http://schemas.microsoft.com/office/powerpoint/2010/main" val="3837332381"/>
+        <p14:creationId xmlns:p14="http://schemas.microsoft.com/office/powerpoint/2010/main" val="308173487"/>
       </p:ext>
     </p:extLst>
   </p:cSld>
   <p:clrMapOvr>
     <a:masterClrMapping/>
   </p:clrMapOvr>
-  <mc:AlternateContent xmlns:mc="http://schemas.openxmlformats.org/markup-compatibility/2006" xmlns:p14="http://schemas.microsoft.com/office/powerpoint/2010/main">
-    <mc:Choice Requires="p14">
+  <mc:AlternateContent xmlns:mc="http://schemas.openxmlformats.org/markup-compatibility/2006">
+    <mc:Choice xmlns:p14="http://schemas.microsoft.com/office/powerpoint/2010/main" Requires="p14">
       <p:transition p14:dur="0"/>
     </mc:Choice>
-    <mc:Fallback xmlns="">
+    <mc:Fallback>
       <p:transition/>
     </mc:Fallback>
   </mc:AlternateContent>
@@ -7221,7 +8361,7 @@
           <p:nvPr/>
         </p:nvPicPr>
         <p:blipFill>
-          <a:blip r:embed="rId2" cstate="print">
+          <a:blip r:embed="rId3" cstate="print">
             <a:extLst>
               <a:ext uri="{28A0092B-C50C-407E-A947-70E740481C1C}">
                 <a14:useLocalDpi xmlns:a14="http://schemas.microsoft.com/office/drawing/2010/main" val="0"/>
@@ -7252,7 +8392,7 @@
           <p:nvPr/>
         </p:nvPicPr>
         <p:blipFill>
-          <a:blip r:embed="rId3" cstate="print">
+          <a:blip r:embed="rId4" cstate="print">
             <a:extLst>
               <a:ext uri="{28A0092B-C50C-407E-A947-70E740481C1C}">
                 <a14:useLocalDpi xmlns:a14="http://schemas.microsoft.com/office/drawing/2010/main" val="0"/>
@@ -7312,7 +8452,71 @@
                   <a:schemeClr val="bg1"/>
                 </a:solidFill>
               </a:rPr>
-              <a:t>ALL HTML ELEMENTS (TAGS) CAN HAVE ATTRIBUTES WHICH PROVIDE EXTRA INFORMATION ABOUT THE ELEMENT</a:t>
+              <a:t>ALL HTML </a:t>
+            </a:r>
+            <a:r>
+              <a:rPr lang="en-ZA" sz="3600" dirty="0" smtClean="0">
+                <a:solidFill>
+                  <a:schemeClr val="bg1"/>
+                </a:solidFill>
+              </a:rPr>
+              <a:t>ELEMENTS </a:t>
+            </a:r>
+            <a:r>
+              <a:rPr lang="en-ZA" sz="3600" dirty="0" smtClean="0">
+                <a:solidFill>
+                  <a:schemeClr val="bg1"/>
+                </a:solidFill>
+              </a:rPr>
+              <a:t>CAN </a:t>
+            </a:r>
+            <a:r>
+              <a:rPr lang="en-ZA" sz="3600" dirty="0" smtClean="0">
+                <a:solidFill>
+                  <a:schemeClr val="bg1"/>
+                </a:solidFill>
+              </a:rPr>
+              <a:t>CONTAIN </a:t>
+            </a:r>
+            <a:r>
+              <a:rPr lang="en-ZA" sz="3600" dirty="0" smtClean="0">
+                <a:solidFill>
+                  <a:schemeClr val="bg1"/>
+                </a:solidFill>
+              </a:rPr>
+              <a:t>ATTRIBUTES WHICH </a:t>
+            </a:r>
+            <a:endParaRPr lang="en-ZA" sz="3600" dirty="0" smtClean="0">
+              <a:solidFill>
+                <a:schemeClr val="bg1"/>
+              </a:solidFill>
+            </a:endParaRPr>
+          </a:p>
+          <a:p>
+            <a:pPr algn="ctr"/>
+            <a:r>
+              <a:rPr lang="en-ZA" sz="3600" dirty="0" smtClean="0">
+                <a:solidFill>
+                  <a:schemeClr val="bg1"/>
+                </a:solidFill>
+              </a:rPr>
+              <a:t>PROVIDE </a:t>
+            </a:r>
+            <a:r>
+              <a:rPr lang="en-ZA" sz="3600" b="1" dirty="0" smtClean="0">
+                <a:solidFill>
+                  <a:srgbClr val="F85652"/>
+                </a:solidFill>
+              </a:rPr>
+              <a:t>EXTRA INFORMATION </a:t>
+            </a:r>
+            <a:r>
+              <a:rPr lang="en-ZA" sz="3600" dirty="0" smtClean="0">
+                <a:solidFill>
+                  <a:schemeClr val="bg1"/>
+                </a:solidFill>
+              </a:rPr>
+              <a:t>ABOUT THE ELEMENT</a:t>
             </a:r>
           </a:p>
           <a:p>
@@ -7402,7 +8606,7 @@
                             </p:stCondLst>
                             <p:childTnLst>
                               <p:par>
-                                <p:cTn id="5" presetID="10" presetClass="entr" presetSubtype="0" fill="hold" grpId="0" nodeType="clickEffect">
+                                <p:cTn id="5" presetID="10" presetClass="entr" presetSubtype="0" fill="hold" nodeType="clickEffect">
                                   <p:stCondLst>
                                     <p:cond delay="0"/>
                                   </p:stCondLst>
@@ -7415,7 +8619,11 @@
                                           </p:stCondLst>
                                         </p:cTn>
                                         <p:tgtEl>
-                                          <p:spTgt spid="10"/>
+                                          <p:spTgt spid="10">
+                                            <p:txEl>
+                                              <p:pRg st="0" end="0"/>
+                                            </p:txEl>
+                                          </p:spTgt>
                                         </p:tgtEl>
                                         <p:attrNameLst>
                                           <p:attrName>style.visibility</p:attrName>
@@ -7429,7 +8637,54 @@
                                       <p:cBhvr>
                                         <p:cTn id="7" dur="500"/>
                                         <p:tgtEl>
-                                          <p:spTgt spid="10"/>
+                                          <p:spTgt spid="10">
+                                            <p:txEl>
+                                              <p:pRg st="0" end="0"/>
+                                            </p:txEl>
+                                          </p:spTgt>
+                                        </p:tgtEl>
+                                      </p:cBhvr>
+                                    </p:animEffect>
+                                  </p:childTnLst>
+                                </p:cTn>
+                              </p:par>
+                              <p:par>
+                                <p:cTn id="8" presetID="10" presetClass="entr" presetSubtype="0" fill="hold" nodeType="withEffect">
+                                  <p:stCondLst>
+                                    <p:cond delay="0"/>
+                                  </p:stCondLst>
+                                  <p:childTnLst>
+                                    <p:set>
+                                      <p:cBhvr>
+                                        <p:cTn id="9" dur="1" fill="hold">
+                                          <p:stCondLst>
+                                            <p:cond delay="0"/>
+                                          </p:stCondLst>
+                                        </p:cTn>
+                                        <p:tgtEl>
+                                          <p:spTgt spid="10">
+                                            <p:txEl>
+                                              <p:pRg st="1" end="1"/>
+                                            </p:txEl>
+                                          </p:spTgt>
+                                        </p:tgtEl>
+                                        <p:attrNameLst>
+                                          <p:attrName>style.visibility</p:attrName>
+                                        </p:attrNameLst>
+                                      </p:cBhvr>
+                                      <p:to>
+                                        <p:strVal val="visible"/>
+                                      </p:to>
+                                    </p:set>
+                                    <p:animEffect transition="in" filter="fade">
+                                      <p:cBhvr>
+                                        <p:cTn id="10" dur="500"/>
+                                        <p:tgtEl>
+                                          <p:spTgt spid="10">
+                                            <p:txEl>
+                                              <p:pRg st="1" end="1"/>
+                                            </p:txEl>
+                                          </p:spTgt>
                                         </p:tgtEl>
                                       </p:cBhvr>
                                     </p:animEffect>
@@ -7443,26 +8698,26 @@
                     </p:cTn>
                   </p:par>
                   <p:par>
-                    <p:cTn id="8" fill="hold">
+                    <p:cTn id="11" fill="hold">
                       <p:stCondLst>
                         <p:cond delay="indefinite"/>
                       </p:stCondLst>
                       <p:childTnLst>
                         <p:par>
-                          <p:cTn id="9" fill="hold">
+                          <p:cTn id="12" fill="hold">
                             <p:stCondLst>
                               <p:cond delay="0"/>
                             </p:stCondLst>
                             <p:childTnLst>
                               <p:par>
-                                <p:cTn id="10" presetID="10" presetClass="entr" presetSubtype="0" fill="hold" nodeType="clickEffect">
+                                <p:cTn id="13" presetID="10" presetClass="entr" presetSubtype="0" fill="hold" nodeType="clickEffect">
                                   <p:stCondLst>
                                     <p:cond delay="0"/>
                                   </p:stCondLst>
                                   <p:childTnLst>
                                     <p:set>
                                       <p:cBhvr>
-                                        <p:cTn id="11" dur="1" fill="hold">
+                                        <p:cTn id="14" dur="1" fill="hold">
                                           <p:stCondLst>
                                             <p:cond delay="0"/>
                                           </p:stCondLst>
@@ -7470,7 +8725,7 @@
                                         <p:tgtEl>
                                           <p:spTgt spid="10">
                                             <p:txEl>
-                                              <p:pRg st="2" end="2"/>
+                                              <p:pRg st="3" end="3"/>
                                             </p:txEl>
                                           </p:spTgt>
                                         </p:tgtEl>
@@ -7484,11 +8739,11 @@
                                     </p:set>
                                     <p:animEffect transition="in" filter="fade">
                                       <p:cBhvr>
-                                        <p:cTn id="12" dur="500"/>
+                                        <p:cTn id="15" dur="500"/>
                                         <p:tgtEl>
                                           <p:spTgt spid="10">
                                             <p:txEl>
-                                              <p:pRg st="2" end="2"/>
+                                              <p:pRg st="3" end="3"/>
                                             </p:txEl>
                                           </p:spTgt>
                                         </p:tgtEl>
@@ -7524,9 +8779,6 @@
         </p:cTn>
       </p:par>
     </p:tnLst>
-    <p:bldLst>
-      <p:bldP spid="10" grpId="0"/>
-    </p:bldLst>
   </p:timing>
 </p:sld>
 </file>
@@ -7784,14 +9036,14 @@
           <p:nvPr>
             <p:extLst>
               <p:ext uri="{D42A27DB-BD31-4B8C-83A1-F6EECF244321}">
-                <p14:modId xmlns:p14="http://schemas.microsoft.com/office/powerpoint/2010/main" val="2964186325"/>
+                <p14:modId xmlns:p14="http://schemas.microsoft.com/office/powerpoint/2010/main" val="2001259871"/>
               </p:ext>
             </p:extLst>
           </p:nvPr>
         </p:nvGraphicFramePr>
         <p:xfrm>
-          <a:off x="2074863" y="1382662"/>
-          <a:ext cx="8128000" cy="4134486"/>
+          <a:off x="2056934" y="1472307"/>
+          <a:ext cx="8128000" cy="3819521"/>
         </p:xfrm>
         <a:graphic>
           <a:graphicData uri="http://schemas.openxmlformats.org/drawingml/2006/table">
@@ -7841,14 +9093,14 @@
                   </a:tcPr>
                 </a:tc>
               </a:tr>
-              <a:tr h="399521">
+              <a:tr h="396000">
                 <a:tc>
                   <a:txBody>
                     <a:bodyPr/>
                     <a:lstStyle/>
                     <a:p>
                       <a:r>
-                        <a:rPr lang="en-ZA" sz="1600" dirty="0" smtClean="0">
+                        <a:rPr lang="en-ZA" sz="1800" dirty="0" smtClean="0">
                           <a:solidFill>
                             <a:schemeClr val="tx1">
                               <a:lumMod val="65000"/>
@@ -7858,7 +9110,7 @@
                         </a:rPr>
                         <a:t>title</a:t>
                       </a:r>
-                      <a:endParaRPr lang="en-ZA" sz="1600" dirty="0">
+                      <a:endParaRPr lang="en-ZA" sz="1800" dirty="0">
                         <a:solidFill>
                           <a:schemeClr val="tx1">
                             <a:lumMod val="65000"/>
@@ -7876,7 +9128,7 @@
                     <a:lstStyle/>
                     <a:p>
                       <a:r>
-                        <a:rPr lang="en-ZA" sz="1600" dirty="0" smtClean="0">
+                        <a:rPr lang="en-ZA" sz="1800" dirty="0" smtClean="0">
                           <a:solidFill>
                             <a:schemeClr val="tx1">
                               <a:lumMod val="65000"/>
@@ -7887,7 +9139,7 @@
                         <a:t>Title</a:t>
                       </a:r>
                       <a:r>
-                        <a:rPr lang="en-ZA" sz="1600" baseline="0" dirty="0" smtClean="0">
+                        <a:rPr lang="en-ZA" sz="1800" baseline="0" dirty="0" smtClean="0">
                           <a:solidFill>
                             <a:schemeClr val="tx1">
                               <a:lumMod val="65000"/>
@@ -7897,7 +9149,7 @@
                         </a:rPr>
                         <a:t> value will be displayed as a tooltip on mouse over</a:t>
                       </a:r>
-                      <a:endParaRPr lang="en-ZA" sz="1600" dirty="0">
+                      <a:endParaRPr lang="en-ZA" sz="1800" dirty="0">
                         <a:solidFill>
                           <a:schemeClr val="tx1">
                             <a:lumMod val="65000"/>
@@ -7910,14 +9162,14 @@
                   <a:tcPr/>
                 </a:tc>
               </a:tr>
-              <a:tr h="399521">
+              <a:tr h="396000">
                 <a:tc>
                   <a:txBody>
                     <a:bodyPr/>
                     <a:lstStyle/>
                     <a:p>
                       <a:r>
-                        <a:rPr lang="en-ZA" sz="1600" dirty="0" err="1" smtClean="0">
+                        <a:rPr lang="en-ZA" sz="1800" dirty="0" err="1" smtClean="0">
                           <a:solidFill>
                             <a:schemeClr val="tx1">
                               <a:lumMod val="65000"/>
@@ -7927,7 +9179,7 @@
                         </a:rPr>
                         <a:t>href</a:t>
                       </a:r>
-                      <a:endParaRPr lang="en-ZA" sz="1600" dirty="0">
+                      <a:endParaRPr lang="en-ZA" sz="1800" dirty="0">
                         <a:solidFill>
                           <a:schemeClr val="tx1">
                             <a:lumMod val="65000"/>
@@ -7945,7 +9197,7 @@
                     <a:lstStyle/>
                     <a:p>
                       <a:r>
-                        <a:rPr lang="en-ZA" sz="1600" dirty="0" smtClean="0">
+                        <a:rPr lang="en-ZA" sz="1800" dirty="0" smtClean="0">
                           <a:solidFill>
                             <a:schemeClr val="tx1">
                               <a:lumMod val="65000"/>
@@ -7955,7 +9207,7 @@
                         </a:rPr>
                         <a:t>Specifies the link address within an anchor tag</a:t>
                       </a:r>
-                      <a:endParaRPr lang="en-ZA" sz="1600" dirty="0">
+                      <a:endParaRPr lang="en-ZA" sz="1800" dirty="0">
                         <a:solidFill>
                           <a:schemeClr val="tx1">
                             <a:lumMod val="65000"/>
@@ -7968,14 +9220,14 @@
                   <a:tcPr/>
                 </a:tc>
               </a:tr>
-              <a:tr h="399521">
+              <a:tr h="396000">
                 <a:tc>
                   <a:txBody>
                     <a:bodyPr/>
                     <a:lstStyle/>
                     <a:p>
                       <a:r>
-                        <a:rPr lang="en-ZA" sz="1600" dirty="0" smtClean="0">
+                        <a:rPr lang="en-ZA" sz="1800" dirty="0" smtClean="0">
                           <a:solidFill>
                             <a:schemeClr val="tx1">
                               <a:lumMod val="65000"/>
@@ -7985,7 +9237,7 @@
                         </a:rPr>
                         <a:t>width, height</a:t>
                       </a:r>
-                      <a:endParaRPr lang="en-ZA" sz="1600" dirty="0">
+                      <a:endParaRPr lang="en-ZA" sz="1800" dirty="0">
                         <a:solidFill>
                           <a:schemeClr val="tx1">
                             <a:lumMod val="65000"/>
@@ -8003,7 +9255,7 @@
                     <a:lstStyle/>
                     <a:p>
                       <a:r>
-                        <a:rPr lang="en-ZA" sz="1600" dirty="0" smtClean="0">
+                        <a:rPr lang="en-ZA" sz="1800" dirty="0" smtClean="0">
                           <a:solidFill>
                             <a:schemeClr val="tx1">
                               <a:lumMod val="65000"/>
@@ -8014,7 +9266,7 @@
                         <a:t>Specifies</a:t>
                       </a:r>
                       <a:r>
-                        <a:rPr lang="en-ZA" sz="1600" baseline="0" dirty="0" smtClean="0">
+                        <a:rPr lang="en-ZA" sz="1800" baseline="0" dirty="0" smtClean="0">
                           <a:solidFill>
                             <a:schemeClr val="tx1">
                               <a:lumMod val="65000"/>
@@ -8024,7 +9276,7 @@
                         </a:rPr>
                         <a:t> an element’s width and height</a:t>
                       </a:r>
-                      <a:endParaRPr lang="en-ZA" sz="1600" dirty="0">
+                      <a:endParaRPr lang="en-ZA" sz="1800" dirty="0">
                         <a:solidFill>
                           <a:schemeClr val="tx1">
                             <a:lumMod val="65000"/>
@@ -8037,14 +9289,14 @@
                   <a:tcPr/>
                 </a:tc>
               </a:tr>
-              <a:tr h="399521">
+              <a:tr h="648000">
                 <a:tc>
                   <a:txBody>
                     <a:bodyPr/>
                     <a:lstStyle/>
                     <a:p>
                       <a:r>
-                        <a:rPr lang="en-ZA" sz="1600" dirty="0" smtClean="0">
+                        <a:rPr lang="en-ZA" sz="1800" dirty="0" smtClean="0">
                           <a:solidFill>
                             <a:schemeClr val="tx1">
                               <a:lumMod val="65000"/>
@@ -8054,7 +9306,7 @@
                         </a:rPr>
                         <a:t>alt</a:t>
                       </a:r>
-                      <a:endParaRPr lang="en-ZA" sz="1600" dirty="0">
+                      <a:endParaRPr lang="en-ZA" sz="1800" dirty="0">
                         <a:solidFill>
                           <a:schemeClr val="tx1">
                             <a:lumMod val="65000"/>
@@ -8072,7 +9324,7 @@
                     <a:lstStyle/>
                     <a:p>
                       <a:r>
-                        <a:rPr lang="en-ZA" sz="1600" dirty="0" smtClean="0">
+                        <a:rPr lang="en-ZA" sz="1800" dirty="0" smtClean="0">
                           <a:solidFill>
                             <a:schemeClr val="tx1">
                               <a:lumMod val="65000"/>
@@ -8082,7 +9334,7 @@
                         </a:rPr>
                         <a:t>Specifies an alternative text to be used when an element can’t be displayed</a:t>
                       </a:r>
-                      <a:endParaRPr lang="en-ZA" sz="1600" dirty="0">
+                      <a:endParaRPr lang="en-ZA" sz="1800" dirty="0">
                         <a:solidFill>
                           <a:schemeClr val="tx1">
                             <a:lumMod val="65000"/>
@@ -8095,14 +9347,14 @@
                   <a:tcPr/>
                 </a:tc>
               </a:tr>
-              <a:tr h="399521">
+              <a:tr h="396000">
                 <a:tc>
                   <a:txBody>
                     <a:bodyPr/>
                     <a:lstStyle/>
                     <a:p>
                       <a:r>
-                        <a:rPr lang="en-ZA" sz="1600" dirty="0" smtClean="0">
+                        <a:rPr lang="en-ZA" sz="1800" dirty="0" smtClean="0">
                           <a:solidFill>
                             <a:schemeClr val="tx1">
                               <a:lumMod val="65000"/>
@@ -8112,7 +9364,7 @@
                         </a:rPr>
                         <a:t>id</a:t>
                       </a:r>
-                      <a:endParaRPr lang="en-ZA" sz="1600" dirty="0">
+                      <a:endParaRPr lang="en-ZA" sz="1800" dirty="0">
                         <a:solidFill>
                           <a:schemeClr val="tx1">
                             <a:lumMod val="65000"/>
@@ -8130,7 +9382,7 @@
                     <a:lstStyle/>
                     <a:p>
                       <a:r>
-                        <a:rPr lang="en-ZA" sz="1600" dirty="0" smtClean="0">
+                        <a:rPr lang="en-ZA" sz="1800" dirty="0" smtClean="0">
                           <a:solidFill>
                             <a:schemeClr val="tx1">
                               <a:lumMod val="65000"/>
@@ -8138,31 +9390,9 @@
                             </a:schemeClr>
                           </a:solidFill>
                         </a:rPr>
-                        <a:t>An HTML selector. ID’s are unique and only</a:t>
+                        <a:t>Unique selector.</a:t>
                       </a:r>
-                      <a:r>
-                        <a:rPr lang="en-ZA" sz="1600" baseline="0" dirty="0" smtClean="0">
-                          <a:solidFill>
-                            <a:schemeClr val="tx1">
-                              <a:lumMod val="65000"/>
-                              <a:lumOff val="35000"/>
-                            </a:schemeClr>
-                          </a:solidFill>
-                        </a:rPr>
-                        <a:t> one ID </a:t>
-                      </a:r>
-                      <a:r>
-                        <a:rPr lang="en-ZA" sz="1600" dirty="0" smtClean="0">
-                          <a:solidFill>
-                            <a:schemeClr val="tx1">
-                              <a:lumMod val="65000"/>
-                              <a:lumOff val="35000"/>
-                            </a:schemeClr>
-                          </a:solidFill>
-                        </a:rPr>
-                        <a:t>can only be used on one element</a:t>
-                      </a:r>
-                      <a:endParaRPr lang="en-ZA" sz="1600" dirty="0">
+                      <a:endParaRPr lang="en-ZA" sz="1800" dirty="0">
                         <a:solidFill>
                           <a:schemeClr val="tx1">
                             <a:lumMod val="65000"/>
@@ -8175,14 +9405,14 @@
                   <a:tcPr/>
                 </a:tc>
               </a:tr>
-              <a:tr h="399521">
+              <a:tr h="396000">
                 <a:tc>
                   <a:txBody>
                     <a:bodyPr/>
                     <a:lstStyle/>
                     <a:p>
                       <a:r>
-                        <a:rPr lang="en-ZA" sz="1600" dirty="0" smtClean="0">
+                        <a:rPr lang="en-ZA" sz="1800" dirty="0" smtClean="0">
                           <a:solidFill>
                             <a:schemeClr val="tx1">
                               <a:lumMod val="65000"/>
@@ -8192,7 +9422,7 @@
                         </a:rPr>
                         <a:t>class</a:t>
                       </a:r>
-                      <a:endParaRPr lang="en-ZA" sz="1600" dirty="0">
+                      <a:endParaRPr lang="en-ZA" sz="1800" dirty="0">
                         <a:solidFill>
                           <a:schemeClr val="tx1">
                             <a:lumMod val="65000"/>
@@ -8210,7 +9440,7 @@
                     <a:lstStyle/>
                     <a:p>
                       <a:r>
-                        <a:rPr lang="en-ZA" sz="1600" dirty="0" smtClean="0">
+                        <a:rPr lang="en-ZA" sz="1800" dirty="0" smtClean="0">
                           <a:solidFill>
                             <a:schemeClr val="tx1">
                               <a:lumMod val="65000"/>
@@ -8218,20 +9448,9 @@
                             </a:schemeClr>
                           </a:solidFill>
                         </a:rPr>
-                        <a:t>An HTML selector. Classes are not unique</a:t>
+                        <a:t>Non-unique selector</a:t>
                       </a:r>
-                      <a:r>
-                        <a:rPr lang="en-ZA" sz="1600" baseline="0" dirty="0" smtClean="0">
-                          <a:solidFill>
-                            <a:schemeClr val="tx1">
-                              <a:lumMod val="65000"/>
-                              <a:lumOff val="35000"/>
-                            </a:schemeClr>
-                          </a:solidFill>
-                        </a:rPr>
-                        <a:t> and multiple classes can be used on multiple elements</a:t>
-                      </a:r>
-                      <a:endParaRPr lang="en-ZA" sz="1600" dirty="0">
+                      <a:endParaRPr lang="en-ZA" sz="1800" dirty="0">
                         <a:solidFill>
                           <a:schemeClr val="tx1">
                             <a:lumMod val="65000"/>
@@ -8244,14 +9463,14 @@
                   <a:tcPr/>
                 </a:tc>
               </a:tr>
-              <a:tr h="399521">
+              <a:tr h="396000">
                 <a:tc>
                   <a:txBody>
                     <a:bodyPr/>
                     <a:lstStyle/>
                     <a:p>
                       <a:r>
-                        <a:rPr lang="en-ZA" sz="1600" dirty="0" err="1" smtClean="0">
+                        <a:rPr lang="en-ZA" sz="1800" dirty="0" err="1" smtClean="0">
                           <a:solidFill>
                             <a:schemeClr val="tx1">
                               <a:lumMod val="65000"/>
@@ -8261,7 +9480,7 @@
                         </a:rPr>
                         <a:t>src</a:t>
                       </a:r>
-                      <a:endParaRPr lang="en-ZA" sz="1600" dirty="0">
+                      <a:endParaRPr lang="en-ZA" sz="1800" dirty="0">
                         <a:solidFill>
                           <a:schemeClr val="tx1">
                             <a:lumMod val="65000"/>
@@ -8279,7 +9498,7 @@
                     <a:lstStyle/>
                     <a:p>
                       <a:r>
-                        <a:rPr lang="en-ZA" sz="1600" dirty="0" smtClean="0">
+                        <a:rPr lang="en-ZA" sz="1800" dirty="0" smtClean="0">
                           <a:solidFill>
                             <a:schemeClr val="tx1">
                               <a:lumMod val="65000"/>
@@ -8289,7 +9508,7 @@
                         </a:rPr>
                         <a:t>Points to an external file (source file)</a:t>
                       </a:r>
-                      <a:endParaRPr lang="en-ZA" sz="1600" dirty="0">
+                      <a:endParaRPr lang="en-ZA" sz="1800" dirty="0">
                         <a:solidFill>
                           <a:schemeClr val="tx1">
                             <a:lumMod val="65000"/>
@@ -8302,14 +9521,14 @@
                   <a:tcPr/>
                 </a:tc>
               </a:tr>
-              <a:tr h="399521">
+              <a:tr h="396000">
                 <a:tc>
                   <a:txBody>
                     <a:bodyPr/>
                     <a:lstStyle/>
                     <a:p>
                       <a:r>
-                        <a:rPr lang="en-ZA" sz="1600" dirty="0" smtClean="0">
+                        <a:rPr lang="en-ZA" sz="1800" dirty="0" smtClean="0">
                           <a:solidFill>
                             <a:schemeClr val="tx1">
                               <a:lumMod val="65000"/>
@@ -8319,7 +9538,7 @@
                         </a:rPr>
                         <a:t>target</a:t>
                       </a:r>
-                      <a:endParaRPr lang="en-ZA" sz="1600" dirty="0">
+                      <a:endParaRPr lang="en-ZA" sz="1800" dirty="0">
                         <a:solidFill>
                           <a:schemeClr val="tx1">
                             <a:lumMod val="65000"/>
@@ -8337,7 +9556,7 @@
                     <a:lstStyle/>
                     <a:p>
                       <a:r>
-                        <a:rPr lang="en-ZA" sz="1600" dirty="0" smtClean="0">
+                        <a:rPr lang="en-ZA" sz="1800" dirty="0" smtClean="0">
                           <a:solidFill>
                             <a:schemeClr val="tx1">
                               <a:lumMod val="65000"/>
@@ -8347,7 +9566,7 @@
                         </a:rPr>
                         <a:t>Specifies where to open the linked document</a:t>
                       </a:r>
-                      <a:endParaRPr lang="en-ZA" sz="1600" dirty="0">
+                      <a:endParaRPr lang="en-ZA" sz="1800" dirty="0">
                         <a:solidFill>
                           <a:schemeClr val="tx1">
                             <a:lumMod val="65000"/>
@@ -8654,7 +9873,7 @@
         </p:nvSpPr>
         <p:spPr>
           <a:xfrm>
-            <a:off x="-5168" y="1871670"/>
+            <a:off x="-5168" y="1584806"/>
             <a:ext cx="12197167" cy="646331"/>
           </a:xfrm>
           <a:prstGeom prst="rect">
@@ -8678,21 +9897,26 @@
               <a:t>ID’S AND CLASSES ARE </a:t>
             </a:r>
             <a:r>
+              <a:rPr lang="en-ZA" sz="3600" dirty="0" smtClean="0">
+                <a:solidFill>
+                  <a:schemeClr val="bg1"/>
+                </a:solidFill>
+              </a:rPr>
+              <a:t>BOTH </a:t>
+            </a:r>
+            <a:r>
               <a:rPr lang="en-ZA" sz="3600" b="1" dirty="0" smtClean="0">
                 <a:solidFill>
                   <a:srgbClr val="F85652"/>
                 </a:solidFill>
               </a:rPr>
-              <a:t>SELECTORS </a:t>
-            </a:r>
-            <a:r>
-              <a:rPr lang="en-ZA" sz="3600" b="1" dirty="0" smtClean="0">
-                <a:solidFill>
-                  <a:schemeClr val="bg1"/>
-                </a:solidFill>
-              </a:rPr>
-              <a:t>BUT</a:t>
-            </a:r>
+              <a:t>SELECTORS</a:t>
+            </a:r>
+            <a:endParaRPr lang="en-ZA" sz="3600" b="1" dirty="0" smtClean="0">
+              <a:solidFill>
+                <a:schemeClr val="bg1"/>
+              </a:solidFill>
+            </a:endParaRPr>
           </a:p>
         </p:txBody>
       </p:sp>
@@ -8704,8 +9928,8 @@
         </p:nvSpPr>
         <p:spPr>
           <a:xfrm>
-            <a:off x="-5168" y="3057532"/>
-            <a:ext cx="12197167" cy="646331"/>
+            <a:off x="-5168" y="2627236"/>
+            <a:ext cx="12197167" cy="1200329"/>
           </a:xfrm>
           <a:prstGeom prst="rect">
             <a:avLst/>
@@ -8719,53 +9943,56 @@
           <a:lstStyle/>
           <a:p>
             <a:pPr algn="ctr"/>
-            <a:r>
-              <a:rPr lang="en-ZA" sz="3600" dirty="0">
-                <a:solidFill>
-                  <a:schemeClr val="bg1"/>
-                </a:solidFill>
-              </a:rPr>
-              <a:t>ONLY</a:t>
-            </a:r>
-            <a:r>
-              <a:rPr lang="en-ZA" sz="3600" b="1" dirty="0">
-                <a:solidFill>
-                  <a:schemeClr val="bg1"/>
-                </a:solidFill>
-              </a:rPr>
-              <a:t> </a:t>
-            </a:r>
-            <a:r>
-              <a:rPr lang="en-ZA" sz="3600" b="1" dirty="0">
-                <a:solidFill>
-                  <a:srgbClr val="F85652"/>
-                </a:solidFill>
-              </a:rPr>
-              <a:t>ONE ID </a:t>
-            </a:r>
-            <a:r>
-              <a:rPr lang="en-ZA" sz="3600" dirty="0">
-                <a:solidFill>
-                  <a:schemeClr val="bg1"/>
-                </a:solidFill>
-              </a:rPr>
-              <a:t>CAN ONLY BE USED ON </a:t>
-            </a:r>
-            <a:r>
-              <a:rPr lang="en-ZA" sz="3600" b="1" dirty="0">
-                <a:solidFill>
-                  <a:srgbClr val="F85652"/>
-                </a:solidFill>
-              </a:rPr>
-              <a:t>ONE </a:t>
-            </a:r>
             <a:r>
               <a:rPr lang="en-ZA" sz="3600" b="1" dirty="0" smtClean="0">
                 <a:solidFill>
                   <a:srgbClr val="F85652"/>
                 </a:solidFill>
               </a:rPr>
-              <a:t>ELEMENT</a:t>
+              <a:t>ID’S</a:t>
+            </a:r>
+            <a:r>
+              <a:rPr lang="en-ZA" sz="3600" dirty="0" smtClean="0">
+                <a:solidFill>
+                  <a:schemeClr val="bg1"/>
+                </a:solidFill>
+              </a:rPr>
+              <a:t> ARE </a:t>
+            </a:r>
+            <a:r>
+              <a:rPr lang="en-ZA" sz="3600" b="1" dirty="0" smtClean="0">
+                <a:solidFill>
+                  <a:srgbClr val="F85652"/>
+                </a:solidFill>
+              </a:rPr>
+              <a:t>UNIQUE</a:t>
+            </a:r>
+            <a:r>
+              <a:rPr lang="en-ZA" sz="3600" dirty="0" smtClean="0">
+                <a:solidFill>
+                  <a:schemeClr val="bg1"/>
+                </a:solidFill>
+              </a:rPr>
+              <a:t>, </a:t>
+            </a:r>
+            <a:r>
+              <a:rPr lang="en-ZA" sz="3600" dirty="0" smtClean="0">
+                <a:solidFill>
+                  <a:schemeClr val="bg1"/>
+                </a:solidFill>
+              </a:rPr>
+              <a:t>THE VALUE MAY ONLY BE USED ONCE </a:t>
+            </a:r>
+          </a:p>
+          <a:p>
+            <a:pPr algn="ctr"/>
+            <a:r>
+              <a:rPr lang="en-ZA" sz="3600" dirty="0" smtClean="0">
+                <a:solidFill>
+                  <a:schemeClr val="bg1"/>
+                </a:solidFill>
+              </a:rPr>
+              <a:t>WITHIN THE DOCUMENT</a:t>
             </a:r>
             <a:endParaRPr lang="en-ZA" sz="3600" b="1" dirty="0">
               <a:solidFill>
@@ -8783,7 +10010,7 @@
         </p:nvSpPr>
         <p:spPr>
           <a:xfrm>
-            <a:off x="-5168" y="4214817"/>
+            <a:off x="-5168" y="4107243"/>
             <a:ext cx="12197168" cy="1200329"/>
           </a:xfrm>
           <a:prstGeom prst="rect">
@@ -8804,15 +10031,15 @@
                   <a:srgbClr val="F85652"/>
                 </a:solidFill>
               </a:rPr>
-              <a:t>MULTIPLE CLASSES </a:t>
-            </a:r>
-            <a:r>
-              <a:rPr lang="en-ZA" sz="3600" b="1" dirty="0">
+              <a:t>CLASSES </a:t>
+            </a:r>
+            <a:r>
+              <a:rPr lang="en-ZA" sz="3600" dirty="0" smtClean="0">
                 <a:solidFill>
                   <a:schemeClr val="bg1"/>
                 </a:solidFill>
               </a:rPr>
-              <a:t>CAN BE USED ON </a:t>
+              <a:t>ARE</a:t>
             </a:r>
             <a:r>
               <a:rPr lang="en-ZA" sz="3600" b="1" dirty="0" smtClean="0">
@@ -8820,25 +10047,32 @@
                   <a:srgbClr val="F85652"/>
                 </a:solidFill>
               </a:rPr>
-              <a:t>MULTIPLE </a:t>
-            </a:r>
-            <a:r>
-              <a:rPr lang="en-ZA" sz="3600" b="1" dirty="0">
+              <a:t> NOT UNIQUE, </a:t>
+            </a:r>
+            <a:r>
+              <a:rPr lang="en-ZA" sz="3600" dirty="0" smtClean="0">
                 <a:solidFill>
-                  <a:srgbClr val="F85652"/>
+                  <a:schemeClr val="bg1"/>
                 </a:solidFill>
               </a:rPr>
-              <a:t>ELEMENTS</a:t>
+              <a:t>A SINGLE CLASS MAY BE USED </a:t>
+            </a:r>
+          </a:p>
+          <a:p>
+            <a:pPr algn="ctr"/>
+            <a:r>
+              <a:rPr lang="en-ZA" sz="3600" dirty="0" smtClean="0">
+                <a:solidFill>
+                  <a:schemeClr val="bg1"/>
+                </a:solidFill>
+              </a:rPr>
+              <a:t>FOR MULTIPLE ELEMENTS IN THE DOCUMENT</a:t>
             </a:r>
             <a:endParaRPr lang="en-ZA" sz="3600" dirty="0">
               <a:solidFill>
-                <a:srgbClr val="F85652"/>
+                <a:schemeClr val="bg1"/>
               </a:solidFill>
             </a:endParaRPr>
-          </a:p>
-          <a:p>
-            <a:pPr algn="ctr"/>
-            <a:endParaRPr lang="en-ZA" sz="3600" dirty="0"/>
           </a:p>
         </p:txBody>
       </p:sp>
@@ -8852,20 +10086,207 @@
   <p:clrMapOvr>
     <a:masterClrMapping/>
   </p:clrMapOvr>
-  <mc:AlternateContent xmlns:mc="http://schemas.openxmlformats.org/markup-compatibility/2006">
-    <mc:Choice xmlns:p14="http://schemas.microsoft.com/office/powerpoint/2010/main" Requires="p14">
+  <mc:AlternateContent xmlns:mc="http://schemas.openxmlformats.org/markup-compatibility/2006" xmlns:p14="http://schemas.microsoft.com/office/powerpoint/2010/main">
+    <mc:Choice Requires="p14">
       <p:transition p14:dur="0"/>
     </mc:Choice>
-    <mc:Fallback>
+    <mc:Fallback xmlns="">
       <p:transition/>
     </mc:Fallback>
   </mc:AlternateContent>
   <p:timing>
     <p:tnLst>
       <p:par>
-        <p:cTn id="1" dur="indefinite" restart="never" nodeType="tmRoot"/>
+        <p:cTn id="1" dur="indefinite" restart="never" nodeType="tmRoot">
+          <p:childTnLst>
+            <p:seq concurrent="1" nextAc="seek">
+              <p:cTn id="2" dur="indefinite" nodeType="mainSeq">
+                <p:childTnLst>
+                  <p:par>
+                    <p:cTn id="3" fill="hold">
+                      <p:stCondLst>
+                        <p:cond delay="indefinite"/>
+                      </p:stCondLst>
+                      <p:childTnLst>
+                        <p:par>
+                          <p:cTn id="4" fill="hold">
+                            <p:stCondLst>
+                              <p:cond delay="0"/>
+                            </p:stCondLst>
+                            <p:childTnLst>
+                              <p:par>
+                                <p:cTn id="5" presetID="10" presetClass="entr" presetSubtype="0" fill="hold" grpId="0" nodeType="clickEffect">
+                                  <p:stCondLst>
+                                    <p:cond delay="0"/>
+                                  </p:stCondLst>
+                                  <p:childTnLst>
+                                    <p:set>
+                                      <p:cBhvr>
+                                        <p:cTn id="6" dur="1" fill="hold">
+                                          <p:stCondLst>
+                                            <p:cond delay="0"/>
+                                          </p:stCondLst>
+                                        </p:cTn>
+                                        <p:tgtEl>
+                                          <p:spTgt spid="2"/>
+                                        </p:tgtEl>
+                                        <p:attrNameLst>
+                                          <p:attrName>style.visibility</p:attrName>
+                                        </p:attrNameLst>
+                                      </p:cBhvr>
+                                      <p:to>
+                                        <p:strVal val="visible"/>
+                                      </p:to>
+                                    </p:set>
+                                    <p:animEffect transition="in" filter="fade">
+                                      <p:cBhvr>
+                                        <p:cTn id="7" dur="500"/>
+                                        <p:tgtEl>
+                                          <p:spTgt spid="2"/>
+                                        </p:tgtEl>
+                                      </p:cBhvr>
+                                    </p:animEffect>
+                                  </p:childTnLst>
+                                </p:cTn>
+                              </p:par>
+                            </p:childTnLst>
+                          </p:cTn>
+                        </p:par>
+                      </p:childTnLst>
+                    </p:cTn>
+                  </p:par>
+                  <p:par>
+                    <p:cTn id="8" fill="hold">
+                      <p:stCondLst>
+                        <p:cond delay="indefinite"/>
+                      </p:stCondLst>
+                      <p:childTnLst>
+                        <p:par>
+                          <p:cTn id="9" fill="hold">
+                            <p:stCondLst>
+                              <p:cond delay="0"/>
+                            </p:stCondLst>
+                            <p:childTnLst>
+                              <p:par>
+                                <p:cTn id="10" presetID="10" presetClass="entr" presetSubtype="0" fill="hold" grpId="0" nodeType="clickEffect">
+                                  <p:stCondLst>
+                                    <p:cond delay="0"/>
+                                  </p:stCondLst>
+                                  <p:childTnLst>
+                                    <p:set>
+                                      <p:cBhvr>
+                                        <p:cTn id="11" dur="1" fill="hold">
+                                          <p:stCondLst>
+                                            <p:cond delay="0"/>
+                                          </p:stCondLst>
+                                        </p:cTn>
+                                        <p:tgtEl>
+                                          <p:spTgt spid="5"/>
+                                        </p:tgtEl>
+                                        <p:attrNameLst>
+                                          <p:attrName>style.visibility</p:attrName>
+                                        </p:attrNameLst>
+                                      </p:cBhvr>
+                                      <p:to>
+                                        <p:strVal val="visible"/>
+                                      </p:to>
+                                    </p:set>
+                                    <p:animEffect transition="in" filter="fade">
+                                      <p:cBhvr>
+                                        <p:cTn id="12" dur="500"/>
+                                        <p:tgtEl>
+                                          <p:spTgt spid="5"/>
+                                        </p:tgtEl>
+                                      </p:cBhvr>
+                                    </p:animEffect>
+                                  </p:childTnLst>
+                                </p:cTn>
+                              </p:par>
+                            </p:childTnLst>
+                          </p:cTn>
+                        </p:par>
+                      </p:childTnLst>
+                    </p:cTn>
+                  </p:par>
+                  <p:par>
+                    <p:cTn id="13" fill="hold">
+                      <p:stCondLst>
+                        <p:cond delay="indefinite"/>
+                      </p:stCondLst>
+                      <p:childTnLst>
+                        <p:par>
+                          <p:cTn id="14" fill="hold">
+                            <p:stCondLst>
+                              <p:cond delay="0"/>
+                            </p:stCondLst>
+                            <p:childTnLst>
+                              <p:par>
+                                <p:cTn id="15" presetID="10" presetClass="entr" presetSubtype="0" fill="hold" grpId="0" nodeType="clickEffect">
+                                  <p:stCondLst>
+                                    <p:cond delay="0"/>
+                                  </p:stCondLst>
+                                  <p:childTnLst>
+                                    <p:set>
+                                      <p:cBhvr>
+                                        <p:cTn id="16" dur="1" fill="hold">
+                                          <p:stCondLst>
+                                            <p:cond delay="0"/>
+                                          </p:stCondLst>
+                                        </p:cTn>
+                                        <p:tgtEl>
+                                          <p:spTgt spid="6"/>
+                                        </p:tgtEl>
+                                        <p:attrNameLst>
+                                          <p:attrName>style.visibility</p:attrName>
+                                        </p:attrNameLst>
+                                      </p:cBhvr>
+                                      <p:to>
+                                        <p:strVal val="visible"/>
+                                      </p:to>
+                                    </p:set>
+                                    <p:animEffect transition="in" filter="fade">
+                                      <p:cBhvr>
+                                        <p:cTn id="17" dur="500"/>
+                                        <p:tgtEl>
+                                          <p:spTgt spid="6"/>
+                                        </p:tgtEl>
+                                      </p:cBhvr>
+                                    </p:animEffect>
+                                  </p:childTnLst>
+                                </p:cTn>
+                              </p:par>
+                            </p:childTnLst>
+                          </p:cTn>
+                        </p:par>
+                      </p:childTnLst>
+                    </p:cTn>
+                  </p:par>
+                </p:childTnLst>
+              </p:cTn>
+              <p:prevCondLst>
+                <p:cond evt="onPrev" delay="0">
+                  <p:tgtEl>
+                    <p:sldTgt/>
+                  </p:tgtEl>
+                </p:cond>
+              </p:prevCondLst>
+              <p:nextCondLst>
+                <p:cond evt="onNext" delay="0">
+                  <p:tgtEl>
+                    <p:sldTgt/>
+                  </p:tgtEl>
+                </p:cond>
+              </p:nextCondLst>
+            </p:seq>
+          </p:childTnLst>
+        </p:cTn>
       </p:par>
     </p:tnLst>
+    <p:bldLst>
+      <p:bldP spid="2" grpId="0"/>
+      <p:bldP spid="5" grpId="0"/>
+      <p:bldP spid="6" grpId="0"/>
+    </p:bldLst>
   </p:timing>
 </p:sld>
 </file>
@@ -9285,11 +10706,11 @@
   <p:clrMapOvr>
     <a:masterClrMapping/>
   </p:clrMapOvr>
-  <mc:AlternateContent xmlns:mc="http://schemas.openxmlformats.org/markup-compatibility/2006">
-    <mc:Choice xmlns:p14="http://schemas.microsoft.com/office/powerpoint/2010/main" Requires="p14">
+  <mc:AlternateContent xmlns:mc="http://schemas.openxmlformats.org/markup-compatibility/2006" xmlns:p14="http://schemas.microsoft.com/office/powerpoint/2010/main">
+    <mc:Choice Requires="p14">
       <p:transition p14:dur="0"/>
     </mc:Choice>
-    <mc:Fallback>
+    <mc:Fallback xmlns="">
       <p:transition/>
     </mc:Fallback>
   </mc:AlternateContent>
@@ -9524,7 +10945,7 @@
                 <a:ea typeface="Open Sans" panose="020B0606030504020204" pitchFamily="34" charset="0"/>
                 <a:cs typeface="Arial" panose="020B0604020202020204" pitchFamily="34" charset="0"/>
               </a:rPr>
-              <a:t>EXAMPLES: </a:t>
+              <a:t>EXAMPLE: </a:t>
             </a:r>
             <a:r>
               <a:rPr lang="en-ZA" sz="5400" b="1" dirty="0" smtClean="0">
@@ -9893,7 +11314,7 @@
                 <a:ea typeface="Open Sans" panose="020B0606030504020204" pitchFamily="34" charset="0"/>
                 <a:cs typeface="Arial" panose="020B0604020202020204" pitchFamily="34" charset="0"/>
               </a:rPr>
-              <a:t>EXAMPLES: </a:t>
+              <a:t>EXAMPLE: </a:t>
             </a:r>
             <a:r>
               <a:rPr lang="en-ZA" sz="5400" b="1" dirty="0" smtClean="0">
@@ -10113,11 +11534,11 @@
   <p:clrMapOvr>
     <a:masterClrMapping/>
   </p:clrMapOvr>
-  <mc:AlternateContent xmlns:mc="http://schemas.openxmlformats.org/markup-compatibility/2006">
-    <mc:Choice xmlns:p14="http://schemas.microsoft.com/office/powerpoint/2010/main" Requires="p14">
+  <mc:AlternateContent xmlns:mc="http://schemas.openxmlformats.org/markup-compatibility/2006" xmlns:p14="http://schemas.microsoft.com/office/powerpoint/2010/main">
+    <mc:Choice Requires="p14">
       <p:transition p14:dur="0"/>
     </mc:Choice>
-    <mc:Fallback>
+    <mc:Fallback xmlns="">
       <p:transition/>
     </mc:Fallback>
   </mc:AlternateContent>
@@ -10834,7 +12255,7 @@
         <p:spPr>
           <a:xfrm>
             <a:off x="836747" y="1582431"/>
-            <a:ext cx="4540734" cy="3655996"/>
+            <a:ext cx="4569310" cy="3655996"/>
           </a:xfrm>
           <a:prstGeom prst="rect">
             <a:avLst/>
@@ -10887,7 +12308,7 @@
         </p:blipFill>
         <p:spPr>
           <a:xfrm>
-            <a:off x="836747" y="1747503"/>
+            <a:off x="865323" y="1747503"/>
             <a:ext cx="4540734" cy="3366939"/>
           </a:xfrm>
           <a:prstGeom prst="rect">
@@ -11090,76 +12511,14 @@
       </p:sp>
       <p:sp>
         <p:nvSpPr>
-          <p:cNvPr id="3" name="Subtitle 2"/>
-          <p:cNvSpPr>
-            <a:spLocks noGrp="1"/>
-          </p:cNvSpPr>
-          <p:nvPr>
-            <p:ph type="subTitle" idx="1"/>
-          </p:nvPr>
-        </p:nvSpPr>
-        <p:spPr>
-          <a:xfrm>
-            <a:off x="1523999" y="-785"/>
-            <a:ext cx="9144000" cy="1655762"/>
-          </a:xfrm>
-        </p:spPr>
-        <p:txBody>
-          <a:bodyPr tIns="468000">
-            <a:normAutofit/>
-          </a:bodyPr>
-          <a:lstStyle/>
-          <a:p>
-            <a:r>
-              <a:rPr lang="en-ZA" sz="5400" dirty="0" smtClean="0">
-                <a:solidFill>
-                  <a:srgbClr val="F85652"/>
-                </a:solidFill>
-                <a:ea typeface="Open Sans" panose="020B0606030504020204" pitchFamily="34" charset="0"/>
-                <a:cs typeface="Arial" panose="020B0604020202020204" pitchFamily="34" charset="0"/>
-              </a:rPr>
-              <a:t>WHAT IS </a:t>
-            </a:r>
-            <a:r>
-              <a:rPr lang="en-ZA" sz="5400" b="1" dirty="0" smtClean="0">
-                <a:solidFill>
-                  <a:srgbClr val="F85652"/>
-                </a:solidFill>
-                <a:ea typeface="Open Sans" panose="020B0606030504020204" pitchFamily="34" charset="0"/>
-                <a:cs typeface="Arial" panose="020B0604020202020204" pitchFamily="34" charset="0"/>
-              </a:rPr>
-              <a:t>HTML</a:t>
-            </a:r>
-            <a:r>
-              <a:rPr lang="en-ZA" sz="5400" dirty="0" smtClean="0">
-                <a:solidFill>
-                  <a:srgbClr val="F85652"/>
-                </a:solidFill>
-                <a:ea typeface="Open Sans" panose="020B0606030504020204" pitchFamily="34" charset="0"/>
-                <a:cs typeface="Arial" panose="020B0604020202020204" pitchFamily="34" charset="0"/>
-              </a:rPr>
-              <a:t>?</a:t>
-            </a:r>
-            <a:endParaRPr lang="en-ZA" sz="5400" b="1" dirty="0">
-              <a:solidFill>
-                <a:srgbClr val="F85652"/>
-              </a:solidFill>
-              <a:ea typeface="Open Sans" panose="020B0606030504020204" pitchFamily="34" charset="0"/>
-              <a:cs typeface="Arial" panose="020B0604020202020204" pitchFamily="34" charset="0"/>
-            </a:endParaRPr>
-          </a:p>
-        </p:txBody>
-      </p:sp>
-      <p:sp>
-        <p:nvSpPr>
-          <p:cNvPr id="2" name="TextBox 1"/>
+          <p:cNvPr id="10" name="TextBox 9"/>
           <p:cNvSpPr txBox="1"/>
           <p:nvPr/>
         </p:nvSpPr>
         <p:spPr>
           <a:xfrm>
-            <a:off x="693174" y="1696832"/>
-            <a:ext cx="11002297" cy="1117229"/>
+            <a:off x="-5168" y="1753531"/>
+            <a:ext cx="12197167" cy="2554545"/>
           </a:xfrm>
           <a:prstGeom prst="rect">
             <a:avLst/>
@@ -11174,97 +12533,51 @@
           <a:p>
             <a:pPr algn="ctr"/>
             <a:r>
-              <a:rPr lang="en-ZA" sz="6000" b="1" dirty="0" smtClean="0">
+              <a:rPr lang="en-ZA" sz="4400" b="1" smtClean="0">
                 <a:solidFill>
                   <a:srgbClr val="F85652"/>
                 </a:solidFill>
               </a:rPr>
-              <a:t>H</a:t>
-            </a:r>
-            <a:r>
-              <a:rPr lang="en-ZA" sz="4800" dirty="0" smtClean="0">
-                <a:solidFill>
-                  <a:schemeClr val="bg1"/>
-                </a:solidFill>
-              </a:rPr>
-              <a:t>YPER </a:t>
-            </a:r>
-            <a:r>
-              <a:rPr lang="en-ZA" sz="6000" b="1" dirty="0" smtClean="0">
+              <a:t>HTML </a:t>
+            </a:r>
+            <a:r>
+              <a:rPr lang="en-ZA" sz="4400" b="1" dirty="0" smtClean="0">
                 <a:solidFill>
                   <a:srgbClr val="F85652"/>
                 </a:solidFill>
               </a:rPr>
-              <a:t>T</a:t>
-            </a:r>
-            <a:r>
-              <a:rPr lang="en-ZA" sz="4800" dirty="0" smtClean="0">
-                <a:solidFill>
-                  <a:schemeClr val="bg1"/>
-                </a:solidFill>
-              </a:rPr>
-              <a:t>EXT </a:t>
-            </a:r>
-            <a:r>
-              <a:rPr lang="en-ZA" sz="6000" b="1" dirty="0" smtClean="0">
+              <a:t>IS NOT A </a:t>
+            </a:r>
+            <a:r>
+              <a:rPr lang="en-ZA" sz="4400" b="1" smtClean="0">
                 <a:solidFill>
                   <a:srgbClr val="F85652"/>
                 </a:solidFill>
               </a:rPr>
-              <a:t>M</a:t>
-            </a:r>
-            <a:r>
-              <a:rPr lang="en-ZA" sz="4800" dirty="0" smtClean="0">
-                <a:solidFill>
-                  <a:schemeClr val="bg1"/>
-                </a:solidFill>
-              </a:rPr>
-              <a:t>ARKUP </a:t>
-            </a:r>
-            <a:r>
-              <a:rPr lang="en-ZA" sz="6000" b="1" dirty="0" smtClean="0">
+              <a:t>PROGRAMMING </a:t>
+            </a:r>
+            <a:r>
+              <a:rPr lang="en-ZA" sz="4400" b="1" smtClean="0">
                 <a:solidFill>
                   <a:srgbClr val="F85652"/>
                 </a:solidFill>
               </a:rPr>
-              <a:t>L</a:t>
-            </a:r>
-            <a:r>
-              <a:rPr lang="en-ZA" sz="4800" dirty="0" smtClean="0">
-                <a:solidFill>
-                  <a:schemeClr val="bg1"/>
-                </a:solidFill>
-              </a:rPr>
-              <a:t>ANGUAGE</a:t>
-            </a:r>
-            <a:endParaRPr lang="en-ZA" sz="4800" dirty="0">
+              <a:t>LANGUAGE</a:t>
+            </a:r>
+            <a:endParaRPr lang="en-ZA" sz="4400" b="1" dirty="0" smtClean="0">
               <a:solidFill>
-                <a:schemeClr val="bg1"/>
+                <a:srgbClr val="F85652"/>
               </a:solidFill>
             </a:endParaRPr>
           </a:p>
-        </p:txBody>
-      </p:sp>
-      <p:sp>
-        <p:nvSpPr>
-          <p:cNvPr id="5" name="TextBox 4"/>
-          <p:cNvSpPr txBox="1"/>
-          <p:nvPr/>
-        </p:nvSpPr>
-        <p:spPr>
-          <a:xfrm>
-            <a:off x="-5167" y="3207711"/>
-            <a:ext cx="12197167" cy="1754326"/>
-          </a:xfrm>
-          <a:prstGeom prst="rect">
-            <a:avLst/>
-          </a:prstGeom>
-        </p:spPr>
-        <p:txBody>
-          <a:bodyPr wrap="square" rtlCol="0">
-            <a:spAutoFit/>
-          </a:bodyPr>
-          <a:lstStyle/>
+          <a:p>
+            <a:pPr algn="ctr"/>
+            <a:endParaRPr lang="en-ZA" sz="4400" b="1" dirty="0">
+              <a:solidFill>
+                <a:srgbClr val="F85652"/>
+              </a:solidFill>
+            </a:endParaRPr>
+          </a:p>
           <a:p>
             <a:pPr algn="ctr"/>
             <a:r>
@@ -11273,107 +12586,19 @@
                   <a:schemeClr val="bg1"/>
                 </a:solidFill>
               </a:rPr>
-              <a:t>DESCRIBES THE STRUCTURE OF A WEB PAGE </a:t>
-            </a:r>
-            <a:r>
-              <a:rPr lang="en-ZA" sz="3600" dirty="0">
-                <a:solidFill>
-                  <a:schemeClr val="bg1"/>
-                </a:solidFill>
-              </a:rPr>
-              <a:t>USING </a:t>
-            </a:r>
-            <a:r>
-              <a:rPr lang="en-ZA" sz="3600" b="1" dirty="0" smtClean="0">
-                <a:solidFill>
-                  <a:srgbClr val="F85652"/>
-                </a:solidFill>
-              </a:rPr>
-              <a:t>MARKUP</a:t>
-            </a:r>
-            <a:r>
-              <a:rPr lang="en-ZA" sz="3600" dirty="0" smtClean="0">
-                <a:solidFill>
-                  <a:schemeClr val="bg1"/>
-                </a:solidFill>
-              </a:rPr>
-              <a:t> (CODE </a:t>
-            </a:r>
-            <a:r>
-              <a:rPr lang="en-ZA" sz="3600" dirty="0">
-                <a:solidFill>
-                  <a:schemeClr val="bg1"/>
-                </a:solidFill>
-              </a:rPr>
-              <a:t>FOR FORMATTING THE LAYOUT </a:t>
-            </a:r>
-            <a:r>
-              <a:rPr lang="en-ZA" sz="3600" dirty="0" smtClean="0">
-                <a:solidFill>
-                  <a:schemeClr val="bg1"/>
-                </a:solidFill>
-              </a:rPr>
-              <a:t>AND </a:t>
-            </a:r>
-            <a:r>
-              <a:rPr lang="en-ZA" sz="3600" dirty="0">
-                <a:solidFill>
-                  <a:schemeClr val="bg1"/>
-                </a:solidFill>
-              </a:rPr>
-              <a:t>STYLE OF </a:t>
-            </a:r>
-            <a:endParaRPr lang="en-ZA" sz="3600" dirty="0" smtClean="0">
+              <a:t>IT IS USED TO DEFINE STRUCTURE OF A WEB PAGE NOT THE FUNCTION. IT CONTAINS NO PROGRAMMING LOGIC</a:t>
+            </a:r>
+            <a:endParaRPr lang="en-ZA" sz="3600" dirty="0">
               <a:solidFill>
                 <a:schemeClr val="bg1"/>
               </a:solidFill>
             </a:endParaRPr>
           </a:p>
-          <a:p>
-            <a:pPr algn="ctr"/>
-            <a:r>
-              <a:rPr lang="en-ZA" sz="3600" dirty="0" smtClean="0">
-                <a:solidFill>
-                  <a:schemeClr val="bg1"/>
-                </a:solidFill>
-              </a:rPr>
-              <a:t>ELEMENTS </a:t>
-            </a:r>
-            <a:r>
-              <a:rPr lang="en-ZA" sz="3600" dirty="0">
-                <a:solidFill>
-                  <a:schemeClr val="bg1"/>
-                </a:solidFill>
-              </a:rPr>
-              <a:t>IN THE FORM OF </a:t>
-            </a:r>
-            <a:r>
-              <a:rPr lang="en-ZA" sz="3600" b="1" dirty="0" smtClean="0">
-                <a:solidFill>
-                  <a:srgbClr val="F85652"/>
-                </a:solidFill>
-              </a:rPr>
-              <a:t>TAGS</a:t>
-            </a:r>
-            <a:r>
-              <a:rPr lang="en-ZA" sz="3600" b="1" dirty="0" smtClean="0">
-                <a:solidFill>
-                  <a:schemeClr val="bg1"/>
-                </a:solidFill>
-              </a:rPr>
-              <a:t>)</a:t>
-            </a:r>
-            <a:endParaRPr lang="en-ZA" sz="3600" b="1" dirty="0">
-              <a:solidFill>
-                <a:schemeClr val="bg1"/>
-              </a:solidFill>
-            </a:endParaRPr>
-          </a:p>
-        </p:txBody>
-      </p:sp>
-      <p:sp>
-        <p:nvSpPr>
-          <p:cNvPr id="13" name="Rectangle 12"/>
+        </p:txBody>
+      </p:sp>
+      <p:sp>
+        <p:nvSpPr>
+          <p:cNvPr id="11" name="Rectangle 10"/>
           <p:cNvSpPr/>
           <p:nvPr/>
         </p:nvSpPr>
@@ -11419,14 +12644,14 @@
       </p:sp>
       <p:pic>
         <p:nvPicPr>
-          <p:cNvPr id="14" name="Picture 13"/>
+          <p:cNvPr id="12" name="Picture 11"/>
           <p:cNvPicPr>
             <a:picLocks noChangeAspect="1"/>
           </p:cNvPicPr>
           <p:nvPr/>
         </p:nvPicPr>
         <p:blipFill>
-          <a:blip r:embed="rId3" cstate="print">
+          <a:blip r:embed="rId2" cstate="print">
             <a:extLst>
               <a:ext uri="{28A0092B-C50C-407E-A947-70E740481C1C}">
                 <a14:useLocalDpi xmlns:a14="http://schemas.microsoft.com/office/drawing/2010/main" val="0"/>
@@ -11450,14 +12675,14 @@
       </p:pic>
       <p:pic>
         <p:nvPicPr>
-          <p:cNvPr id="15" name="Picture 2" descr="http://girlcodeza.co.za/gc/wp-content/uploads/2016/11/Logoweb-1.png"/>
+          <p:cNvPr id="13" name="Picture 2" descr="http://girlcodeza.co.za/gc/wp-content/uploads/2016/11/Logoweb-1.png"/>
           <p:cNvPicPr>
             <a:picLocks noChangeAspect="1" noChangeArrowheads="1"/>
           </p:cNvPicPr>
           <p:nvPr/>
         </p:nvPicPr>
         <p:blipFill>
-          <a:blip r:embed="rId4" cstate="print">
+          <a:blip r:embed="rId3" cstate="print">
             <a:extLst>
               <a:ext uri="{28A0092B-C50C-407E-A947-70E740481C1C}">
                 <a14:useLocalDpi xmlns:a14="http://schemas.microsoft.com/office/drawing/2010/main" val="0"/>
@@ -11492,7 +12717,7 @@
     </p:spTree>
     <p:extLst>
       <p:ext uri="{BB962C8B-B14F-4D97-AF65-F5344CB8AC3E}">
-        <p14:creationId xmlns:p14="http://schemas.microsoft.com/office/powerpoint/2010/main" val="3321777569"/>
+        <p14:creationId xmlns:p14="http://schemas.microsoft.com/office/powerpoint/2010/main" val="1563053138"/>
       </p:ext>
     </p:extLst>
   </p:cSld>
@@ -11510,142 +12735,9 @@
   <p:timing>
     <p:tnLst>
       <p:par>
-        <p:cTn id="1" dur="indefinite" restart="never" nodeType="tmRoot">
-          <p:childTnLst>
-            <p:seq concurrent="1" nextAc="seek">
-              <p:cTn id="2" dur="indefinite" nodeType="mainSeq">
-                <p:childTnLst>
-                  <p:par>
-                    <p:cTn id="3" fill="hold">
-                      <p:stCondLst>
-                        <p:cond delay="indefinite"/>
-                      </p:stCondLst>
-                      <p:childTnLst>
-                        <p:par>
-                          <p:cTn id="4" fill="hold">
-                            <p:stCondLst>
-                              <p:cond delay="0"/>
-                            </p:stCondLst>
-                            <p:childTnLst>
-                              <p:par>
-                                <p:cTn id="5" presetID="10" presetClass="entr" presetSubtype="0" fill="hold" grpId="0" nodeType="clickEffect">
-                                  <p:stCondLst>
-                                    <p:cond delay="0"/>
-                                  </p:stCondLst>
-                                  <p:childTnLst>
-                                    <p:set>
-                                      <p:cBhvr>
-                                        <p:cTn id="6" dur="1" fill="hold">
-                                          <p:stCondLst>
-                                            <p:cond delay="0"/>
-                                          </p:stCondLst>
-                                        </p:cTn>
-                                        <p:tgtEl>
-                                          <p:spTgt spid="2"/>
-                                        </p:tgtEl>
-                                        <p:attrNameLst>
-                                          <p:attrName>style.visibility</p:attrName>
-                                        </p:attrNameLst>
-                                      </p:cBhvr>
-                                      <p:to>
-                                        <p:strVal val="visible"/>
-                                      </p:to>
-                                    </p:set>
-                                    <p:animEffect transition="in" filter="fade">
-                                      <p:cBhvr>
-                                        <p:cTn id="7" dur="500"/>
-                                        <p:tgtEl>
-                                          <p:spTgt spid="2"/>
-                                        </p:tgtEl>
-                                      </p:cBhvr>
-                                    </p:animEffect>
-                                  </p:childTnLst>
-                                </p:cTn>
-                              </p:par>
-                            </p:childTnLst>
-                          </p:cTn>
-                        </p:par>
-                      </p:childTnLst>
-                    </p:cTn>
-                  </p:par>
-                  <p:par>
-                    <p:cTn id="8" fill="hold">
-                      <p:stCondLst>
-                        <p:cond delay="indefinite"/>
-                      </p:stCondLst>
-                      <p:childTnLst>
-                        <p:par>
-                          <p:cTn id="9" fill="hold">
-                            <p:stCondLst>
-                              <p:cond delay="0"/>
-                            </p:stCondLst>
-                            <p:childTnLst>
-                              <p:par>
-                                <p:cTn id="10" presetID="10" presetClass="entr" presetSubtype="0" fill="hold" grpId="0" nodeType="clickEffect">
-                                  <p:stCondLst>
-                                    <p:cond delay="0"/>
-                                  </p:stCondLst>
-                                  <p:childTnLst>
-                                    <p:set>
-                                      <p:cBhvr>
-                                        <p:cTn id="11" dur="1" fill="hold">
-                                          <p:stCondLst>
-                                            <p:cond delay="0"/>
-                                          </p:stCondLst>
-                                        </p:cTn>
-                                        <p:tgtEl>
-                                          <p:spTgt spid="5"/>
-                                        </p:tgtEl>
-                                        <p:attrNameLst>
-                                          <p:attrName>style.visibility</p:attrName>
-                                        </p:attrNameLst>
-                                      </p:cBhvr>
-                                      <p:to>
-                                        <p:strVal val="visible"/>
-                                      </p:to>
-                                    </p:set>
-                                    <p:animEffect transition="in" filter="fade">
-                                      <p:cBhvr>
-                                        <p:cTn id="12" dur="500"/>
-                                        <p:tgtEl>
-                                          <p:spTgt spid="5"/>
-                                        </p:tgtEl>
-                                      </p:cBhvr>
-                                    </p:animEffect>
-                                  </p:childTnLst>
-                                </p:cTn>
-                              </p:par>
-                            </p:childTnLst>
-                          </p:cTn>
-                        </p:par>
-                      </p:childTnLst>
-                    </p:cTn>
-                  </p:par>
-                </p:childTnLst>
-              </p:cTn>
-              <p:prevCondLst>
-                <p:cond evt="onPrev" delay="0">
-                  <p:tgtEl>
-                    <p:sldTgt/>
-                  </p:tgtEl>
-                </p:cond>
-              </p:prevCondLst>
-              <p:nextCondLst>
-                <p:cond evt="onNext" delay="0">
-                  <p:tgtEl>
-                    <p:sldTgt/>
-                  </p:tgtEl>
-                </p:cond>
-              </p:nextCondLst>
-            </p:seq>
-          </p:childTnLst>
-        </p:cTn>
+        <p:cTn id="1" dur="indefinite" restart="never" nodeType="tmRoot"/>
       </p:par>
     </p:tnLst>
-    <p:bldLst>
-      <p:bldP spid="2" grpId="0"/>
-      <p:bldP spid="5" grpId="0"/>
-    </p:bldLst>
   </p:timing>
 </p:sld>
 </file>
@@ -11899,14 +12991,14 @@
       </p:pic>
       <p:sp>
         <p:nvSpPr>
-          <p:cNvPr id="10" name="Rectangle 9"/>
+          <p:cNvPr id="13" name="Rectangle 12"/>
           <p:cNvSpPr/>
           <p:nvPr/>
         </p:nvSpPr>
         <p:spPr>
           <a:xfrm>
             <a:off x="836747" y="1582431"/>
-            <a:ext cx="4540734" cy="3655996"/>
+            <a:ext cx="4569310" cy="3655996"/>
           </a:xfrm>
           <a:prstGeom prst="rect">
             <a:avLst/>
@@ -11959,8 +13051,8 @@
         </p:blipFill>
         <p:spPr>
           <a:xfrm>
-            <a:off x="836747" y="1746719"/>
-            <a:ext cx="4370684" cy="3377347"/>
+            <a:off x="836746" y="1718837"/>
+            <a:ext cx="4406767" cy="3405229"/>
           </a:xfrm>
           <a:prstGeom prst="rect">
             <a:avLst/>
@@ -11983,7 +13075,7 @@
         </p:blipFill>
         <p:spPr>
           <a:xfrm>
-            <a:off x="5765367" y="2650427"/>
+            <a:off x="5765367" y="2693291"/>
             <a:ext cx="5610225" cy="1428750"/>
           </a:xfrm>
           <a:prstGeom prst="rect">
@@ -12350,8 +13442,8 @@
         </p:nvSpPr>
         <p:spPr>
           <a:xfrm>
-            <a:off x="836747" y="1355330"/>
-            <a:ext cx="5377480" cy="4146568"/>
+            <a:off x="836747" y="1326753"/>
+            <a:ext cx="5377480" cy="4216795"/>
           </a:xfrm>
           <a:prstGeom prst="rect">
             <a:avLst/>
@@ -13166,11 +14258,11 @@
   <p:clrMapOvr>
     <a:masterClrMapping/>
   </p:clrMapOvr>
-  <mc:AlternateContent xmlns:mc="http://schemas.openxmlformats.org/markup-compatibility/2006">
-    <mc:Choice xmlns:p14="http://schemas.microsoft.com/office/powerpoint/2010/main" Requires="p14">
+  <mc:AlternateContent xmlns:mc="http://schemas.openxmlformats.org/markup-compatibility/2006" xmlns:p14="http://schemas.microsoft.com/office/powerpoint/2010/main">
+    <mc:Choice Requires="p14">
       <p:transition p14:dur="0"/>
     </mc:Choice>
-    <mc:Fallback>
+    <mc:Fallback xmlns="">
       <p:transition/>
     </mc:Fallback>
   </mc:AlternateContent>
@@ -13501,7 +14593,7 @@
                   </a:schemeClr>
                 </a:solidFill>
               </a:rPr>
-              <a:t>E.G. &lt;div&gt;, &lt;h1&gt; - &lt;h6&gt;, &lt;p&gt;, &lt;form&gt;</a:t>
+              <a:t>&lt;div&gt;, &lt;h1&gt; - &lt;h6&gt;, &lt;p&gt;, &lt;form&gt;</a:t>
             </a:r>
             <a:endParaRPr lang="en-ZA" sz="3200" dirty="0">
               <a:solidFill>
@@ -13563,7 +14655,17 @@
                   </a:schemeClr>
                 </a:solidFill>
               </a:rPr>
-              <a:t>E.G. &lt;span&gt;, &lt;a&gt;, &lt;</a:t>
+              <a:t>&lt;span</a:t>
+            </a:r>
+            <a:r>
+              <a:rPr lang="en-ZA" sz="3200" dirty="0" smtClean="0">
+                <a:solidFill>
+                  <a:schemeClr val="bg1">
+                    <a:lumMod val="75000"/>
+                  </a:schemeClr>
+                </a:solidFill>
+              </a:rPr>
+              <a:t>&gt;, &lt;a&gt;, &lt;</a:t>
             </a:r>
             <a:r>
               <a:rPr lang="en-ZA" sz="3200" dirty="0" err="1" smtClean="0">
@@ -13930,17 +15032,7 @@
                 <a:ea typeface="Open Sans" panose="020B0606030504020204" pitchFamily="34" charset="0"/>
                 <a:cs typeface="Arial" panose="020B0604020202020204" pitchFamily="34" charset="0"/>
               </a:rPr>
-              <a:t> </a:t>
-            </a:r>
-            <a:r>
-              <a:rPr lang="en-ZA" sz="5400" dirty="0" smtClean="0">
-                <a:solidFill>
-                  <a:srgbClr val="F85652"/>
-                </a:solidFill>
-                <a:ea typeface="Open Sans" panose="020B0606030504020204" pitchFamily="34" charset="0"/>
-                <a:cs typeface="Arial" panose="020B0604020202020204" pitchFamily="34" charset="0"/>
-              </a:rPr>
-              <a:t>&amp; </a:t>
+              <a:t> &amp; </a:t>
             </a:r>
             <a:r>
               <a:rPr lang="en-ZA" sz="5400" b="1" dirty="0" smtClean="0">
@@ -14148,11 +15240,11 @@
   <p:clrMapOvr>
     <a:masterClrMapping/>
   </p:clrMapOvr>
-  <mc:AlternateContent xmlns:mc="http://schemas.openxmlformats.org/markup-compatibility/2006">
-    <mc:Choice xmlns:p14="http://schemas.microsoft.com/office/powerpoint/2010/main" Requires="p14">
+  <mc:AlternateContent xmlns:mc="http://schemas.openxmlformats.org/markup-compatibility/2006" xmlns:p14="http://schemas.microsoft.com/office/powerpoint/2010/main">
+    <mc:Choice Requires="p14">
       <p:transition p14:dur="0"/>
     </mc:Choice>
-    <mc:Fallback>
+    <mc:Fallback xmlns="">
       <p:transition/>
     </mc:Fallback>
   </mc:AlternateContent>
@@ -15714,7 +16806,7 @@
         </p:blipFill>
         <p:spPr>
           <a:xfrm>
-            <a:off x="6293642" y="1696524"/>
+            <a:off x="6293642" y="1682236"/>
             <a:ext cx="4428103" cy="2760376"/>
           </a:xfrm>
           <a:prstGeom prst="rect">
@@ -15819,11 +16911,11 @@
   <p:clrMapOvr>
     <a:masterClrMapping/>
   </p:clrMapOvr>
-  <mc:AlternateContent xmlns:mc="http://schemas.openxmlformats.org/markup-compatibility/2006">
-    <mc:Choice xmlns:p14="http://schemas.microsoft.com/office/powerpoint/2010/main" Requires="p14">
+  <mc:AlternateContent xmlns:mc="http://schemas.openxmlformats.org/markup-compatibility/2006" xmlns:p14="http://schemas.microsoft.com/office/powerpoint/2010/main">
+    <mc:Choice Requires="p14">
       <p:transition p14:dur="0"/>
     </mc:Choice>
-    <mc:Fallback>
+    <mc:Fallback xmlns="">
       <p:transition/>
     </mc:Fallback>
   </mc:AlternateContent>
@@ -16586,11 +17678,11 @@
   <p:clrMapOvr>
     <a:masterClrMapping/>
   </p:clrMapOvr>
-  <mc:AlternateContent xmlns:mc="http://schemas.openxmlformats.org/markup-compatibility/2006">
-    <mc:Choice xmlns:p14="http://schemas.microsoft.com/office/powerpoint/2010/main" Requires="p14">
+  <mc:AlternateContent xmlns:mc="http://schemas.openxmlformats.org/markup-compatibility/2006" xmlns:p14="http://schemas.microsoft.com/office/powerpoint/2010/main">
+    <mc:Choice Requires="p14">
       <p:transition p14:dur="0"/>
     </mc:Choice>
-    <mc:Fallback>
+    <mc:Fallback xmlns="">
       <p:transition/>
     </mc:Fallback>
   </mc:AlternateContent>
@@ -16903,14 +17995,76 @@
       </p:sp>
       <p:sp>
         <p:nvSpPr>
-          <p:cNvPr id="10" name="TextBox 9"/>
+          <p:cNvPr id="3" name="Subtitle 2"/>
+          <p:cNvSpPr>
+            <a:spLocks noGrp="1"/>
+          </p:cNvSpPr>
+          <p:nvPr>
+            <p:ph type="subTitle" idx="1"/>
+          </p:nvPr>
+        </p:nvSpPr>
+        <p:spPr>
+          <a:xfrm>
+            <a:off x="1523999" y="-785"/>
+            <a:ext cx="9144000" cy="1655762"/>
+          </a:xfrm>
+        </p:spPr>
+        <p:txBody>
+          <a:bodyPr tIns="468000">
+            <a:normAutofit/>
+          </a:bodyPr>
+          <a:lstStyle/>
+          <a:p>
+            <a:r>
+              <a:rPr lang="en-ZA" sz="5400" dirty="0" smtClean="0">
+                <a:solidFill>
+                  <a:srgbClr val="F85652"/>
+                </a:solidFill>
+                <a:ea typeface="Open Sans" panose="020B0606030504020204" pitchFamily="34" charset="0"/>
+                <a:cs typeface="Arial" panose="020B0604020202020204" pitchFamily="34" charset="0"/>
+              </a:rPr>
+              <a:t>WHAT IS </a:t>
+            </a:r>
+            <a:r>
+              <a:rPr lang="en-ZA" sz="5400" b="1" dirty="0" smtClean="0">
+                <a:solidFill>
+                  <a:srgbClr val="F85652"/>
+                </a:solidFill>
+                <a:ea typeface="Open Sans" panose="020B0606030504020204" pitchFamily="34" charset="0"/>
+                <a:cs typeface="Arial" panose="020B0604020202020204" pitchFamily="34" charset="0"/>
+              </a:rPr>
+              <a:t>HTML</a:t>
+            </a:r>
+            <a:r>
+              <a:rPr lang="en-ZA" sz="5400" dirty="0" smtClean="0">
+                <a:solidFill>
+                  <a:srgbClr val="F85652"/>
+                </a:solidFill>
+                <a:ea typeface="Open Sans" panose="020B0606030504020204" pitchFamily="34" charset="0"/>
+                <a:cs typeface="Arial" panose="020B0604020202020204" pitchFamily="34" charset="0"/>
+              </a:rPr>
+              <a:t>?</a:t>
+            </a:r>
+            <a:endParaRPr lang="en-ZA" sz="5400" b="1" dirty="0">
+              <a:solidFill>
+                <a:srgbClr val="F85652"/>
+              </a:solidFill>
+              <a:ea typeface="Open Sans" panose="020B0606030504020204" pitchFamily="34" charset="0"/>
+              <a:cs typeface="Arial" panose="020B0604020202020204" pitchFamily="34" charset="0"/>
+            </a:endParaRPr>
+          </a:p>
+        </p:txBody>
+      </p:sp>
+      <p:sp>
+        <p:nvSpPr>
+          <p:cNvPr id="2" name="TextBox 1"/>
           <p:cNvSpPr txBox="1"/>
           <p:nvPr/>
         </p:nvSpPr>
         <p:spPr>
           <a:xfrm>
-            <a:off x="-5168" y="1753531"/>
-            <a:ext cx="12197167" cy="2554545"/>
+            <a:off x="693174" y="1696832"/>
+            <a:ext cx="11002297" cy="1117229"/>
           </a:xfrm>
           <a:prstGeom prst="rect">
             <a:avLst/>
@@ -16925,22 +18079,97 @@
           <a:p>
             <a:pPr algn="ctr"/>
             <a:r>
-              <a:rPr lang="en-ZA" sz="4400" b="1" dirty="0" smtClean="0">
+              <a:rPr lang="en-ZA" sz="6000" b="1" dirty="0" smtClean="0">
                 <a:solidFill>
                   <a:srgbClr val="F85652"/>
                 </a:solidFill>
               </a:rPr>
-              <a:t>!! HTML IS NOT A PROGRAMMING LANGUAGE !!</a:t>
-            </a:r>
-          </a:p>
-          <a:p>
-            <a:pPr algn="ctr"/>
-            <a:endParaRPr lang="en-ZA" sz="4400" b="1" dirty="0">
+              <a:t>H</a:t>
+            </a:r>
+            <a:r>
+              <a:rPr lang="en-ZA" sz="4800" dirty="0" smtClean="0">
+                <a:solidFill>
+                  <a:schemeClr val="bg1"/>
+                </a:solidFill>
+              </a:rPr>
+              <a:t>YPER </a:t>
+            </a:r>
+            <a:r>
+              <a:rPr lang="en-ZA" sz="6000" b="1" dirty="0" smtClean="0">
+                <a:solidFill>
+                  <a:srgbClr val="F85652"/>
+                </a:solidFill>
+              </a:rPr>
+              <a:t>T</a:t>
+            </a:r>
+            <a:r>
+              <a:rPr lang="en-ZA" sz="4800" dirty="0" smtClean="0">
+                <a:solidFill>
+                  <a:schemeClr val="bg1"/>
+                </a:solidFill>
+              </a:rPr>
+              <a:t>EXT </a:t>
+            </a:r>
+            <a:r>
+              <a:rPr lang="en-ZA" sz="6000" b="1" dirty="0" smtClean="0">
+                <a:solidFill>
+                  <a:srgbClr val="F85652"/>
+                </a:solidFill>
+              </a:rPr>
+              <a:t>M</a:t>
+            </a:r>
+            <a:r>
+              <a:rPr lang="en-ZA" sz="4800" dirty="0" smtClean="0">
+                <a:solidFill>
+                  <a:schemeClr val="bg1"/>
+                </a:solidFill>
+              </a:rPr>
+              <a:t>ARKUP </a:t>
+            </a:r>
+            <a:r>
+              <a:rPr lang="en-ZA" sz="6000" b="1" dirty="0" smtClean="0">
+                <a:solidFill>
+                  <a:srgbClr val="F85652"/>
+                </a:solidFill>
+              </a:rPr>
+              <a:t>L</a:t>
+            </a:r>
+            <a:r>
+              <a:rPr lang="en-ZA" sz="4800" dirty="0" smtClean="0">
+                <a:solidFill>
+                  <a:schemeClr val="bg1"/>
+                </a:solidFill>
+              </a:rPr>
+              <a:t>ANGUAGE</a:t>
+            </a:r>
+            <a:endParaRPr lang="en-ZA" sz="4800" dirty="0">
               <a:solidFill>
-                <a:srgbClr val="F85652"/>
+                <a:schemeClr val="bg1"/>
               </a:solidFill>
             </a:endParaRPr>
           </a:p>
+        </p:txBody>
+      </p:sp>
+      <p:sp>
+        <p:nvSpPr>
+          <p:cNvPr id="5" name="TextBox 4"/>
+          <p:cNvSpPr txBox="1"/>
+          <p:nvPr/>
+        </p:nvSpPr>
+        <p:spPr>
+          <a:xfrm>
+            <a:off x="-5167" y="3207711"/>
+            <a:ext cx="12197167" cy="1754326"/>
+          </a:xfrm>
+          <a:prstGeom prst="rect">
+            <a:avLst/>
+          </a:prstGeom>
+        </p:spPr>
+        <p:txBody>
+          <a:bodyPr wrap="square" rtlCol="0">
+            <a:spAutoFit/>
+          </a:bodyPr>
+          <a:lstStyle/>
           <a:p>
             <a:pPr algn="ctr"/>
             <a:r>
@@ -16949,19 +18178,107 @@
                   <a:schemeClr val="bg1"/>
                 </a:solidFill>
               </a:rPr>
-              <a:t>IT IS USED TO DEFINE STRUCTURE OF A WEB PAGE NOT THE FUNCTION. IT CONTAINS NO PROGRAMMING LOGIC</a:t>
-            </a:r>
-            <a:endParaRPr lang="en-ZA" sz="3600" dirty="0">
+              <a:t>DESCRIBES THE STRUCTURE OF A WEB PAGE </a:t>
+            </a:r>
+            <a:r>
+              <a:rPr lang="en-ZA" sz="3600" dirty="0">
+                <a:solidFill>
+                  <a:schemeClr val="bg1"/>
+                </a:solidFill>
+              </a:rPr>
+              <a:t>USING </a:t>
+            </a:r>
+            <a:r>
+              <a:rPr lang="en-ZA" sz="3600" b="1" dirty="0" smtClean="0">
+                <a:solidFill>
+                  <a:srgbClr val="F85652"/>
+                </a:solidFill>
+              </a:rPr>
+              <a:t>MARKUP</a:t>
+            </a:r>
+            <a:r>
+              <a:rPr lang="en-ZA" sz="3600" dirty="0" smtClean="0">
+                <a:solidFill>
+                  <a:schemeClr val="bg1"/>
+                </a:solidFill>
+              </a:rPr>
+              <a:t> (CODE </a:t>
+            </a:r>
+            <a:r>
+              <a:rPr lang="en-ZA" sz="3600" dirty="0">
+                <a:solidFill>
+                  <a:schemeClr val="bg1"/>
+                </a:solidFill>
+              </a:rPr>
+              <a:t>FOR FORMATTING THE LAYOUT </a:t>
+            </a:r>
+            <a:r>
+              <a:rPr lang="en-ZA" sz="3600" dirty="0" smtClean="0">
+                <a:solidFill>
+                  <a:schemeClr val="bg1"/>
+                </a:solidFill>
+              </a:rPr>
+              <a:t>AND </a:t>
+            </a:r>
+            <a:r>
+              <a:rPr lang="en-ZA" sz="3600" dirty="0">
+                <a:solidFill>
+                  <a:schemeClr val="bg1"/>
+                </a:solidFill>
+              </a:rPr>
+              <a:t>STYLE OF </a:t>
+            </a:r>
+            <a:endParaRPr lang="en-ZA" sz="3600" dirty="0" smtClean="0">
               <a:solidFill>
                 <a:schemeClr val="bg1"/>
               </a:solidFill>
             </a:endParaRPr>
           </a:p>
-        </p:txBody>
-      </p:sp>
-      <p:sp>
-        <p:nvSpPr>
-          <p:cNvPr id="11" name="Rectangle 10"/>
+          <a:p>
+            <a:pPr algn="ctr"/>
+            <a:r>
+              <a:rPr lang="en-ZA" sz="3600" dirty="0" smtClean="0">
+                <a:solidFill>
+                  <a:schemeClr val="bg1"/>
+                </a:solidFill>
+              </a:rPr>
+              <a:t>ELEMENTS </a:t>
+            </a:r>
+            <a:r>
+              <a:rPr lang="en-ZA" sz="3600" dirty="0">
+                <a:solidFill>
+                  <a:schemeClr val="bg1"/>
+                </a:solidFill>
+              </a:rPr>
+              <a:t>IN THE FORM OF </a:t>
+            </a:r>
+            <a:r>
+              <a:rPr lang="en-ZA" sz="3600" b="1" dirty="0" smtClean="0">
+                <a:solidFill>
+                  <a:srgbClr val="F85652"/>
+                </a:solidFill>
+              </a:rPr>
+              <a:t>TAGS</a:t>
+            </a:r>
+            <a:r>
+              <a:rPr lang="en-ZA" sz="3600" b="1" dirty="0" smtClean="0">
+                <a:solidFill>
+                  <a:schemeClr val="bg1"/>
+                </a:solidFill>
+              </a:rPr>
+              <a:t>)</a:t>
+            </a:r>
+            <a:endParaRPr lang="en-ZA" sz="3600" b="1" dirty="0">
+              <a:solidFill>
+                <a:schemeClr val="bg1"/>
+              </a:solidFill>
+            </a:endParaRPr>
+          </a:p>
+        </p:txBody>
+      </p:sp>
+      <p:sp>
+        <p:nvSpPr>
+          <p:cNvPr id="13" name="Rectangle 12"/>
           <p:cNvSpPr/>
           <p:nvPr/>
         </p:nvSpPr>
@@ -17007,14 +18324,14 @@
       </p:sp>
       <p:pic>
         <p:nvPicPr>
-          <p:cNvPr id="12" name="Picture 11"/>
+          <p:cNvPr id="14" name="Picture 13"/>
           <p:cNvPicPr>
             <a:picLocks noChangeAspect="1"/>
           </p:cNvPicPr>
           <p:nvPr/>
         </p:nvPicPr>
         <p:blipFill>
-          <a:blip r:embed="rId2" cstate="print">
+          <a:blip r:embed="rId3" cstate="print">
             <a:extLst>
               <a:ext uri="{28A0092B-C50C-407E-A947-70E740481C1C}">
                 <a14:useLocalDpi xmlns:a14="http://schemas.microsoft.com/office/drawing/2010/main" val="0"/>
@@ -17038,14 +18355,14 @@
       </p:pic>
       <p:pic>
         <p:nvPicPr>
-          <p:cNvPr id="13" name="Picture 2" descr="http://girlcodeza.co.za/gc/wp-content/uploads/2016/11/Logoweb-1.png"/>
+          <p:cNvPr id="15" name="Picture 2" descr="http://girlcodeza.co.za/gc/wp-content/uploads/2016/11/Logoweb-1.png"/>
           <p:cNvPicPr>
             <a:picLocks noChangeAspect="1" noChangeArrowheads="1"/>
           </p:cNvPicPr>
           <p:nvPr/>
         </p:nvPicPr>
         <p:blipFill>
-          <a:blip r:embed="rId3" cstate="print">
+          <a:blip r:embed="rId4" cstate="print">
             <a:extLst>
               <a:ext uri="{28A0092B-C50C-407E-A947-70E740481C1C}">
                 <a14:useLocalDpi xmlns:a14="http://schemas.microsoft.com/office/drawing/2010/main" val="0"/>
@@ -17080,7 +18397,1719 @@
     </p:spTree>
     <p:extLst>
       <p:ext uri="{BB962C8B-B14F-4D97-AF65-F5344CB8AC3E}">
-        <p14:creationId xmlns:p14="http://schemas.microsoft.com/office/powerpoint/2010/main" val="1563053138"/>
+        <p14:creationId xmlns:p14="http://schemas.microsoft.com/office/powerpoint/2010/main" val="3321777569"/>
+      </p:ext>
+    </p:extLst>
+  </p:cSld>
+  <p:clrMapOvr>
+    <a:masterClrMapping/>
+  </p:clrMapOvr>
+  <mc:AlternateContent xmlns:mc="http://schemas.openxmlformats.org/markup-compatibility/2006" xmlns:p14="http://schemas.microsoft.com/office/powerpoint/2010/main">
+    <mc:Choice Requires="p14">
+      <p:transition p14:dur="0"/>
+    </mc:Choice>
+    <mc:Fallback xmlns="">
+      <p:transition/>
+    </mc:Fallback>
+  </mc:AlternateContent>
+  <p:timing>
+    <p:tnLst>
+      <p:par>
+        <p:cTn id="1" dur="indefinite" restart="never" nodeType="tmRoot">
+          <p:childTnLst>
+            <p:seq concurrent="1" nextAc="seek">
+              <p:cTn id="2" dur="indefinite" nodeType="mainSeq">
+                <p:childTnLst>
+                  <p:par>
+                    <p:cTn id="3" fill="hold">
+                      <p:stCondLst>
+                        <p:cond delay="indefinite"/>
+                      </p:stCondLst>
+                      <p:childTnLst>
+                        <p:par>
+                          <p:cTn id="4" fill="hold">
+                            <p:stCondLst>
+                              <p:cond delay="0"/>
+                            </p:stCondLst>
+                            <p:childTnLst>
+                              <p:par>
+                                <p:cTn id="5" presetID="10" presetClass="entr" presetSubtype="0" fill="hold" grpId="0" nodeType="clickEffect">
+                                  <p:stCondLst>
+                                    <p:cond delay="0"/>
+                                  </p:stCondLst>
+                                  <p:childTnLst>
+                                    <p:set>
+                                      <p:cBhvr>
+                                        <p:cTn id="6" dur="1" fill="hold">
+                                          <p:stCondLst>
+                                            <p:cond delay="0"/>
+                                          </p:stCondLst>
+                                        </p:cTn>
+                                        <p:tgtEl>
+                                          <p:spTgt spid="2"/>
+                                        </p:tgtEl>
+                                        <p:attrNameLst>
+                                          <p:attrName>style.visibility</p:attrName>
+                                        </p:attrNameLst>
+                                      </p:cBhvr>
+                                      <p:to>
+                                        <p:strVal val="visible"/>
+                                      </p:to>
+                                    </p:set>
+                                    <p:animEffect transition="in" filter="fade">
+                                      <p:cBhvr>
+                                        <p:cTn id="7" dur="500"/>
+                                        <p:tgtEl>
+                                          <p:spTgt spid="2"/>
+                                        </p:tgtEl>
+                                      </p:cBhvr>
+                                    </p:animEffect>
+                                  </p:childTnLst>
+                                </p:cTn>
+                              </p:par>
+                            </p:childTnLst>
+                          </p:cTn>
+                        </p:par>
+                      </p:childTnLst>
+                    </p:cTn>
+                  </p:par>
+                  <p:par>
+                    <p:cTn id="8" fill="hold">
+                      <p:stCondLst>
+                        <p:cond delay="indefinite"/>
+                      </p:stCondLst>
+                      <p:childTnLst>
+                        <p:par>
+                          <p:cTn id="9" fill="hold">
+                            <p:stCondLst>
+                              <p:cond delay="0"/>
+                            </p:stCondLst>
+                            <p:childTnLst>
+                              <p:par>
+                                <p:cTn id="10" presetID="10" presetClass="entr" presetSubtype="0" fill="hold" grpId="0" nodeType="clickEffect">
+                                  <p:stCondLst>
+                                    <p:cond delay="0"/>
+                                  </p:stCondLst>
+                                  <p:childTnLst>
+                                    <p:set>
+                                      <p:cBhvr>
+                                        <p:cTn id="11" dur="1" fill="hold">
+                                          <p:stCondLst>
+                                            <p:cond delay="0"/>
+                                          </p:stCondLst>
+                                        </p:cTn>
+                                        <p:tgtEl>
+                                          <p:spTgt spid="5"/>
+                                        </p:tgtEl>
+                                        <p:attrNameLst>
+                                          <p:attrName>style.visibility</p:attrName>
+                                        </p:attrNameLst>
+                                      </p:cBhvr>
+                                      <p:to>
+                                        <p:strVal val="visible"/>
+                                      </p:to>
+                                    </p:set>
+                                    <p:animEffect transition="in" filter="fade">
+                                      <p:cBhvr>
+                                        <p:cTn id="12" dur="500"/>
+                                        <p:tgtEl>
+                                          <p:spTgt spid="5"/>
+                                        </p:tgtEl>
+                                      </p:cBhvr>
+                                    </p:animEffect>
+                                  </p:childTnLst>
+                                </p:cTn>
+                              </p:par>
+                            </p:childTnLst>
+                          </p:cTn>
+                        </p:par>
+                      </p:childTnLst>
+                    </p:cTn>
+                  </p:par>
+                </p:childTnLst>
+              </p:cTn>
+              <p:prevCondLst>
+                <p:cond evt="onPrev" delay="0">
+                  <p:tgtEl>
+                    <p:sldTgt/>
+                  </p:tgtEl>
+                </p:cond>
+              </p:prevCondLst>
+              <p:nextCondLst>
+                <p:cond evt="onNext" delay="0">
+                  <p:tgtEl>
+                    <p:sldTgt/>
+                  </p:tgtEl>
+                </p:cond>
+              </p:nextCondLst>
+            </p:seq>
+          </p:childTnLst>
+        </p:cTn>
+      </p:par>
+    </p:tnLst>
+    <p:bldLst>
+      <p:bldP spid="2" grpId="0"/>
+      <p:bldP spid="5" grpId="0"/>
+    </p:bldLst>
+  </p:timing>
+</p:sld>
+</file>
+
+<file path=ppt/slides/slide30.xml><?xml version="1.0" encoding="utf-8"?>
+<p:sld xmlns:a="http://schemas.openxmlformats.org/drawingml/2006/main" xmlns:r="http://schemas.openxmlformats.org/officeDocument/2006/relationships" xmlns:p="http://schemas.openxmlformats.org/presentationml/2006/main">
+  <p:cSld>
+    <p:spTree>
+      <p:nvGrpSpPr>
+        <p:cNvPr id="1" name=""/>
+        <p:cNvGrpSpPr/>
+        <p:nvPr/>
+      </p:nvGrpSpPr>
+      <p:grpSpPr>
+        <a:xfrm>
+          <a:off x="0" y="0"/>
+          <a:ext cx="0" cy="0"/>
+          <a:chOff x="0" y="0"/>
+          <a:chExt cx="0" cy="0"/>
+        </a:xfrm>
+      </p:grpSpPr>
+      <p:sp>
+        <p:nvSpPr>
+          <p:cNvPr id="4" name="Rectangle 3"/>
+          <p:cNvSpPr/>
+          <p:nvPr/>
+        </p:nvSpPr>
+        <p:spPr>
+          <a:xfrm>
+            <a:off x="0" y="0"/>
+            <a:ext cx="12192000" cy="6858000"/>
+          </a:xfrm>
+          <a:prstGeom prst="rect">
+            <a:avLst/>
+          </a:prstGeom>
+          <a:solidFill>
+            <a:schemeClr val="bg2">
+              <a:lumMod val="25000"/>
+            </a:schemeClr>
+          </a:solidFill>
+          <a:ln>
+            <a:noFill/>
+          </a:ln>
+        </p:spPr>
+        <p:style>
+          <a:lnRef idx="2">
+            <a:schemeClr val="accent1">
+              <a:shade val="50000"/>
+            </a:schemeClr>
+          </a:lnRef>
+          <a:fillRef idx="1">
+            <a:schemeClr val="accent1"/>
+          </a:fillRef>
+          <a:effectRef idx="0">
+            <a:schemeClr val="accent1"/>
+          </a:effectRef>
+          <a:fontRef idx="minor">
+            <a:schemeClr val="lt1"/>
+          </a:fontRef>
+        </p:style>
+        <p:txBody>
+          <a:bodyPr rtlCol="0" anchor="ctr"/>
+          <a:lstStyle/>
+          <a:p>
+            <a:pPr algn="ctr"/>
+            <a:endParaRPr lang="en-ZA" sz="1400" dirty="0">
+              <a:ln w="0"/>
+              <a:solidFill>
+                <a:schemeClr val="tx1"/>
+              </a:solidFill>
+              <a:effectLst>
+                <a:outerShdw blurRad="38100" dist="19050" dir="2700000" algn="tl" rotWithShape="0">
+                  <a:schemeClr val="dk1">
+                    <a:alpha val="40000"/>
+                  </a:schemeClr>
+                </a:outerShdw>
+              </a:effectLst>
+            </a:endParaRPr>
+          </a:p>
+        </p:txBody>
+      </p:sp>
+      <p:sp>
+        <p:nvSpPr>
+          <p:cNvPr id="3" name="Subtitle 2"/>
+          <p:cNvSpPr>
+            <a:spLocks noGrp="1"/>
+          </p:cNvSpPr>
+          <p:nvPr>
+            <p:ph type="subTitle" idx="1"/>
+          </p:nvPr>
+        </p:nvSpPr>
+        <p:spPr>
+          <a:xfrm>
+            <a:off x="0" y="-785"/>
+            <a:ext cx="12192000" cy="1655762"/>
+          </a:xfrm>
+        </p:spPr>
+        <p:txBody>
+          <a:bodyPr tIns="468000">
+            <a:normAutofit/>
+          </a:bodyPr>
+          <a:lstStyle/>
+          <a:p>
+            <a:r>
+              <a:rPr lang="en-ZA" sz="5400" dirty="0" smtClean="0">
+                <a:solidFill>
+                  <a:srgbClr val="F85652"/>
+                </a:solidFill>
+                <a:ea typeface="Open Sans" panose="020B0606030504020204" pitchFamily="34" charset="0"/>
+                <a:cs typeface="Arial" panose="020B0604020202020204" pitchFamily="34" charset="0"/>
+              </a:rPr>
+              <a:t>HTML5</a:t>
+            </a:r>
+            <a:endParaRPr lang="en-ZA" sz="5400" dirty="0">
+              <a:solidFill>
+                <a:srgbClr val="F85652"/>
+              </a:solidFill>
+              <a:ea typeface="Open Sans" panose="020B0606030504020204" pitchFamily="34" charset="0"/>
+              <a:cs typeface="Arial" panose="020B0604020202020204" pitchFamily="34" charset="0"/>
+            </a:endParaRPr>
+          </a:p>
+        </p:txBody>
+      </p:sp>
+      <p:sp>
+        <p:nvSpPr>
+          <p:cNvPr id="7" name="Rectangle 6"/>
+          <p:cNvSpPr/>
+          <p:nvPr/>
+        </p:nvSpPr>
+        <p:spPr>
+          <a:xfrm>
+            <a:off x="-5167" y="5861756"/>
+            <a:ext cx="12197167" cy="996244"/>
+          </a:xfrm>
+          <a:prstGeom prst="rect">
+            <a:avLst/>
+          </a:prstGeom>
+          <a:solidFill>
+            <a:srgbClr val="F85652"/>
+          </a:solidFill>
+          <a:ln>
+            <a:noFill/>
+          </a:ln>
+        </p:spPr>
+        <p:style>
+          <a:lnRef idx="2">
+            <a:schemeClr val="accent1">
+              <a:shade val="50000"/>
+            </a:schemeClr>
+          </a:lnRef>
+          <a:fillRef idx="1">
+            <a:schemeClr val="accent1"/>
+          </a:fillRef>
+          <a:effectRef idx="0">
+            <a:schemeClr val="accent1"/>
+          </a:effectRef>
+          <a:fontRef idx="minor">
+            <a:schemeClr val="lt1"/>
+          </a:fontRef>
+        </p:style>
+        <p:txBody>
+          <a:bodyPr rtlCol="0" anchor="ctr"/>
+          <a:lstStyle/>
+          <a:p>
+            <a:pPr algn="ctr"/>
+            <a:endParaRPr lang="en-ZA"/>
+          </a:p>
+        </p:txBody>
+      </p:sp>
+      <p:pic>
+        <p:nvPicPr>
+          <p:cNvPr id="8" name="Picture 7"/>
+          <p:cNvPicPr>
+            <a:picLocks noChangeAspect="1"/>
+          </p:cNvPicPr>
+          <p:nvPr/>
+        </p:nvPicPr>
+        <p:blipFill>
+          <a:blip r:embed="rId3" cstate="print">
+            <a:extLst>
+              <a:ext uri="{28A0092B-C50C-407E-A947-70E740481C1C}">
+                <a14:useLocalDpi xmlns:a14="http://schemas.microsoft.com/office/drawing/2010/main" val="0"/>
+              </a:ext>
+            </a:extLst>
+          </a:blip>
+          <a:stretch>
+            <a:fillRect/>
+          </a:stretch>
+        </p:blipFill>
+        <p:spPr>
+          <a:xfrm>
+            <a:off x="9678227" y="5906000"/>
+            <a:ext cx="2315027" cy="901611"/>
+          </a:xfrm>
+          <a:prstGeom prst="rect">
+            <a:avLst/>
+          </a:prstGeom>
+          <a:noFill/>
+        </p:spPr>
+      </p:pic>
+      <p:pic>
+        <p:nvPicPr>
+          <p:cNvPr id="9" name="Picture 2" descr="http://girlcodeza.co.za/gc/wp-content/uploads/2016/11/Logoweb-1.png"/>
+          <p:cNvPicPr>
+            <a:picLocks noChangeAspect="1" noChangeArrowheads="1"/>
+          </p:cNvPicPr>
+          <p:nvPr/>
+        </p:nvPicPr>
+        <p:blipFill>
+          <a:blip r:embed="rId4" cstate="print">
+            <a:extLst>
+              <a:ext uri="{28A0092B-C50C-407E-A947-70E740481C1C}">
+                <a14:useLocalDpi xmlns:a14="http://schemas.microsoft.com/office/drawing/2010/main" val="0"/>
+              </a:ext>
+            </a:extLst>
+          </a:blip>
+          <a:srcRect/>
+          <a:stretch>
+            <a:fillRect/>
+          </a:stretch>
+        </p:blipFill>
+        <p:spPr bwMode="auto">
+          <a:xfrm>
+            <a:off x="-5168" y="5819426"/>
+            <a:ext cx="2969593" cy="1039358"/>
+          </a:xfrm>
+          <a:prstGeom prst="rect">
+            <a:avLst/>
+          </a:prstGeom>
+          <a:noFill/>
+          <a:extLst>
+            <a:ext uri="{909E8E84-426E-40DD-AFC4-6F175D3DCCD1}">
+              <a14:hiddenFill xmlns:a14="http://schemas.microsoft.com/office/drawing/2010/main">
+                <a:solidFill>
+                  <a:srgbClr val="FFFFFF"/>
+                </a:solidFill>
+              </a14:hiddenFill>
+            </a:ext>
+          </a:extLst>
+        </p:spPr>
+      </p:pic>
+      <p:sp>
+        <p:nvSpPr>
+          <p:cNvPr id="10" name="TextBox 9"/>
+          <p:cNvSpPr txBox="1"/>
+          <p:nvPr/>
+        </p:nvSpPr>
+        <p:spPr>
+          <a:xfrm>
+            <a:off x="1698610" y="1369437"/>
+            <a:ext cx="8789611" cy="4154984"/>
+          </a:xfrm>
+          <a:prstGeom prst="rect">
+            <a:avLst/>
+          </a:prstGeom>
+          <a:noFill/>
+        </p:spPr>
+        <p:txBody>
+          <a:bodyPr wrap="square" rtlCol="0">
+            <a:spAutoFit/>
+          </a:bodyPr>
+          <a:lstStyle/>
+          <a:p>
+            <a:pPr marL="457200" indent="-457200">
+              <a:buFont typeface="Arial" panose="020B0604020202020204" pitchFamily="34" charset="0"/>
+              <a:buChar char="•"/>
+            </a:pPr>
+            <a:r>
+              <a:rPr lang="en-ZA" sz="2400" dirty="0" smtClean="0">
+                <a:solidFill>
+                  <a:schemeClr val="bg1"/>
+                </a:solidFill>
+              </a:rPr>
+              <a:t>NEW SEMANTIC ELEMENTS </a:t>
+            </a:r>
+            <a:r>
+              <a:rPr lang="en-ZA" sz="2400" dirty="0" smtClean="0">
+                <a:solidFill>
+                  <a:schemeClr val="bg1">
+                    <a:lumMod val="75000"/>
+                  </a:schemeClr>
+                </a:solidFill>
+              </a:rPr>
+              <a:t>&lt;header&gt;, &lt;footer&gt;, &lt;</a:t>
+            </a:r>
+            <a:r>
+              <a:rPr lang="en-ZA" sz="2400" dirty="0" err="1" smtClean="0">
+                <a:solidFill>
+                  <a:schemeClr val="bg1">
+                    <a:lumMod val="75000"/>
+                  </a:schemeClr>
+                </a:solidFill>
+              </a:rPr>
+              <a:t>nav</a:t>
+            </a:r>
+            <a:r>
+              <a:rPr lang="en-ZA" sz="2400" dirty="0" smtClean="0">
+                <a:solidFill>
+                  <a:schemeClr val="bg1">
+                    <a:lumMod val="75000"/>
+                  </a:schemeClr>
+                </a:solidFill>
+              </a:rPr>
+              <a:t>&gt;, ETC.</a:t>
+            </a:r>
+          </a:p>
+          <a:p>
+            <a:pPr marL="457200" indent="-457200">
+              <a:buFont typeface="Arial" panose="020B0604020202020204" pitchFamily="34" charset="0"/>
+              <a:buChar char="•"/>
+            </a:pPr>
+            <a:r>
+              <a:rPr lang="en-ZA" sz="2400" dirty="0" smtClean="0">
+                <a:solidFill>
+                  <a:schemeClr val="bg1"/>
+                </a:solidFill>
+              </a:rPr>
+              <a:t>NEW ATTRIBUTES </a:t>
+            </a:r>
+            <a:r>
+              <a:rPr lang="en-ZA" sz="2400" dirty="0" smtClean="0">
+                <a:solidFill>
+                  <a:schemeClr val="bg1">
+                    <a:lumMod val="75000"/>
+                  </a:schemeClr>
+                </a:solidFill>
+              </a:rPr>
+              <a:t>NUMBER, DATE, TIME, CALENDAR AND RANGE</a:t>
+            </a:r>
+          </a:p>
+          <a:p>
+            <a:pPr marL="457200" indent="-457200">
+              <a:buFont typeface="Arial" panose="020B0604020202020204" pitchFamily="34" charset="0"/>
+              <a:buChar char="•"/>
+            </a:pPr>
+            <a:r>
+              <a:rPr lang="en-ZA" sz="2400" dirty="0" smtClean="0">
+                <a:solidFill>
+                  <a:schemeClr val="bg1"/>
+                </a:solidFill>
+              </a:rPr>
+              <a:t>NEW GRAPHIC ELEMENTS </a:t>
+            </a:r>
+            <a:r>
+              <a:rPr lang="en-ZA" sz="2400" dirty="0" smtClean="0">
+                <a:solidFill>
+                  <a:schemeClr val="bg1">
+                    <a:lumMod val="75000"/>
+                  </a:schemeClr>
+                </a:solidFill>
+              </a:rPr>
+              <a:t>&lt;</a:t>
+            </a:r>
+            <a:r>
+              <a:rPr lang="en-ZA" sz="2400" dirty="0" err="1" smtClean="0">
+                <a:solidFill>
+                  <a:schemeClr val="bg1">
+                    <a:lumMod val="75000"/>
+                  </a:schemeClr>
+                </a:solidFill>
+              </a:rPr>
+              <a:t>svg</a:t>
+            </a:r>
+            <a:r>
+              <a:rPr lang="en-ZA" sz="2400" dirty="0" smtClean="0">
+                <a:solidFill>
+                  <a:schemeClr val="bg1">
+                    <a:lumMod val="75000"/>
+                  </a:schemeClr>
+                </a:solidFill>
+              </a:rPr>
+              <a:t>&gt; AND &lt;video&gt;</a:t>
+            </a:r>
+          </a:p>
+          <a:p>
+            <a:pPr marL="457200" indent="-457200">
+              <a:buFont typeface="Arial" panose="020B0604020202020204" pitchFamily="34" charset="0"/>
+              <a:buChar char="•"/>
+            </a:pPr>
+            <a:r>
+              <a:rPr lang="en-ZA" sz="2400" dirty="0" smtClean="0">
+                <a:solidFill>
+                  <a:schemeClr val="bg1"/>
+                </a:solidFill>
+              </a:rPr>
+              <a:t>NEW MULTIMEDIA ELEMENTS </a:t>
+            </a:r>
+            <a:r>
+              <a:rPr lang="en-ZA" sz="2400" dirty="0" smtClean="0">
+                <a:solidFill>
+                  <a:schemeClr val="bg1">
+                    <a:lumMod val="75000"/>
+                  </a:schemeClr>
+                </a:solidFill>
+              </a:rPr>
+              <a:t>&lt;audio&gt; AND &lt;video&gt;</a:t>
+            </a:r>
+          </a:p>
+          <a:p>
+            <a:pPr marL="457200" indent="-457200">
+              <a:buFont typeface="Arial" panose="020B0604020202020204" pitchFamily="34" charset="0"/>
+              <a:buChar char="•"/>
+            </a:pPr>
+            <a:endParaRPr lang="en-ZA" sz="2400" dirty="0">
+              <a:solidFill>
+                <a:schemeClr val="bg1">
+                  <a:lumMod val="75000"/>
+                </a:schemeClr>
+              </a:solidFill>
+            </a:endParaRPr>
+          </a:p>
+          <a:p>
+            <a:pPr marL="457200" indent="-457200">
+              <a:buFont typeface="Arial" panose="020B0604020202020204" pitchFamily="34" charset="0"/>
+              <a:buChar char="•"/>
+            </a:pPr>
+            <a:r>
+              <a:rPr lang="en-ZA" sz="2400" dirty="0" smtClean="0">
+                <a:solidFill>
+                  <a:schemeClr val="bg1"/>
+                </a:solidFill>
+              </a:rPr>
+              <a:t>GEOLOCATION</a:t>
+            </a:r>
+          </a:p>
+          <a:p>
+            <a:pPr marL="457200" indent="-457200">
+              <a:buFont typeface="Arial" panose="020B0604020202020204" pitchFamily="34" charset="0"/>
+              <a:buChar char="•"/>
+            </a:pPr>
+            <a:r>
+              <a:rPr lang="en-ZA" sz="2400" dirty="0" smtClean="0">
+                <a:solidFill>
+                  <a:schemeClr val="bg1"/>
+                </a:solidFill>
+              </a:rPr>
+              <a:t>DRAG AND DROP</a:t>
+            </a:r>
+          </a:p>
+          <a:p>
+            <a:pPr marL="457200" indent="-457200">
+              <a:buFont typeface="Arial" panose="020B0604020202020204" pitchFamily="34" charset="0"/>
+              <a:buChar char="•"/>
+            </a:pPr>
+            <a:r>
+              <a:rPr lang="en-ZA" sz="2400" dirty="0" smtClean="0">
+                <a:solidFill>
+                  <a:schemeClr val="bg1"/>
+                </a:solidFill>
+              </a:rPr>
+              <a:t>LOCAL STORAGE</a:t>
+            </a:r>
+          </a:p>
+          <a:p>
+            <a:pPr marL="457200" indent="-457200">
+              <a:buFont typeface="Arial" panose="020B0604020202020204" pitchFamily="34" charset="0"/>
+              <a:buChar char="•"/>
+            </a:pPr>
+            <a:r>
+              <a:rPr lang="en-ZA" sz="2400" dirty="0" smtClean="0">
+                <a:solidFill>
+                  <a:schemeClr val="bg1"/>
+                </a:solidFill>
+              </a:rPr>
+              <a:t>APPLICATION CACHE</a:t>
+            </a:r>
+          </a:p>
+          <a:p>
+            <a:pPr marL="457200" indent="-457200">
+              <a:buFont typeface="Arial" panose="020B0604020202020204" pitchFamily="34" charset="0"/>
+              <a:buChar char="•"/>
+            </a:pPr>
+            <a:r>
+              <a:rPr lang="en-ZA" sz="2400" dirty="0" smtClean="0">
+                <a:solidFill>
+                  <a:schemeClr val="bg1"/>
+                </a:solidFill>
+              </a:rPr>
+              <a:t>WEB WORKERS</a:t>
+            </a:r>
+          </a:p>
+          <a:p>
+            <a:pPr marL="457200" indent="-457200">
+              <a:buFont typeface="Arial" panose="020B0604020202020204" pitchFamily="34" charset="0"/>
+              <a:buChar char="•"/>
+            </a:pPr>
+            <a:r>
+              <a:rPr lang="en-ZA" sz="2400" dirty="0" smtClean="0">
+                <a:solidFill>
+                  <a:schemeClr val="bg1"/>
+                </a:solidFill>
+              </a:rPr>
+              <a:t>SSE</a:t>
+            </a:r>
+            <a:endParaRPr lang="en-ZA" sz="2400" dirty="0">
+              <a:solidFill>
+                <a:schemeClr val="bg1"/>
+              </a:solidFill>
+            </a:endParaRPr>
+          </a:p>
+        </p:txBody>
+      </p:sp>
+    </p:spTree>
+    <p:extLst>
+      <p:ext uri="{BB962C8B-B14F-4D97-AF65-F5344CB8AC3E}">
+        <p14:creationId xmlns:p14="http://schemas.microsoft.com/office/powerpoint/2010/main" val="3026436444"/>
+      </p:ext>
+    </p:extLst>
+  </p:cSld>
+  <p:clrMapOvr>
+    <a:masterClrMapping/>
+  </p:clrMapOvr>
+  <mc:AlternateContent xmlns:mc="http://schemas.openxmlformats.org/markup-compatibility/2006" xmlns:p14="http://schemas.microsoft.com/office/powerpoint/2010/main">
+    <mc:Choice Requires="p14">
+      <p:transition p14:dur="0"/>
+    </mc:Choice>
+    <mc:Fallback xmlns="">
+      <p:transition/>
+    </mc:Fallback>
+  </mc:AlternateContent>
+  <p:timing>
+    <p:tnLst>
+      <p:par>
+        <p:cTn id="1" dur="indefinite" restart="never" nodeType="tmRoot">
+          <p:childTnLst>
+            <p:seq concurrent="1" nextAc="seek">
+              <p:cTn id="2" dur="indefinite" nodeType="mainSeq">
+                <p:childTnLst>
+                  <p:par>
+                    <p:cTn id="3" fill="hold">
+                      <p:stCondLst>
+                        <p:cond delay="indefinite"/>
+                      </p:stCondLst>
+                      <p:childTnLst>
+                        <p:par>
+                          <p:cTn id="4" fill="hold">
+                            <p:stCondLst>
+                              <p:cond delay="0"/>
+                            </p:stCondLst>
+                            <p:childTnLst>
+                              <p:par>
+                                <p:cTn id="5" presetID="10" presetClass="entr" presetSubtype="0" fill="hold" grpId="0" nodeType="clickEffect">
+                                  <p:stCondLst>
+                                    <p:cond delay="0"/>
+                                  </p:stCondLst>
+                                  <p:childTnLst>
+                                    <p:set>
+                                      <p:cBhvr>
+                                        <p:cTn id="6" dur="1" fill="hold">
+                                          <p:stCondLst>
+                                            <p:cond delay="0"/>
+                                          </p:stCondLst>
+                                        </p:cTn>
+                                        <p:tgtEl>
+                                          <p:spTgt spid="10"/>
+                                        </p:tgtEl>
+                                        <p:attrNameLst>
+                                          <p:attrName>style.visibility</p:attrName>
+                                        </p:attrNameLst>
+                                      </p:cBhvr>
+                                      <p:to>
+                                        <p:strVal val="visible"/>
+                                      </p:to>
+                                    </p:set>
+                                    <p:animEffect transition="in" filter="fade">
+                                      <p:cBhvr>
+                                        <p:cTn id="7" dur="500"/>
+                                        <p:tgtEl>
+                                          <p:spTgt spid="10"/>
+                                        </p:tgtEl>
+                                      </p:cBhvr>
+                                    </p:animEffect>
+                                  </p:childTnLst>
+                                </p:cTn>
+                              </p:par>
+                            </p:childTnLst>
+                          </p:cTn>
+                        </p:par>
+                      </p:childTnLst>
+                    </p:cTn>
+                  </p:par>
+                </p:childTnLst>
+              </p:cTn>
+              <p:prevCondLst>
+                <p:cond evt="onPrev" delay="0">
+                  <p:tgtEl>
+                    <p:sldTgt/>
+                  </p:tgtEl>
+                </p:cond>
+              </p:prevCondLst>
+              <p:nextCondLst>
+                <p:cond evt="onNext" delay="0">
+                  <p:tgtEl>
+                    <p:sldTgt/>
+                  </p:tgtEl>
+                </p:cond>
+              </p:nextCondLst>
+            </p:seq>
+          </p:childTnLst>
+        </p:cTn>
+      </p:par>
+    </p:tnLst>
+    <p:bldLst>
+      <p:bldP spid="10" grpId="0"/>
+    </p:bldLst>
+  </p:timing>
+</p:sld>
+</file>
+
+<file path=ppt/slides/slide31.xml><?xml version="1.0" encoding="utf-8"?>
+<p:sld xmlns:a="http://schemas.openxmlformats.org/drawingml/2006/main" xmlns:r="http://schemas.openxmlformats.org/officeDocument/2006/relationships" xmlns:p="http://schemas.openxmlformats.org/presentationml/2006/main">
+  <p:cSld>
+    <p:spTree>
+      <p:nvGrpSpPr>
+        <p:cNvPr id="1" name=""/>
+        <p:cNvGrpSpPr/>
+        <p:nvPr/>
+      </p:nvGrpSpPr>
+      <p:grpSpPr>
+        <a:xfrm>
+          <a:off x="0" y="0"/>
+          <a:ext cx="0" cy="0"/>
+          <a:chOff x="0" y="0"/>
+          <a:chExt cx="0" cy="0"/>
+        </a:xfrm>
+      </p:grpSpPr>
+      <p:sp>
+        <p:nvSpPr>
+          <p:cNvPr id="4" name="Rectangle 3"/>
+          <p:cNvSpPr/>
+          <p:nvPr/>
+        </p:nvSpPr>
+        <p:spPr>
+          <a:xfrm>
+            <a:off x="0" y="0"/>
+            <a:ext cx="12192000" cy="6858000"/>
+          </a:xfrm>
+          <a:prstGeom prst="rect">
+            <a:avLst/>
+          </a:prstGeom>
+          <a:solidFill>
+            <a:schemeClr val="bg2">
+              <a:lumMod val="25000"/>
+            </a:schemeClr>
+          </a:solidFill>
+          <a:ln>
+            <a:noFill/>
+          </a:ln>
+        </p:spPr>
+        <p:style>
+          <a:lnRef idx="2">
+            <a:schemeClr val="accent1">
+              <a:shade val="50000"/>
+            </a:schemeClr>
+          </a:lnRef>
+          <a:fillRef idx="1">
+            <a:schemeClr val="accent1"/>
+          </a:fillRef>
+          <a:effectRef idx="0">
+            <a:schemeClr val="accent1"/>
+          </a:effectRef>
+          <a:fontRef idx="minor">
+            <a:schemeClr val="lt1"/>
+          </a:fontRef>
+        </p:style>
+        <p:txBody>
+          <a:bodyPr rtlCol="0" anchor="ctr"/>
+          <a:lstStyle/>
+          <a:p>
+            <a:pPr algn="ctr"/>
+            <a:endParaRPr lang="en-ZA" sz="1400" dirty="0">
+              <a:ln w="0"/>
+              <a:solidFill>
+                <a:schemeClr val="tx1"/>
+              </a:solidFill>
+              <a:effectLst>
+                <a:outerShdw blurRad="38100" dist="19050" dir="2700000" algn="tl" rotWithShape="0">
+                  <a:schemeClr val="dk1">
+                    <a:alpha val="40000"/>
+                  </a:schemeClr>
+                </a:outerShdw>
+              </a:effectLst>
+            </a:endParaRPr>
+          </a:p>
+        </p:txBody>
+      </p:sp>
+      <p:sp>
+        <p:nvSpPr>
+          <p:cNvPr id="7" name="Rectangle 6"/>
+          <p:cNvSpPr/>
+          <p:nvPr/>
+        </p:nvSpPr>
+        <p:spPr>
+          <a:xfrm>
+            <a:off x="-5167" y="5861756"/>
+            <a:ext cx="12197167" cy="996244"/>
+          </a:xfrm>
+          <a:prstGeom prst="rect">
+            <a:avLst/>
+          </a:prstGeom>
+          <a:solidFill>
+            <a:srgbClr val="F85652"/>
+          </a:solidFill>
+          <a:ln>
+            <a:noFill/>
+          </a:ln>
+        </p:spPr>
+        <p:style>
+          <a:lnRef idx="2">
+            <a:schemeClr val="accent1">
+              <a:shade val="50000"/>
+            </a:schemeClr>
+          </a:lnRef>
+          <a:fillRef idx="1">
+            <a:schemeClr val="accent1"/>
+          </a:fillRef>
+          <a:effectRef idx="0">
+            <a:schemeClr val="accent1"/>
+          </a:effectRef>
+          <a:fontRef idx="minor">
+            <a:schemeClr val="lt1"/>
+          </a:fontRef>
+        </p:style>
+        <p:txBody>
+          <a:bodyPr rtlCol="0" anchor="ctr"/>
+          <a:lstStyle/>
+          <a:p>
+            <a:pPr algn="ctr"/>
+            <a:endParaRPr lang="en-ZA"/>
+          </a:p>
+        </p:txBody>
+      </p:sp>
+      <p:pic>
+        <p:nvPicPr>
+          <p:cNvPr id="8" name="Picture 7"/>
+          <p:cNvPicPr>
+            <a:picLocks noChangeAspect="1"/>
+          </p:cNvPicPr>
+          <p:nvPr/>
+        </p:nvPicPr>
+        <p:blipFill>
+          <a:blip r:embed="rId3" cstate="print">
+            <a:extLst>
+              <a:ext uri="{28A0092B-C50C-407E-A947-70E740481C1C}">
+                <a14:useLocalDpi xmlns:a14="http://schemas.microsoft.com/office/drawing/2010/main" val="0"/>
+              </a:ext>
+            </a:extLst>
+          </a:blip>
+          <a:stretch>
+            <a:fillRect/>
+          </a:stretch>
+        </p:blipFill>
+        <p:spPr>
+          <a:xfrm>
+            <a:off x="9678227" y="5906000"/>
+            <a:ext cx="2315027" cy="901611"/>
+          </a:xfrm>
+          <a:prstGeom prst="rect">
+            <a:avLst/>
+          </a:prstGeom>
+          <a:noFill/>
+        </p:spPr>
+      </p:pic>
+      <p:pic>
+        <p:nvPicPr>
+          <p:cNvPr id="9" name="Picture 2" descr="http://girlcodeza.co.za/gc/wp-content/uploads/2016/11/Logoweb-1.png"/>
+          <p:cNvPicPr>
+            <a:picLocks noChangeAspect="1" noChangeArrowheads="1"/>
+          </p:cNvPicPr>
+          <p:nvPr/>
+        </p:nvPicPr>
+        <p:blipFill>
+          <a:blip r:embed="rId4" cstate="print">
+            <a:extLst>
+              <a:ext uri="{28A0092B-C50C-407E-A947-70E740481C1C}">
+                <a14:useLocalDpi xmlns:a14="http://schemas.microsoft.com/office/drawing/2010/main" val="0"/>
+              </a:ext>
+            </a:extLst>
+          </a:blip>
+          <a:srcRect/>
+          <a:stretch>
+            <a:fillRect/>
+          </a:stretch>
+        </p:blipFill>
+        <p:spPr bwMode="auto">
+          <a:xfrm>
+            <a:off x="-5168" y="5819426"/>
+            <a:ext cx="2969593" cy="1039358"/>
+          </a:xfrm>
+          <a:prstGeom prst="rect">
+            <a:avLst/>
+          </a:prstGeom>
+          <a:noFill/>
+          <a:extLst>
+            <a:ext uri="{909E8E84-426E-40DD-AFC4-6F175D3DCCD1}">
+              <a14:hiddenFill xmlns:a14="http://schemas.microsoft.com/office/drawing/2010/main">
+                <a:solidFill>
+                  <a:srgbClr val="FFFFFF"/>
+                </a:solidFill>
+              </a14:hiddenFill>
+            </a:ext>
+          </a:extLst>
+        </p:spPr>
+      </p:pic>
+      <p:sp>
+        <p:nvSpPr>
+          <p:cNvPr id="2" name="TextBox 1"/>
+          <p:cNvSpPr txBox="1"/>
+          <p:nvPr/>
+        </p:nvSpPr>
+        <p:spPr>
+          <a:xfrm>
+            <a:off x="933587" y="2052733"/>
+            <a:ext cx="10319657" cy="1446550"/>
+          </a:xfrm>
+          <a:prstGeom prst="rect">
+            <a:avLst/>
+          </a:prstGeom>
+          <a:noFill/>
+        </p:spPr>
+        <p:txBody>
+          <a:bodyPr wrap="square" rtlCol="0">
+            <a:spAutoFit/>
+          </a:bodyPr>
+          <a:lstStyle/>
+          <a:p>
+            <a:pPr algn="ctr"/>
+            <a:r>
+              <a:rPr lang="en-ZA" sz="8800" dirty="0" smtClean="0">
+                <a:solidFill>
+                  <a:schemeClr val="bg1"/>
+                </a:solidFill>
+              </a:rPr>
+              <a:t>QUESTIONS?</a:t>
+            </a:r>
+            <a:endParaRPr lang="en-ZA" sz="8800" dirty="0">
+              <a:solidFill>
+                <a:schemeClr val="bg1"/>
+              </a:solidFill>
+            </a:endParaRPr>
+          </a:p>
+        </p:txBody>
+      </p:sp>
+      <p:pic>
+        <p:nvPicPr>
+          <p:cNvPr id="1026" name="Picture 2" descr="Image result for html memes"/>
+          <p:cNvPicPr>
+            <a:picLocks noChangeAspect="1" noChangeArrowheads="1"/>
+          </p:cNvPicPr>
+          <p:nvPr/>
+        </p:nvPicPr>
+        <p:blipFill>
+          <a:blip r:embed="rId5">
+            <a:extLst>
+              <a:ext uri="{28A0092B-C50C-407E-A947-70E740481C1C}">
+                <a14:useLocalDpi xmlns:a14="http://schemas.microsoft.com/office/drawing/2010/main" val="0"/>
+              </a:ext>
+            </a:extLst>
+          </a:blip>
+          <a:srcRect/>
+          <a:stretch>
+            <a:fillRect/>
+          </a:stretch>
+        </p:blipFill>
+        <p:spPr bwMode="auto">
+          <a:xfrm>
+            <a:off x="3649459" y="486921"/>
+            <a:ext cx="4887914" cy="4887914"/>
+          </a:xfrm>
+          <a:prstGeom prst="rect">
+            <a:avLst/>
+          </a:prstGeom>
+          <a:noFill/>
+          <a:extLst>
+            <a:ext uri="{909E8E84-426E-40DD-AFC4-6F175D3DCCD1}">
+              <a14:hiddenFill xmlns:a14="http://schemas.microsoft.com/office/drawing/2010/main">
+                <a:solidFill>
+                  <a:srgbClr val="FFFFFF"/>
+                </a:solidFill>
+              </a14:hiddenFill>
+            </a:ext>
+          </a:extLst>
+        </p:spPr>
+      </p:pic>
+    </p:spTree>
+    <p:extLst>
+      <p:ext uri="{BB962C8B-B14F-4D97-AF65-F5344CB8AC3E}">
+        <p14:creationId xmlns:p14="http://schemas.microsoft.com/office/powerpoint/2010/main" val="2634679288"/>
+      </p:ext>
+    </p:extLst>
+  </p:cSld>
+  <p:clrMapOvr>
+    <a:masterClrMapping/>
+  </p:clrMapOvr>
+  <mc:AlternateContent xmlns:mc="http://schemas.openxmlformats.org/markup-compatibility/2006" xmlns:p14="http://schemas.microsoft.com/office/powerpoint/2010/main">
+    <mc:Choice Requires="p14">
+      <p:transition p14:dur="0"/>
+    </mc:Choice>
+    <mc:Fallback xmlns="">
+      <p:transition/>
+    </mc:Fallback>
+  </mc:AlternateContent>
+  <p:timing>
+    <p:tnLst>
+      <p:par>
+        <p:cTn id="1" dur="indefinite" restart="never" nodeType="tmRoot">
+          <p:childTnLst>
+            <p:seq concurrent="1" nextAc="seek">
+              <p:cTn id="2" dur="indefinite" nodeType="mainSeq">
+                <p:childTnLst>
+                  <p:par>
+                    <p:cTn id="3" fill="hold">
+                      <p:stCondLst>
+                        <p:cond delay="indefinite"/>
+                      </p:stCondLst>
+                      <p:childTnLst>
+                        <p:par>
+                          <p:cTn id="4" fill="hold">
+                            <p:stCondLst>
+                              <p:cond delay="0"/>
+                            </p:stCondLst>
+                            <p:childTnLst>
+                              <p:par>
+                                <p:cTn id="5" presetID="10" presetClass="entr" presetSubtype="0" fill="hold" grpId="0" nodeType="clickEffect">
+                                  <p:stCondLst>
+                                    <p:cond delay="0"/>
+                                  </p:stCondLst>
+                                  <p:childTnLst>
+                                    <p:set>
+                                      <p:cBhvr>
+                                        <p:cTn id="6" dur="1" fill="hold">
+                                          <p:stCondLst>
+                                            <p:cond delay="0"/>
+                                          </p:stCondLst>
+                                        </p:cTn>
+                                        <p:tgtEl>
+                                          <p:spTgt spid="2"/>
+                                        </p:tgtEl>
+                                        <p:attrNameLst>
+                                          <p:attrName>style.visibility</p:attrName>
+                                        </p:attrNameLst>
+                                      </p:cBhvr>
+                                      <p:to>
+                                        <p:strVal val="visible"/>
+                                      </p:to>
+                                    </p:set>
+                                    <p:animEffect transition="in" filter="fade">
+                                      <p:cBhvr>
+                                        <p:cTn id="7" dur="500"/>
+                                        <p:tgtEl>
+                                          <p:spTgt spid="2"/>
+                                        </p:tgtEl>
+                                      </p:cBhvr>
+                                    </p:animEffect>
+                                  </p:childTnLst>
+                                </p:cTn>
+                              </p:par>
+                            </p:childTnLst>
+                          </p:cTn>
+                        </p:par>
+                      </p:childTnLst>
+                    </p:cTn>
+                  </p:par>
+                  <p:par>
+                    <p:cTn id="8" fill="hold">
+                      <p:stCondLst>
+                        <p:cond delay="indefinite"/>
+                      </p:stCondLst>
+                      <p:childTnLst>
+                        <p:par>
+                          <p:cTn id="9" fill="hold">
+                            <p:stCondLst>
+                              <p:cond delay="0"/>
+                            </p:stCondLst>
+                            <p:childTnLst>
+                              <p:par>
+                                <p:cTn id="10" presetID="1" presetClass="exit" presetSubtype="0" fill="hold" grpId="1" nodeType="clickEffect">
+                                  <p:stCondLst>
+                                    <p:cond delay="0"/>
+                                  </p:stCondLst>
+                                  <p:childTnLst>
+                                    <p:set>
+                                      <p:cBhvr>
+                                        <p:cTn id="11" dur="1" fill="hold">
+                                          <p:stCondLst>
+                                            <p:cond delay="0"/>
+                                          </p:stCondLst>
+                                        </p:cTn>
+                                        <p:tgtEl>
+                                          <p:spTgt spid="2"/>
+                                        </p:tgtEl>
+                                        <p:attrNameLst>
+                                          <p:attrName>style.visibility</p:attrName>
+                                        </p:attrNameLst>
+                                      </p:cBhvr>
+                                      <p:to>
+                                        <p:strVal val="hidden"/>
+                                      </p:to>
+                                    </p:set>
+                                  </p:childTnLst>
+                                </p:cTn>
+                              </p:par>
+                            </p:childTnLst>
+                          </p:cTn>
+                        </p:par>
+                      </p:childTnLst>
+                    </p:cTn>
+                  </p:par>
+                  <p:par>
+                    <p:cTn id="12" fill="hold">
+                      <p:stCondLst>
+                        <p:cond delay="indefinite"/>
+                      </p:stCondLst>
+                      <p:childTnLst>
+                        <p:par>
+                          <p:cTn id="13" fill="hold">
+                            <p:stCondLst>
+                              <p:cond delay="0"/>
+                            </p:stCondLst>
+                            <p:childTnLst>
+                              <p:par>
+                                <p:cTn id="14" presetID="10" presetClass="entr" presetSubtype="0" fill="hold" nodeType="clickEffect">
+                                  <p:stCondLst>
+                                    <p:cond delay="0"/>
+                                  </p:stCondLst>
+                                  <p:childTnLst>
+                                    <p:set>
+                                      <p:cBhvr>
+                                        <p:cTn id="15" dur="1" fill="hold">
+                                          <p:stCondLst>
+                                            <p:cond delay="0"/>
+                                          </p:stCondLst>
+                                        </p:cTn>
+                                        <p:tgtEl>
+                                          <p:spTgt spid="1026"/>
+                                        </p:tgtEl>
+                                        <p:attrNameLst>
+                                          <p:attrName>style.visibility</p:attrName>
+                                        </p:attrNameLst>
+                                      </p:cBhvr>
+                                      <p:to>
+                                        <p:strVal val="visible"/>
+                                      </p:to>
+                                    </p:set>
+                                    <p:animEffect transition="in" filter="fade">
+                                      <p:cBhvr>
+                                        <p:cTn id="16" dur="500"/>
+                                        <p:tgtEl>
+                                          <p:spTgt spid="1026"/>
+                                        </p:tgtEl>
+                                      </p:cBhvr>
+                                    </p:animEffect>
+                                  </p:childTnLst>
+                                </p:cTn>
+                              </p:par>
+                            </p:childTnLst>
+                          </p:cTn>
+                        </p:par>
+                      </p:childTnLst>
+                    </p:cTn>
+                  </p:par>
+                </p:childTnLst>
+              </p:cTn>
+              <p:prevCondLst>
+                <p:cond evt="onPrev" delay="0">
+                  <p:tgtEl>
+                    <p:sldTgt/>
+                  </p:tgtEl>
+                </p:cond>
+              </p:prevCondLst>
+              <p:nextCondLst>
+                <p:cond evt="onNext" delay="0">
+                  <p:tgtEl>
+                    <p:sldTgt/>
+                  </p:tgtEl>
+                </p:cond>
+              </p:nextCondLst>
+            </p:seq>
+          </p:childTnLst>
+        </p:cTn>
+      </p:par>
+    </p:tnLst>
+    <p:bldLst>
+      <p:bldP spid="2" grpId="0"/>
+      <p:bldP spid="2" grpId="1"/>
+    </p:bldLst>
+  </p:timing>
+</p:sld>
+</file>
+
+<file path=ppt/slides/slide32.xml><?xml version="1.0" encoding="utf-8"?>
+<p:sld xmlns:a="http://schemas.openxmlformats.org/drawingml/2006/main" xmlns:r="http://schemas.openxmlformats.org/officeDocument/2006/relationships" xmlns:p="http://schemas.openxmlformats.org/presentationml/2006/main">
+  <p:cSld>
+    <p:spTree>
+      <p:nvGrpSpPr>
+        <p:cNvPr id="1" name=""/>
+        <p:cNvGrpSpPr/>
+        <p:nvPr/>
+      </p:nvGrpSpPr>
+      <p:grpSpPr>
+        <a:xfrm>
+          <a:off x="0" y="0"/>
+          <a:ext cx="0" cy="0"/>
+          <a:chOff x="0" y="0"/>
+          <a:chExt cx="0" cy="0"/>
+        </a:xfrm>
+      </p:grpSpPr>
+      <p:sp>
+        <p:nvSpPr>
+          <p:cNvPr id="4" name="Rectangle 3"/>
+          <p:cNvSpPr/>
+          <p:nvPr/>
+        </p:nvSpPr>
+        <p:spPr>
+          <a:xfrm>
+            <a:off x="0" y="0"/>
+            <a:ext cx="12192000" cy="6858000"/>
+          </a:xfrm>
+          <a:prstGeom prst="rect">
+            <a:avLst/>
+          </a:prstGeom>
+          <a:solidFill>
+            <a:schemeClr val="bg2">
+              <a:lumMod val="25000"/>
+            </a:schemeClr>
+          </a:solidFill>
+          <a:ln>
+            <a:noFill/>
+          </a:ln>
+        </p:spPr>
+        <p:style>
+          <a:lnRef idx="2">
+            <a:schemeClr val="accent1">
+              <a:shade val="50000"/>
+            </a:schemeClr>
+          </a:lnRef>
+          <a:fillRef idx="1">
+            <a:schemeClr val="accent1"/>
+          </a:fillRef>
+          <a:effectRef idx="0">
+            <a:schemeClr val="accent1"/>
+          </a:effectRef>
+          <a:fontRef idx="minor">
+            <a:schemeClr val="lt1"/>
+          </a:fontRef>
+        </p:style>
+        <p:txBody>
+          <a:bodyPr rtlCol="0" anchor="ctr"/>
+          <a:lstStyle/>
+          <a:p>
+            <a:pPr algn="ctr"/>
+            <a:endParaRPr lang="en-ZA" sz="1400" dirty="0">
+              <a:ln w="0"/>
+              <a:solidFill>
+                <a:schemeClr val="tx1"/>
+              </a:solidFill>
+              <a:effectLst>
+                <a:outerShdw blurRad="38100" dist="19050" dir="2700000" algn="tl" rotWithShape="0">
+                  <a:schemeClr val="dk1">
+                    <a:alpha val="40000"/>
+                  </a:schemeClr>
+                </a:outerShdw>
+              </a:effectLst>
+            </a:endParaRPr>
+          </a:p>
+        </p:txBody>
+      </p:sp>
+      <p:sp>
+        <p:nvSpPr>
+          <p:cNvPr id="3" name="Subtitle 2"/>
+          <p:cNvSpPr>
+            <a:spLocks noGrp="1"/>
+          </p:cNvSpPr>
+          <p:nvPr>
+            <p:ph type="subTitle" idx="1"/>
+          </p:nvPr>
+        </p:nvSpPr>
+        <p:spPr>
+          <a:xfrm>
+            <a:off x="0" y="-785"/>
+            <a:ext cx="12192000" cy="1655762"/>
+          </a:xfrm>
+        </p:spPr>
+        <p:txBody>
+          <a:bodyPr tIns="468000">
+            <a:normAutofit/>
+          </a:bodyPr>
+          <a:lstStyle/>
+          <a:p>
+            <a:r>
+              <a:rPr lang="en-ZA" sz="5400" dirty="0" smtClean="0">
+                <a:solidFill>
+                  <a:srgbClr val="F85652"/>
+                </a:solidFill>
+                <a:ea typeface="Open Sans" panose="020B0606030504020204" pitchFamily="34" charset="0"/>
+                <a:cs typeface="Arial" panose="020B0604020202020204" pitchFamily="34" charset="0"/>
+              </a:rPr>
+              <a:t>REFERENCES</a:t>
+            </a:r>
+            <a:endParaRPr lang="en-ZA" sz="5400" dirty="0">
+              <a:solidFill>
+                <a:srgbClr val="F85652"/>
+              </a:solidFill>
+              <a:ea typeface="Open Sans" panose="020B0606030504020204" pitchFamily="34" charset="0"/>
+              <a:cs typeface="Arial" panose="020B0604020202020204" pitchFamily="34" charset="0"/>
+            </a:endParaRPr>
+          </a:p>
+        </p:txBody>
+      </p:sp>
+      <p:sp>
+        <p:nvSpPr>
+          <p:cNvPr id="7" name="Rectangle 6"/>
+          <p:cNvSpPr/>
+          <p:nvPr/>
+        </p:nvSpPr>
+        <p:spPr>
+          <a:xfrm>
+            <a:off x="-5167" y="5861756"/>
+            <a:ext cx="12197167" cy="996244"/>
+          </a:xfrm>
+          <a:prstGeom prst="rect">
+            <a:avLst/>
+          </a:prstGeom>
+          <a:solidFill>
+            <a:srgbClr val="F85652"/>
+          </a:solidFill>
+          <a:ln>
+            <a:noFill/>
+          </a:ln>
+        </p:spPr>
+        <p:style>
+          <a:lnRef idx="2">
+            <a:schemeClr val="accent1">
+              <a:shade val="50000"/>
+            </a:schemeClr>
+          </a:lnRef>
+          <a:fillRef idx="1">
+            <a:schemeClr val="accent1"/>
+          </a:fillRef>
+          <a:effectRef idx="0">
+            <a:schemeClr val="accent1"/>
+          </a:effectRef>
+          <a:fontRef idx="minor">
+            <a:schemeClr val="lt1"/>
+          </a:fontRef>
+        </p:style>
+        <p:txBody>
+          <a:bodyPr rtlCol="0" anchor="ctr"/>
+          <a:lstStyle/>
+          <a:p>
+            <a:pPr algn="ctr"/>
+            <a:endParaRPr lang="en-ZA"/>
+          </a:p>
+        </p:txBody>
+      </p:sp>
+      <p:pic>
+        <p:nvPicPr>
+          <p:cNvPr id="8" name="Picture 7"/>
+          <p:cNvPicPr>
+            <a:picLocks noChangeAspect="1"/>
+          </p:cNvPicPr>
+          <p:nvPr/>
+        </p:nvPicPr>
+        <p:blipFill>
+          <a:blip r:embed="rId3" cstate="print">
+            <a:extLst>
+              <a:ext uri="{28A0092B-C50C-407E-A947-70E740481C1C}">
+                <a14:useLocalDpi xmlns:a14="http://schemas.microsoft.com/office/drawing/2010/main" val="0"/>
+              </a:ext>
+            </a:extLst>
+          </a:blip>
+          <a:stretch>
+            <a:fillRect/>
+          </a:stretch>
+        </p:blipFill>
+        <p:spPr>
+          <a:xfrm>
+            <a:off x="9678227" y="5906000"/>
+            <a:ext cx="2315027" cy="901611"/>
+          </a:xfrm>
+          <a:prstGeom prst="rect">
+            <a:avLst/>
+          </a:prstGeom>
+          <a:noFill/>
+        </p:spPr>
+      </p:pic>
+      <p:pic>
+        <p:nvPicPr>
+          <p:cNvPr id="9" name="Picture 2" descr="http://girlcodeza.co.za/gc/wp-content/uploads/2016/11/Logoweb-1.png"/>
+          <p:cNvPicPr>
+            <a:picLocks noChangeAspect="1" noChangeArrowheads="1"/>
+          </p:cNvPicPr>
+          <p:nvPr/>
+        </p:nvPicPr>
+        <p:blipFill>
+          <a:blip r:embed="rId4" cstate="print">
+            <a:extLst>
+              <a:ext uri="{28A0092B-C50C-407E-A947-70E740481C1C}">
+                <a14:useLocalDpi xmlns:a14="http://schemas.microsoft.com/office/drawing/2010/main" val="0"/>
+              </a:ext>
+            </a:extLst>
+          </a:blip>
+          <a:srcRect/>
+          <a:stretch>
+            <a:fillRect/>
+          </a:stretch>
+        </p:blipFill>
+        <p:spPr bwMode="auto">
+          <a:xfrm>
+            <a:off x="-5168" y="5819426"/>
+            <a:ext cx="2969593" cy="1039358"/>
+          </a:xfrm>
+          <a:prstGeom prst="rect">
+            <a:avLst/>
+          </a:prstGeom>
+          <a:noFill/>
+          <a:extLst>
+            <a:ext uri="{909E8E84-426E-40DD-AFC4-6F175D3DCCD1}">
+              <a14:hiddenFill xmlns:a14="http://schemas.microsoft.com/office/drawing/2010/main">
+                <a:solidFill>
+                  <a:srgbClr val="FFFFFF"/>
+                </a:solidFill>
+              </a14:hiddenFill>
+            </a:ext>
+          </a:extLst>
+        </p:spPr>
+      </p:pic>
+      <p:sp>
+        <p:nvSpPr>
+          <p:cNvPr id="2" name="TextBox 1"/>
+          <p:cNvSpPr txBox="1"/>
+          <p:nvPr/>
+        </p:nvSpPr>
+        <p:spPr>
+          <a:xfrm>
+            <a:off x="1423097" y="1651477"/>
+            <a:ext cx="9283485" cy="3477875"/>
+          </a:xfrm>
+          <a:prstGeom prst="rect">
+            <a:avLst/>
+          </a:prstGeom>
+          <a:noFill/>
+        </p:spPr>
+        <p:txBody>
+          <a:bodyPr wrap="square" rtlCol="0">
+            <a:spAutoFit/>
+          </a:bodyPr>
+          <a:lstStyle/>
+          <a:p>
+            <a:r>
+              <a:rPr lang="en-ZA" sz="2000" dirty="0">
+                <a:solidFill>
+                  <a:schemeClr val="bg1"/>
+                </a:solidFill>
+              </a:rPr>
+              <a:t>https://</a:t>
+            </a:r>
+            <a:r>
+              <a:rPr lang="en-ZA" sz="2000" dirty="0" smtClean="0">
+                <a:solidFill>
+                  <a:schemeClr val="bg1"/>
+                </a:solidFill>
+              </a:rPr>
+              <a:t>css-tricks.com/examples/CleanCode/Beautiful-HTML.png</a:t>
+            </a:r>
+          </a:p>
+          <a:p>
+            <a:r>
+              <a:rPr lang="en-ZA" sz="2000" dirty="0">
+                <a:solidFill>
+                  <a:schemeClr val="bg1"/>
+                </a:solidFill>
+              </a:rPr>
+              <a:t>https://www.w3.org/International/questions/qa-what-is-encoding</a:t>
+            </a:r>
+            <a:endParaRPr lang="en-ZA" sz="2000" dirty="0" smtClean="0">
+              <a:solidFill>
+                <a:schemeClr val="bg1"/>
+              </a:solidFill>
+            </a:endParaRPr>
+          </a:p>
+          <a:p>
+            <a:r>
+              <a:rPr lang="en-ZA" sz="2000" dirty="0">
+                <a:solidFill>
+                  <a:schemeClr val="bg1"/>
+                </a:solidFill>
+              </a:rPr>
+              <a:t>http://webdesignfromscratch.com/html-from-scratch</a:t>
+            </a:r>
+            <a:r>
+              <a:rPr lang="en-ZA" sz="2000" dirty="0" smtClean="0">
+                <a:solidFill>
+                  <a:schemeClr val="bg1"/>
+                </a:solidFill>
+              </a:rPr>
+              <a:t>/</a:t>
+            </a:r>
+          </a:p>
+          <a:p>
+            <a:r>
+              <a:rPr lang="en-ZA" sz="2000" dirty="0">
+                <a:solidFill>
+                  <a:schemeClr val="bg1"/>
+                </a:solidFill>
+              </a:rPr>
+              <a:t>https://</a:t>
+            </a:r>
+            <a:r>
+              <a:rPr lang="en-ZA" sz="2000" dirty="0" smtClean="0">
+                <a:solidFill>
+                  <a:schemeClr val="bg1"/>
+                </a:solidFill>
+              </a:rPr>
+              <a:t>www.w3schools.com</a:t>
+            </a:r>
+          </a:p>
+          <a:p>
+            <a:r>
+              <a:rPr lang="en-ZA" sz="2000" dirty="0">
+                <a:solidFill>
+                  <a:schemeClr val="bg1"/>
+                </a:solidFill>
+              </a:rPr>
+              <a:t>http://</a:t>
+            </a:r>
+            <a:r>
+              <a:rPr lang="en-ZA" sz="2000" dirty="0" smtClean="0">
+                <a:solidFill>
+                  <a:schemeClr val="bg1"/>
+                </a:solidFill>
+              </a:rPr>
+              <a:t>www.danfergusdesign.com/classfiles/generalReference/html5reference.php</a:t>
+            </a:r>
+          </a:p>
+          <a:p>
+            <a:r>
+              <a:rPr lang="en-ZA" sz="2000" dirty="0">
+                <a:solidFill>
+                  <a:schemeClr val="bg1"/>
+                </a:solidFill>
+              </a:rPr>
+              <a:t>https://</a:t>
+            </a:r>
+            <a:r>
+              <a:rPr lang="en-ZA" sz="2000" dirty="0" smtClean="0">
+                <a:solidFill>
+                  <a:schemeClr val="bg1"/>
+                </a:solidFill>
+              </a:rPr>
+              <a:t>developer.mozilla.org/en/docs/Web/HTML/Element/head</a:t>
+            </a:r>
+          </a:p>
+          <a:p>
+            <a:r>
+              <a:rPr lang="en-ZA" sz="2000" dirty="0">
+                <a:solidFill>
+                  <a:schemeClr val="bg1"/>
+                </a:solidFill>
+              </a:rPr>
+              <a:t>https://css-tricks.com/the-difference-between-id-and-class</a:t>
+            </a:r>
+            <a:r>
+              <a:rPr lang="en-ZA" sz="2000" dirty="0" smtClean="0">
+                <a:solidFill>
+                  <a:schemeClr val="bg1"/>
+                </a:solidFill>
+              </a:rPr>
+              <a:t>/</a:t>
+            </a:r>
+          </a:p>
+          <a:p>
+            <a:r>
+              <a:rPr lang="en-ZA" sz="2000" dirty="0">
+                <a:solidFill>
+                  <a:schemeClr val="bg1"/>
+                </a:solidFill>
+              </a:rPr>
+              <a:t>https://</a:t>
+            </a:r>
+            <a:r>
+              <a:rPr lang="en-ZA" sz="2000" dirty="0" smtClean="0">
+                <a:solidFill>
+                  <a:schemeClr val="bg1"/>
+                </a:solidFill>
+              </a:rPr>
+              <a:t>developer.chrome.com/devtools</a:t>
+            </a:r>
+          </a:p>
+          <a:p>
+            <a:r>
+              <a:rPr lang="en-ZA" sz="2000" dirty="0">
+                <a:solidFill>
+                  <a:schemeClr val="bg1"/>
+                </a:solidFill>
+              </a:rPr>
+              <a:t>https://</a:t>
+            </a:r>
+            <a:r>
+              <a:rPr lang="en-ZA" sz="2000" dirty="0" smtClean="0">
+                <a:solidFill>
+                  <a:schemeClr val="bg1"/>
+                </a:solidFill>
+              </a:rPr>
+              <a:t>developer.mozilla.org/en/docs/Web/Guide/HTML/HTML5</a:t>
+            </a:r>
+          </a:p>
+          <a:p>
+            <a:r>
+              <a:rPr lang="en-ZA" sz="2000" dirty="0">
+                <a:solidFill>
+                  <a:schemeClr val="bg1"/>
+                </a:solidFill>
+              </a:rPr>
+              <a:t>http://</a:t>
+            </a:r>
+            <a:r>
+              <a:rPr lang="en-ZA" sz="2000" dirty="0" smtClean="0">
+                <a:solidFill>
+                  <a:schemeClr val="bg1"/>
+                </a:solidFill>
+              </a:rPr>
+              <a:t>www.webstepbook.com/supplements/slides/ch08-dom.shtml</a:t>
+            </a:r>
+            <a:endParaRPr lang="en-ZA" sz="2000" dirty="0">
+              <a:solidFill>
+                <a:schemeClr val="bg1"/>
+              </a:solidFill>
+            </a:endParaRPr>
+          </a:p>
+          <a:p>
+            <a:r>
+              <a:rPr lang="en-ZA" sz="2000" dirty="0" smtClean="0">
+                <a:solidFill>
+                  <a:schemeClr val="bg1"/>
+                </a:solidFill>
+              </a:rPr>
+              <a:t>http</a:t>
+            </a:r>
+            <a:r>
+              <a:rPr lang="en-ZA" sz="2000" dirty="0">
+                <a:solidFill>
+                  <a:schemeClr val="bg1"/>
+                </a:solidFill>
+              </a:rPr>
+              <a:t>://memeshare.xyz/media/html-memes</a:t>
+            </a:r>
+            <a:endParaRPr lang="en-ZA" dirty="0" smtClean="0">
+              <a:solidFill>
+                <a:schemeClr val="bg1"/>
+              </a:solidFill>
+            </a:endParaRPr>
+          </a:p>
+        </p:txBody>
+      </p:sp>
+    </p:spTree>
+    <p:extLst>
+      <p:ext uri="{BB962C8B-B14F-4D97-AF65-F5344CB8AC3E}">
+        <p14:creationId xmlns:p14="http://schemas.microsoft.com/office/powerpoint/2010/main" val="1900869232"/>
       </p:ext>
     </p:extLst>
   </p:cSld>
@@ -17105,7 +20134,7 @@
 </p:sld>
 </file>
 
-<file path=ppt/slides/slide30.xml><?xml version="1.0" encoding="utf-8"?>
+<file path=ppt/slides/slide33.xml><?xml version="1.0" encoding="utf-8"?>
 <p:sld xmlns:a="http://schemas.openxmlformats.org/drawingml/2006/main" xmlns:r="http://schemas.openxmlformats.org/officeDocument/2006/relationships" xmlns:p="http://schemas.openxmlformats.org/presentationml/2006/main">
   <p:cSld>
     <p:spTree>
@@ -17178,6 +20207,88 @@
                   </a:schemeClr>
                 </a:outerShdw>
               </a:effectLst>
+            </a:endParaRPr>
+          </a:p>
+        </p:txBody>
+      </p:sp>
+      <p:sp>
+        <p:nvSpPr>
+          <p:cNvPr id="3" name="Subtitle 2"/>
+          <p:cNvSpPr>
+            <a:spLocks noGrp="1"/>
+          </p:cNvSpPr>
+          <p:nvPr>
+            <p:ph type="subTitle" idx="1"/>
+          </p:nvPr>
+        </p:nvSpPr>
+        <p:spPr>
+          <a:xfrm>
+            <a:off x="0" y="-785"/>
+            <a:ext cx="12192000" cy="1655762"/>
+          </a:xfrm>
+        </p:spPr>
+        <p:txBody>
+          <a:bodyPr tIns="468000">
+            <a:normAutofit/>
+          </a:bodyPr>
+          <a:lstStyle/>
+          <a:p>
+            <a:r>
+              <a:rPr lang="en-ZA" sz="5400" dirty="0" smtClean="0">
+                <a:solidFill>
+                  <a:srgbClr val="F85652"/>
+                </a:solidFill>
+                <a:ea typeface="Open Sans" panose="020B0606030504020204" pitchFamily="34" charset="0"/>
+                <a:cs typeface="Arial" panose="020B0604020202020204" pitchFamily="34" charset="0"/>
+              </a:rPr>
+              <a:t>PRACTISE </a:t>
+            </a:r>
+            <a:r>
+              <a:rPr lang="en-ZA" sz="5400" dirty="0" smtClean="0">
+                <a:solidFill>
+                  <a:srgbClr val="F85652"/>
+                </a:solidFill>
+                <a:ea typeface="Open Sans" panose="020B0606030504020204" pitchFamily="34" charset="0"/>
+                <a:cs typeface="Arial" panose="020B0604020202020204" pitchFamily="34" charset="0"/>
+              </a:rPr>
+              <a:t>EXERCISE:</a:t>
+            </a:r>
+            <a:r>
+              <a:rPr lang="en-ZA" sz="5400" b="1" dirty="0" smtClean="0">
+                <a:solidFill>
+                  <a:srgbClr val="F85652"/>
+                </a:solidFill>
+                <a:ea typeface="Open Sans" panose="020B0606030504020204" pitchFamily="34" charset="0"/>
+                <a:cs typeface="Arial" panose="020B0604020202020204" pitchFamily="34" charset="0"/>
+              </a:rPr>
+              <a:t> </a:t>
+            </a:r>
+            <a:r>
+              <a:rPr lang="en-ZA" sz="5400" b="1" dirty="0">
+                <a:solidFill>
+                  <a:srgbClr val="F85652"/>
+                </a:solidFill>
+                <a:ea typeface="Open Sans" panose="020B0606030504020204" pitchFamily="34" charset="0"/>
+                <a:cs typeface="Arial" panose="020B0604020202020204" pitchFamily="34" charset="0"/>
+              </a:rPr>
+              <a:t>R</a:t>
+            </a:r>
+            <a:r>
+              <a:rPr lang="en-ZA" sz="5400" b="1" dirty="0" smtClean="0">
+                <a:solidFill>
+                  <a:srgbClr val="F85652"/>
+                </a:solidFill>
+                <a:ea typeface="Open Sans" panose="020B0606030504020204" pitchFamily="34" charset="0"/>
+                <a:cs typeface="Arial" panose="020B0604020202020204" pitchFamily="34" charset="0"/>
+              </a:rPr>
+              <a:t>ESUME</a:t>
+            </a:r>
+            <a:endParaRPr lang="en-ZA" sz="5400" dirty="0">
+              <a:solidFill>
+                <a:srgbClr val="F85652"/>
+              </a:solidFill>
+              <a:ea typeface="Open Sans" panose="020B0606030504020204" pitchFamily="34" charset="0"/>
+              <a:cs typeface="Arial" panose="020B0604020202020204" pitchFamily="34" charset="0"/>
             </a:endParaRPr>
           </a:p>
         </p:txBody>
@@ -17300,113 +20411,262 @@
           </a:extLst>
         </p:spPr>
       </p:pic>
-      <p:pic>
-        <p:nvPicPr>
-          <p:cNvPr id="1026" name="Picture 2" descr="Image result for html memes"/>
-          <p:cNvPicPr>
-            <a:picLocks noChangeAspect="1" noChangeArrowheads="1"/>
-          </p:cNvPicPr>
+      <p:sp>
+        <p:nvSpPr>
+          <p:cNvPr id="2" name="TextBox 1"/>
+          <p:cNvSpPr txBox="1"/>
           <p:nvPr/>
-        </p:nvPicPr>
-        <p:blipFill>
-          <a:blip r:embed="rId5">
-            <a:extLst>
-              <a:ext uri="{28A0092B-C50C-407E-A947-70E740481C1C}">
-                <a14:useLocalDpi xmlns:a14="http://schemas.microsoft.com/office/drawing/2010/main" val="0"/>
-              </a:ext>
-            </a:extLst>
-          </a:blip>
-          <a:srcRect/>
-          <a:stretch>
-            <a:fillRect/>
-          </a:stretch>
-        </p:blipFill>
-        <p:spPr bwMode="auto">
-          <a:xfrm>
-            <a:off x="3649459" y="486921"/>
-            <a:ext cx="4887914" cy="4887914"/>
+        </p:nvSpPr>
+        <p:spPr>
+          <a:xfrm>
+            <a:off x="1423097" y="1619817"/>
+            <a:ext cx="9283485" cy="3231654"/>
           </a:xfrm>
           <a:prstGeom prst="rect">
             <a:avLst/>
           </a:prstGeom>
           <a:noFill/>
-          <a:extLst>
-            <a:ext uri="{909E8E84-426E-40DD-AFC4-6F175D3DCCD1}">
-              <a14:hiddenFill xmlns:a14="http://schemas.microsoft.com/office/drawing/2010/main">
+        </p:spPr>
+        <p:txBody>
+          <a:bodyPr wrap="square" rtlCol="0">
+            <a:spAutoFit/>
+          </a:bodyPr>
+          <a:lstStyle/>
+          <a:p>
+            <a:r>
+              <a:rPr lang="en-ZA" sz="2400" dirty="0" smtClean="0">
                 <a:solidFill>
-                  <a:srgbClr val="FFFFFF"/>
+                  <a:schemeClr val="bg1"/>
                 </a:solidFill>
-              </a14:hiddenFill>
-            </a:ext>
-          </a:extLst>
-        </p:spPr>
-      </p:pic>
-    </p:spTree>
-    <p:extLst>
-      <p:ext uri="{BB962C8B-B14F-4D97-AF65-F5344CB8AC3E}">
-        <p14:creationId xmlns:p14="http://schemas.microsoft.com/office/powerpoint/2010/main" val="2634679288"/>
-      </p:ext>
-    </p:extLst>
-  </p:cSld>
-  <p:clrMapOvr>
-    <a:masterClrMapping/>
-  </p:clrMapOvr>
-  <mc:AlternateContent xmlns:mc="http://schemas.openxmlformats.org/markup-compatibility/2006">
-    <mc:Choice xmlns:p14="http://schemas.microsoft.com/office/powerpoint/2010/main" Requires="p14">
-      <p:transition p14:dur="0"/>
-    </mc:Choice>
-    <mc:Fallback>
-      <p:transition/>
-    </mc:Fallback>
-  </mc:AlternateContent>
-  <p:timing>
-    <p:tnLst>
-      <p:par>
-        <p:cTn id="1" dur="indefinite" restart="never" nodeType="tmRoot"/>
-      </p:par>
-    </p:tnLst>
-  </p:timing>
-</p:sld>
-</file>
-
-<file path=ppt/slides/slide31.xml><?xml version="1.0" encoding="utf-8"?>
-<p:sld xmlns:a="http://schemas.openxmlformats.org/drawingml/2006/main" xmlns:r="http://schemas.openxmlformats.org/officeDocument/2006/relationships" xmlns:p="http://schemas.openxmlformats.org/presentationml/2006/main">
-  <p:cSld>
-    <p:spTree>
-      <p:nvGrpSpPr>
-        <p:cNvPr id="1" name=""/>
-        <p:cNvGrpSpPr/>
-        <p:nvPr/>
-      </p:nvGrpSpPr>
-      <p:grpSpPr>
-        <a:xfrm>
-          <a:off x="0" y="0"/>
-          <a:ext cx="0" cy="0"/>
-          <a:chOff x="0" y="0"/>
-          <a:chExt cx="0" cy="0"/>
-        </a:xfrm>
-      </p:grpSpPr>
-      <p:sp>
-        <p:nvSpPr>
-          <p:cNvPr id="4" name="Rectangle 3"/>
+              </a:rPr>
+              <a:t>CREATE A SINGLE PAGE ONLINE RESUME CONTAINING THE FOLLOWING:</a:t>
+            </a:r>
+          </a:p>
+          <a:p>
+            <a:endParaRPr lang="en-ZA" sz="2000" dirty="0">
+              <a:solidFill>
+                <a:schemeClr val="bg1"/>
+              </a:solidFill>
+            </a:endParaRPr>
+          </a:p>
+          <a:p>
+            <a:pPr marL="285750" indent="-285750">
+              <a:buFontTx/>
+              <a:buChar char="-"/>
+            </a:pPr>
+            <a:endParaRPr lang="en-ZA" sz="2000" dirty="0" smtClean="0">
+              <a:solidFill>
+                <a:schemeClr val="bg1"/>
+              </a:solidFill>
+            </a:endParaRPr>
+          </a:p>
+          <a:p>
+            <a:pPr marL="285750" indent="-285750">
+              <a:buFontTx/>
+              <a:buChar char="-"/>
+            </a:pPr>
+            <a:r>
+              <a:rPr lang="en-ZA" sz="2000" dirty="0" smtClean="0">
+                <a:solidFill>
+                  <a:schemeClr val="bg1"/>
+                </a:solidFill>
+              </a:rPr>
+              <a:t>A </a:t>
+            </a:r>
+            <a:r>
+              <a:rPr lang="en-ZA" sz="2000" b="1" dirty="0" smtClean="0">
+                <a:solidFill>
+                  <a:schemeClr val="bg1"/>
+                </a:solidFill>
+              </a:rPr>
+              <a:t>HEADER</a:t>
+            </a:r>
+            <a:r>
+              <a:rPr lang="en-ZA" sz="2000" dirty="0" smtClean="0">
+                <a:solidFill>
+                  <a:schemeClr val="bg1"/>
+                </a:solidFill>
+              </a:rPr>
+              <a:t> CONTAINING YOUR NAME</a:t>
+            </a:r>
+          </a:p>
+          <a:p>
+            <a:pPr marL="285750" indent="-285750">
+              <a:buFontTx/>
+              <a:buChar char="-"/>
+            </a:pPr>
+            <a:r>
+              <a:rPr lang="en-ZA" sz="2000" dirty="0" smtClean="0">
+                <a:solidFill>
+                  <a:schemeClr val="bg1"/>
+                </a:solidFill>
+              </a:rPr>
+              <a:t>A </a:t>
+            </a:r>
+            <a:r>
+              <a:rPr lang="en-ZA" sz="2000" b="1" dirty="0" smtClean="0">
+                <a:solidFill>
+                  <a:schemeClr val="bg1"/>
+                </a:solidFill>
+              </a:rPr>
+              <a:t>SECTION</a:t>
+            </a:r>
+            <a:r>
+              <a:rPr lang="en-ZA" sz="2000" dirty="0" smtClean="0">
+                <a:solidFill>
+                  <a:schemeClr val="bg1"/>
+                </a:solidFill>
+              </a:rPr>
+              <a:t> FOR YOUR PROFILE PICTURE AND ANY OTHER INFO YOU MAY LIKE TO ADD</a:t>
+            </a:r>
+          </a:p>
+          <a:p>
+            <a:pPr marL="285750" indent="-285750">
+              <a:buFontTx/>
+              <a:buChar char="-"/>
+            </a:pPr>
+            <a:r>
+              <a:rPr lang="en-ZA" sz="2000" dirty="0" smtClean="0">
+                <a:solidFill>
+                  <a:schemeClr val="bg1"/>
+                </a:solidFill>
+              </a:rPr>
+              <a:t>A </a:t>
+            </a:r>
+            <a:r>
+              <a:rPr lang="en-ZA" sz="2000" b="1" dirty="0" smtClean="0">
+                <a:solidFill>
+                  <a:schemeClr val="bg1"/>
+                </a:solidFill>
+              </a:rPr>
+              <a:t>SECTION</a:t>
+            </a:r>
+            <a:r>
+              <a:rPr lang="en-ZA" sz="2000" dirty="0" smtClean="0">
+                <a:solidFill>
+                  <a:schemeClr val="bg1"/>
+                </a:solidFill>
+              </a:rPr>
+              <a:t> FOR YOUR RESUME CONTENT CONTAINING THE FOLLOWING:</a:t>
+            </a:r>
+          </a:p>
+          <a:p>
+            <a:pPr marL="742950" lvl="1" indent="-285750">
+              <a:buFontTx/>
+              <a:buChar char="-"/>
+            </a:pPr>
+            <a:r>
+              <a:rPr lang="en-ZA" sz="2000" dirty="0" smtClean="0">
+                <a:solidFill>
+                  <a:schemeClr val="bg1"/>
+                </a:solidFill>
+              </a:rPr>
+              <a:t>AT LEAST 1 </a:t>
+            </a:r>
+            <a:r>
+              <a:rPr lang="en-ZA" sz="2000" b="1" dirty="0" smtClean="0">
+                <a:solidFill>
+                  <a:schemeClr val="bg1"/>
+                </a:solidFill>
+              </a:rPr>
+              <a:t>HEADING</a:t>
+            </a:r>
+          </a:p>
+          <a:p>
+            <a:pPr marL="742950" lvl="1" indent="-285750">
+              <a:buFontTx/>
+              <a:buChar char="-"/>
+            </a:pPr>
+            <a:r>
+              <a:rPr lang="en-ZA" sz="2000" dirty="0" smtClean="0">
+                <a:solidFill>
+                  <a:schemeClr val="bg1"/>
+                </a:solidFill>
+              </a:rPr>
+              <a:t>MAIN RESUME </a:t>
+            </a:r>
+            <a:r>
+              <a:rPr lang="en-ZA" sz="2000" b="1" dirty="0" smtClean="0">
+                <a:solidFill>
+                  <a:schemeClr val="bg1"/>
+                </a:solidFill>
+              </a:rPr>
+              <a:t>CONTENT</a:t>
+            </a:r>
+          </a:p>
+          <a:p>
+            <a:pPr marL="742950" lvl="1" indent="-285750">
+              <a:buFontTx/>
+              <a:buChar char="-"/>
+            </a:pPr>
+            <a:r>
+              <a:rPr lang="en-ZA" sz="2000" dirty="0" smtClean="0">
+                <a:solidFill>
+                  <a:schemeClr val="bg1"/>
+                </a:solidFill>
+              </a:rPr>
+              <a:t>A </a:t>
+            </a:r>
+            <a:r>
+              <a:rPr lang="en-ZA" sz="2000" b="1" dirty="0" smtClean="0">
+                <a:solidFill>
+                  <a:schemeClr val="bg1"/>
+                </a:solidFill>
+              </a:rPr>
+              <a:t>LIST</a:t>
+            </a:r>
+          </a:p>
+          <a:p>
+            <a:pPr marL="285750" indent="-285750">
+              <a:buFontTx/>
+              <a:buChar char="-"/>
+            </a:pPr>
+            <a:r>
+              <a:rPr lang="en-ZA" sz="2000" dirty="0" smtClean="0">
+                <a:solidFill>
+                  <a:schemeClr val="bg1"/>
+                </a:solidFill>
+              </a:rPr>
+              <a:t>A </a:t>
+            </a:r>
+            <a:r>
+              <a:rPr lang="en-ZA" sz="2000" b="1" dirty="0" smtClean="0">
+                <a:solidFill>
+                  <a:schemeClr val="bg1"/>
+                </a:solidFill>
+              </a:rPr>
+              <a:t>FOOTER</a:t>
+            </a:r>
+            <a:r>
+              <a:rPr lang="en-ZA" sz="2000" dirty="0" smtClean="0">
+                <a:solidFill>
+                  <a:schemeClr val="bg1"/>
+                </a:solidFill>
+              </a:rPr>
+              <a:t> WITH YOUR CONTACT DETAILS</a:t>
+            </a:r>
+          </a:p>
+        </p:txBody>
+      </p:sp>
+      <p:sp>
+        <p:nvSpPr>
+          <p:cNvPr id="6" name="Rectangle 5"/>
           <p:cNvSpPr/>
           <p:nvPr/>
         </p:nvSpPr>
         <p:spPr>
           <a:xfrm>
-            <a:off x="0" y="0"/>
-            <a:ext cx="12192000" cy="6858000"/>
+            <a:off x="1255365" y="2444461"/>
+            <a:ext cx="9593451" cy="2588221"/>
           </a:xfrm>
           <a:prstGeom prst="rect">
             <a:avLst/>
           </a:prstGeom>
-          <a:solidFill>
-            <a:schemeClr val="bg2">
-              <a:lumMod val="25000"/>
-            </a:schemeClr>
-          </a:solidFill>
+          <a:noFill/>
           <a:ln>
-            <a:noFill/>
+            <a:solidFill>
+              <a:srgbClr val="F85652"/>
+            </a:solidFill>
           </a:ln>
         </p:spPr>
         <p:style>
@@ -17430,969 +20690,6 @@
           <a:lstStyle/>
           <a:p>
             <a:pPr algn="ctr"/>
-            <a:endParaRPr lang="en-ZA" sz="1400" dirty="0">
-              <a:ln w="0"/>
-              <a:solidFill>
-                <a:schemeClr val="tx1"/>
-              </a:solidFill>
-              <a:effectLst>
-                <a:outerShdw blurRad="38100" dist="19050" dir="2700000" algn="tl" rotWithShape="0">
-                  <a:schemeClr val="dk1">
-                    <a:alpha val="40000"/>
-                  </a:schemeClr>
-                </a:outerShdw>
-              </a:effectLst>
-            </a:endParaRPr>
-          </a:p>
-        </p:txBody>
-      </p:sp>
-      <p:sp>
-        <p:nvSpPr>
-          <p:cNvPr id="3" name="Subtitle 2"/>
-          <p:cNvSpPr>
-            <a:spLocks noGrp="1"/>
-          </p:cNvSpPr>
-          <p:nvPr>
-            <p:ph type="subTitle" idx="1"/>
-          </p:nvPr>
-        </p:nvSpPr>
-        <p:spPr>
-          <a:xfrm>
-            <a:off x="0" y="-785"/>
-            <a:ext cx="12192000" cy="1655762"/>
-          </a:xfrm>
-        </p:spPr>
-        <p:txBody>
-          <a:bodyPr tIns="468000">
-            <a:normAutofit/>
-          </a:bodyPr>
-          <a:lstStyle/>
-          <a:p>
-            <a:r>
-              <a:rPr lang="en-ZA" sz="5400" dirty="0" smtClean="0">
-                <a:solidFill>
-                  <a:srgbClr val="F85652"/>
-                </a:solidFill>
-                <a:ea typeface="Open Sans" panose="020B0606030504020204" pitchFamily="34" charset="0"/>
-                <a:cs typeface="Arial" panose="020B0604020202020204" pitchFamily="34" charset="0"/>
-              </a:rPr>
-              <a:t>REFERENCES</a:t>
-            </a:r>
-            <a:endParaRPr lang="en-ZA" sz="5400" dirty="0">
-              <a:solidFill>
-                <a:srgbClr val="F85652"/>
-              </a:solidFill>
-              <a:ea typeface="Open Sans" panose="020B0606030504020204" pitchFamily="34" charset="0"/>
-              <a:cs typeface="Arial" panose="020B0604020202020204" pitchFamily="34" charset="0"/>
-            </a:endParaRPr>
-          </a:p>
-        </p:txBody>
-      </p:sp>
-      <p:sp>
-        <p:nvSpPr>
-          <p:cNvPr id="7" name="Rectangle 6"/>
-          <p:cNvSpPr/>
-          <p:nvPr/>
-        </p:nvSpPr>
-        <p:spPr>
-          <a:xfrm>
-            <a:off x="-5167" y="5861756"/>
-            <a:ext cx="12197167" cy="996244"/>
-          </a:xfrm>
-          <a:prstGeom prst="rect">
-            <a:avLst/>
-          </a:prstGeom>
-          <a:solidFill>
-            <a:srgbClr val="F85652"/>
-          </a:solidFill>
-          <a:ln>
-            <a:noFill/>
-          </a:ln>
-        </p:spPr>
-        <p:style>
-          <a:lnRef idx="2">
-            <a:schemeClr val="accent1">
-              <a:shade val="50000"/>
-            </a:schemeClr>
-          </a:lnRef>
-          <a:fillRef idx="1">
-            <a:schemeClr val="accent1"/>
-          </a:fillRef>
-          <a:effectRef idx="0">
-            <a:schemeClr val="accent1"/>
-          </a:effectRef>
-          <a:fontRef idx="minor">
-            <a:schemeClr val="lt1"/>
-          </a:fontRef>
-        </p:style>
-        <p:txBody>
-          <a:bodyPr rtlCol="0" anchor="ctr"/>
-          <a:lstStyle/>
-          <a:p>
-            <a:pPr algn="ctr"/>
-            <a:endParaRPr lang="en-ZA"/>
-          </a:p>
-        </p:txBody>
-      </p:sp>
-      <p:pic>
-        <p:nvPicPr>
-          <p:cNvPr id="8" name="Picture 7"/>
-          <p:cNvPicPr>
-            <a:picLocks noChangeAspect="1"/>
-          </p:cNvPicPr>
-          <p:nvPr/>
-        </p:nvPicPr>
-        <p:blipFill>
-          <a:blip r:embed="rId3" cstate="print">
-            <a:extLst>
-              <a:ext uri="{28A0092B-C50C-407E-A947-70E740481C1C}">
-                <a14:useLocalDpi xmlns:a14="http://schemas.microsoft.com/office/drawing/2010/main" val="0"/>
-              </a:ext>
-            </a:extLst>
-          </a:blip>
-          <a:stretch>
-            <a:fillRect/>
-          </a:stretch>
-        </p:blipFill>
-        <p:spPr>
-          <a:xfrm>
-            <a:off x="9678227" y="5906000"/>
-            <a:ext cx="2315027" cy="901611"/>
-          </a:xfrm>
-          <a:prstGeom prst="rect">
-            <a:avLst/>
-          </a:prstGeom>
-          <a:noFill/>
-        </p:spPr>
-      </p:pic>
-      <p:pic>
-        <p:nvPicPr>
-          <p:cNvPr id="9" name="Picture 2" descr="http://girlcodeza.co.za/gc/wp-content/uploads/2016/11/Logoweb-1.png"/>
-          <p:cNvPicPr>
-            <a:picLocks noChangeAspect="1" noChangeArrowheads="1"/>
-          </p:cNvPicPr>
-          <p:nvPr/>
-        </p:nvPicPr>
-        <p:blipFill>
-          <a:blip r:embed="rId4" cstate="print">
-            <a:extLst>
-              <a:ext uri="{28A0092B-C50C-407E-A947-70E740481C1C}">
-                <a14:useLocalDpi xmlns:a14="http://schemas.microsoft.com/office/drawing/2010/main" val="0"/>
-              </a:ext>
-            </a:extLst>
-          </a:blip>
-          <a:srcRect/>
-          <a:stretch>
-            <a:fillRect/>
-          </a:stretch>
-        </p:blipFill>
-        <p:spPr bwMode="auto">
-          <a:xfrm>
-            <a:off x="-5168" y="5819426"/>
-            <a:ext cx="2969593" cy="1039358"/>
-          </a:xfrm>
-          <a:prstGeom prst="rect">
-            <a:avLst/>
-          </a:prstGeom>
-          <a:noFill/>
-          <a:extLst>
-            <a:ext uri="{909E8E84-426E-40DD-AFC4-6F175D3DCCD1}">
-              <a14:hiddenFill xmlns:a14="http://schemas.microsoft.com/office/drawing/2010/main">
-                <a:solidFill>
-                  <a:srgbClr val="FFFFFF"/>
-                </a:solidFill>
-              </a14:hiddenFill>
-            </a:ext>
-          </a:extLst>
-        </p:spPr>
-      </p:pic>
-      <p:sp>
-        <p:nvSpPr>
-          <p:cNvPr id="2" name="TextBox 1"/>
-          <p:cNvSpPr txBox="1"/>
-          <p:nvPr/>
-        </p:nvSpPr>
-        <p:spPr>
-          <a:xfrm>
-            <a:off x="1423097" y="1776980"/>
-            <a:ext cx="9283485" cy="3170099"/>
-          </a:xfrm>
-          <a:prstGeom prst="rect">
-            <a:avLst/>
-          </a:prstGeom>
-          <a:noFill/>
-        </p:spPr>
-        <p:txBody>
-          <a:bodyPr wrap="square" rtlCol="0">
-            <a:spAutoFit/>
-          </a:bodyPr>
-          <a:lstStyle/>
-          <a:p>
-            <a:r>
-              <a:rPr lang="en-ZA" sz="2000" dirty="0">
-                <a:solidFill>
-                  <a:schemeClr val="bg1"/>
-                </a:solidFill>
-              </a:rPr>
-              <a:t>https://</a:t>
-            </a:r>
-            <a:r>
-              <a:rPr lang="en-ZA" sz="2000" dirty="0" smtClean="0">
-                <a:solidFill>
-                  <a:schemeClr val="bg1"/>
-                </a:solidFill>
-              </a:rPr>
-              <a:t>css-tricks.com/examples/CleanCode/Beautiful-HTML.png</a:t>
-            </a:r>
-          </a:p>
-          <a:p>
-            <a:r>
-              <a:rPr lang="en-ZA" sz="2000" dirty="0">
-                <a:solidFill>
-                  <a:schemeClr val="bg1"/>
-                </a:solidFill>
-              </a:rPr>
-              <a:t>http://webdesignfromscratch.com/html-from-scratch</a:t>
-            </a:r>
-            <a:r>
-              <a:rPr lang="en-ZA" sz="2000" dirty="0" smtClean="0">
-                <a:solidFill>
-                  <a:schemeClr val="bg1"/>
-                </a:solidFill>
-              </a:rPr>
-              <a:t>/</a:t>
-            </a:r>
-          </a:p>
-          <a:p>
-            <a:r>
-              <a:rPr lang="en-ZA" sz="2000" dirty="0">
-                <a:solidFill>
-                  <a:schemeClr val="bg1"/>
-                </a:solidFill>
-              </a:rPr>
-              <a:t>https://</a:t>
-            </a:r>
-            <a:r>
-              <a:rPr lang="en-ZA" sz="2000" dirty="0" smtClean="0">
-                <a:solidFill>
-                  <a:schemeClr val="bg1"/>
-                </a:solidFill>
-              </a:rPr>
-              <a:t>www.w3schools.com</a:t>
-            </a:r>
-          </a:p>
-          <a:p>
-            <a:r>
-              <a:rPr lang="en-ZA" sz="2000" dirty="0">
-                <a:solidFill>
-                  <a:schemeClr val="bg1"/>
-                </a:solidFill>
-              </a:rPr>
-              <a:t>http://</a:t>
-            </a:r>
-            <a:r>
-              <a:rPr lang="en-ZA" sz="2000" dirty="0" smtClean="0">
-                <a:solidFill>
-                  <a:schemeClr val="bg1"/>
-                </a:solidFill>
-              </a:rPr>
-              <a:t>www.danfergusdesign.com/classfiles/generalReference/html5reference.php</a:t>
-            </a:r>
-          </a:p>
-          <a:p>
-            <a:r>
-              <a:rPr lang="en-ZA" sz="2000" dirty="0">
-                <a:solidFill>
-                  <a:schemeClr val="bg1"/>
-                </a:solidFill>
-              </a:rPr>
-              <a:t>https://</a:t>
-            </a:r>
-            <a:r>
-              <a:rPr lang="en-ZA" sz="2000" dirty="0" smtClean="0">
-                <a:solidFill>
-                  <a:schemeClr val="bg1"/>
-                </a:solidFill>
-              </a:rPr>
-              <a:t>developer.mozilla.org/en/docs/Web/HTML/Element/head</a:t>
-            </a:r>
-          </a:p>
-          <a:p>
-            <a:r>
-              <a:rPr lang="en-ZA" sz="2000" dirty="0">
-                <a:solidFill>
-                  <a:schemeClr val="bg1"/>
-                </a:solidFill>
-              </a:rPr>
-              <a:t>https://css-tricks.com/the-difference-between-id-and-class</a:t>
-            </a:r>
-            <a:r>
-              <a:rPr lang="en-ZA" sz="2000" dirty="0" smtClean="0">
-                <a:solidFill>
-                  <a:schemeClr val="bg1"/>
-                </a:solidFill>
-              </a:rPr>
-              <a:t>/</a:t>
-            </a:r>
-          </a:p>
-          <a:p>
-            <a:r>
-              <a:rPr lang="en-ZA" sz="2000" dirty="0">
-                <a:solidFill>
-                  <a:schemeClr val="bg1"/>
-                </a:solidFill>
-              </a:rPr>
-              <a:t>https://</a:t>
-            </a:r>
-            <a:r>
-              <a:rPr lang="en-ZA" sz="2000" dirty="0" smtClean="0">
-                <a:solidFill>
-                  <a:schemeClr val="bg1"/>
-                </a:solidFill>
-              </a:rPr>
-              <a:t>developer.chrome.com/devtools</a:t>
-            </a:r>
-          </a:p>
-          <a:p>
-            <a:r>
-              <a:rPr lang="en-ZA" sz="2000" dirty="0">
-                <a:solidFill>
-                  <a:schemeClr val="bg1"/>
-                </a:solidFill>
-              </a:rPr>
-              <a:t>https://</a:t>
-            </a:r>
-            <a:r>
-              <a:rPr lang="en-ZA" sz="2000" dirty="0" smtClean="0">
-                <a:solidFill>
-                  <a:schemeClr val="bg1"/>
-                </a:solidFill>
-              </a:rPr>
-              <a:t>developer.mozilla.org/en/docs/Web/Guide/HTML/HTML5</a:t>
-            </a:r>
-          </a:p>
-          <a:p>
-            <a:r>
-              <a:rPr lang="en-ZA" sz="2000" dirty="0">
-                <a:solidFill>
-                  <a:schemeClr val="bg1"/>
-                </a:solidFill>
-              </a:rPr>
-              <a:t>http://</a:t>
-            </a:r>
-            <a:r>
-              <a:rPr lang="en-ZA" sz="2000" dirty="0" smtClean="0">
-                <a:solidFill>
-                  <a:schemeClr val="bg1"/>
-                </a:solidFill>
-              </a:rPr>
-              <a:t>www.webstepbook.com/supplements/slides/ch08-dom.shtml</a:t>
-            </a:r>
-            <a:endParaRPr lang="en-ZA" sz="2000" dirty="0">
-              <a:solidFill>
-                <a:schemeClr val="bg1"/>
-              </a:solidFill>
-            </a:endParaRPr>
-          </a:p>
-          <a:p>
-            <a:r>
-              <a:rPr lang="en-ZA" sz="2000" dirty="0" smtClean="0">
-                <a:solidFill>
-                  <a:schemeClr val="bg1"/>
-                </a:solidFill>
-              </a:rPr>
-              <a:t>http</a:t>
-            </a:r>
-            <a:r>
-              <a:rPr lang="en-ZA" sz="2000" dirty="0">
-                <a:solidFill>
-                  <a:schemeClr val="bg1"/>
-                </a:solidFill>
-              </a:rPr>
-              <a:t>://memeshare.xyz/media/html-memes</a:t>
-            </a:r>
-            <a:endParaRPr lang="en-ZA" dirty="0" smtClean="0">
-              <a:solidFill>
-                <a:schemeClr val="bg1"/>
-              </a:solidFill>
-            </a:endParaRPr>
-          </a:p>
-        </p:txBody>
-      </p:sp>
-    </p:spTree>
-    <p:extLst>
-      <p:ext uri="{BB962C8B-B14F-4D97-AF65-F5344CB8AC3E}">
-        <p14:creationId xmlns:p14="http://schemas.microsoft.com/office/powerpoint/2010/main" val="1900869232"/>
-      </p:ext>
-    </p:extLst>
-  </p:cSld>
-  <p:clrMapOvr>
-    <a:masterClrMapping/>
-  </p:clrMapOvr>
-  <mc:AlternateContent xmlns:mc="http://schemas.openxmlformats.org/markup-compatibility/2006">
-    <mc:Choice xmlns:p14="http://schemas.microsoft.com/office/powerpoint/2010/main" Requires="p14">
-      <p:transition p14:dur="0"/>
-    </mc:Choice>
-    <mc:Fallback>
-      <p:transition/>
-    </mc:Fallback>
-  </mc:AlternateContent>
-  <p:timing>
-    <p:tnLst>
-      <p:par>
-        <p:cTn id="1" dur="indefinite" restart="never" nodeType="tmRoot"/>
-      </p:par>
-    </p:tnLst>
-  </p:timing>
-</p:sld>
-</file>
-
-<file path=ppt/slides/slide32.xml><?xml version="1.0" encoding="utf-8"?>
-<p:sld xmlns:a="http://schemas.openxmlformats.org/drawingml/2006/main" xmlns:r="http://schemas.openxmlformats.org/officeDocument/2006/relationships" xmlns:p="http://schemas.openxmlformats.org/presentationml/2006/main">
-  <p:cSld>
-    <p:spTree>
-      <p:nvGrpSpPr>
-        <p:cNvPr id="1" name=""/>
-        <p:cNvGrpSpPr/>
-        <p:nvPr/>
-      </p:nvGrpSpPr>
-      <p:grpSpPr>
-        <a:xfrm>
-          <a:off x="0" y="0"/>
-          <a:ext cx="0" cy="0"/>
-          <a:chOff x="0" y="0"/>
-          <a:chExt cx="0" cy="0"/>
-        </a:xfrm>
-      </p:grpSpPr>
-      <p:sp>
-        <p:nvSpPr>
-          <p:cNvPr id="4" name="Rectangle 3"/>
-          <p:cNvSpPr/>
-          <p:nvPr/>
-        </p:nvSpPr>
-        <p:spPr>
-          <a:xfrm>
-            <a:off x="0" y="0"/>
-            <a:ext cx="12192000" cy="6858000"/>
-          </a:xfrm>
-          <a:prstGeom prst="rect">
-            <a:avLst/>
-          </a:prstGeom>
-          <a:solidFill>
-            <a:schemeClr val="bg2">
-              <a:lumMod val="25000"/>
-            </a:schemeClr>
-          </a:solidFill>
-          <a:ln>
-            <a:noFill/>
-          </a:ln>
-        </p:spPr>
-        <p:style>
-          <a:lnRef idx="2">
-            <a:schemeClr val="accent1">
-              <a:shade val="50000"/>
-            </a:schemeClr>
-          </a:lnRef>
-          <a:fillRef idx="1">
-            <a:schemeClr val="accent1"/>
-          </a:fillRef>
-          <a:effectRef idx="0">
-            <a:schemeClr val="accent1"/>
-          </a:effectRef>
-          <a:fontRef idx="minor">
-            <a:schemeClr val="lt1"/>
-          </a:fontRef>
-        </p:style>
-        <p:txBody>
-          <a:bodyPr rtlCol="0" anchor="ctr"/>
-          <a:lstStyle/>
-          <a:p>
-            <a:pPr algn="ctr"/>
-            <a:endParaRPr lang="en-ZA" sz="1400" dirty="0">
-              <a:ln w="0"/>
-              <a:solidFill>
-                <a:schemeClr val="tx1"/>
-              </a:solidFill>
-              <a:effectLst>
-                <a:outerShdw blurRad="38100" dist="19050" dir="2700000" algn="tl" rotWithShape="0">
-                  <a:schemeClr val="dk1">
-                    <a:alpha val="40000"/>
-                  </a:schemeClr>
-                </a:outerShdw>
-              </a:effectLst>
-            </a:endParaRPr>
-          </a:p>
-        </p:txBody>
-      </p:sp>
-      <p:sp>
-        <p:nvSpPr>
-          <p:cNvPr id="3" name="Subtitle 2"/>
-          <p:cNvSpPr>
-            <a:spLocks noGrp="1"/>
-          </p:cNvSpPr>
-          <p:nvPr>
-            <p:ph type="subTitle" idx="1"/>
-          </p:nvPr>
-        </p:nvSpPr>
-        <p:spPr>
-          <a:xfrm>
-            <a:off x="0" y="-785"/>
-            <a:ext cx="12192000" cy="1655762"/>
-          </a:xfrm>
-        </p:spPr>
-        <p:txBody>
-          <a:bodyPr tIns="468000">
-            <a:normAutofit/>
-          </a:bodyPr>
-          <a:lstStyle/>
-          <a:p>
-            <a:r>
-              <a:rPr lang="en-ZA" sz="5400" dirty="0" smtClean="0">
-                <a:solidFill>
-                  <a:srgbClr val="F85652"/>
-                </a:solidFill>
-                <a:ea typeface="Open Sans" panose="020B0606030504020204" pitchFamily="34" charset="0"/>
-                <a:cs typeface="Arial" panose="020B0604020202020204" pitchFamily="34" charset="0"/>
-              </a:rPr>
-              <a:t>PRACTISE EXERCISE</a:t>
-            </a:r>
-            <a:r>
-              <a:rPr lang="en-ZA" sz="5400" b="1" dirty="0" smtClean="0">
-                <a:solidFill>
-                  <a:srgbClr val="F85652"/>
-                </a:solidFill>
-                <a:ea typeface="Open Sans" panose="020B0606030504020204" pitchFamily="34" charset="0"/>
-                <a:cs typeface="Arial" panose="020B0604020202020204" pitchFamily="34" charset="0"/>
-              </a:rPr>
-              <a:t> </a:t>
-            </a:r>
-            <a:r>
-              <a:rPr lang="en-ZA" sz="5400" b="1" dirty="0">
-                <a:solidFill>
-                  <a:srgbClr val="F85652"/>
-                </a:solidFill>
-                <a:ea typeface="Open Sans" panose="020B0606030504020204" pitchFamily="34" charset="0"/>
-                <a:cs typeface="Arial" panose="020B0604020202020204" pitchFamily="34" charset="0"/>
-              </a:rPr>
-              <a:t>R</a:t>
-            </a:r>
-            <a:r>
-              <a:rPr lang="en-ZA" sz="5400" b="1" dirty="0" smtClean="0">
-                <a:solidFill>
-                  <a:srgbClr val="F85652"/>
-                </a:solidFill>
-                <a:ea typeface="Open Sans" panose="020B0606030504020204" pitchFamily="34" charset="0"/>
-                <a:cs typeface="Arial" panose="020B0604020202020204" pitchFamily="34" charset="0"/>
-              </a:rPr>
-              <a:t>ESUME</a:t>
-            </a:r>
-            <a:endParaRPr lang="en-ZA" sz="5400" dirty="0">
-              <a:solidFill>
-                <a:srgbClr val="F85652"/>
-              </a:solidFill>
-              <a:ea typeface="Open Sans" panose="020B0606030504020204" pitchFamily="34" charset="0"/>
-              <a:cs typeface="Arial" panose="020B0604020202020204" pitchFamily="34" charset="0"/>
-            </a:endParaRPr>
-          </a:p>
-        </p:txBody>
-      </p:sp>
-      <p:sp>
-        <p:nvSpPr>
-          <p:cNvPr id="7" name="Rectangle 6"/>
-          <p:cNvSpPr/>
-          <p:nvPr/>
-        </p:nvSpPr>
-        <p:spPr>
-          <a:xfrm>
-            <a:off x="-5167" y="5861756"/>
-            <a:ext cx="12197167" cy="996244"/>
-          </a:xfrm>
-          <a:prstGeom prst="rect">
-            <a:avLst/>
-          </a:prstGeom>
-          <a:solidFill>
-            <a:srgbClr val="F85652"/>
-          </a:solidFill>
-          <a:ln>
-            <a:noFill/>
-          </a:ln>
-        </p:spPr>
-        <p:style>
-          <a:lnRef idx="2">
-            <a:schemeClr val="accent1">
-              <a:shade val="50000"/>
-            </a:schemeClr>
-          </a:lnRef>
-          <a:fillRef idx="1">
-            <a:schemeClr val="accent1"/>
-          </a:fillRef>
-          <a:effectRef idx="0">
-            <a:schemeClr val="accent1"/>
-          </a:effectRef>
-          <a:fontRef idx="minor">
-            <a:schemeClr val="lt1"/>
-          </a:fontRef>
-        </p:style>
-        <p:txBody>
-          <a:bodyPr rtlCol="0" anchor="ctr"/>
-          <a:lstStyle/>
-          <a:p>
-            <a:pPr algn="ctr"/>
-            <a:endParaRPr lang="en-ZA"/>
-          </a:p>
-        </p:txBody>
-      </p:sp>
-      <p:pic>
-        <p:nvPicPr>
-          <p:cNvPr id="8" name="Picture 7"/>
-          <p:cNvPicPr>
-            <a:picLocks noChangeAspect="1"/>
-          </p:cNvPicPr>
-          <p:nvPr/>
-        </p:nvPicPr>
-        <p:blipFill>
-          <a:blip r:embed="rId3" cstate="print">
-            <a:extLst>
-              <a:ext uri="{28A0092B-C50C-407E-A947-70E740481C1C}">
-                <a14:useLocalDpi xmlns:a14="http://schemas.microsoft.com/office/drawing/2010/main" val="0"/>
-              </a:ext>
-            </a:extLst>
-          </a:blip>
-          <a:stretch>
-            <a:fillRect/>
-          </a:stretch>
-        </p:blipFill>
-        <p:spPr>
-          <a:xfrm>
-            <a:off x="9678227" y="5906000"/>
-            <a:ext cx="2315027" cy="901611"/>
-          </a:xfrm>
-          <a:prstGeom prst="rect">
-            <a:avLst/>
-          </a:prstGeom>
-          <a:noFill/>
-        </p:spPr>
-      </p:pic>
-      <p:pic>
-        <p:nvPicPr>
-          <p:cNvPr id="9" name="Picture 2" descr="http://girlcodeza.co.za/gc/wp-content/uploads/2016/11/Logoweb-1.png"/>
-          <p:cNvPicPr>
-            <a:picLocks noChangeAspect="1" noChangeArrowheads="1"/>
-          </p:cNvPicPr>
-          <p:nvPr/>
-        </p:nvPicPr>
-        <p:blipFill>
-          <a:blip r:embed="rId4" cstate="print">
-            <a:extLst>
-              <a:ext uri="{28A0092B-C50C-407E-A947-70E740481C1C}">
-                <a14:useLocalDpi xmlns:a14="http://schemas.microsoft.com/office/drawing/2010/main" val="0"/>
-              </a:ext>
-            </a:extLst>
-          </a:blip>
-          <a:srcRect/>
-          <a:stretch>
-            <a:fillRect/>
-          </a:stretch>
-        </p:blipFill>
-        <p:spPr bwMode="auto">
-          <a:xfrm>
-            <a:off x="-5168" y="5819426"/>
-            <a:ext cx="2969593" cy="1039358"/>
-          </a:xfrm>
-          <a:prstGeom prst="rect">
-            <a:avLst/>
-          </a:prstGeom>
-          <a:noFill/>
-          <a:extLst>
-            <a:ext uri="{909E8E84-426E-40DD-AFC4-6F175D3DCCD1}">
-              <a14:hiddenFill xmlns:a14="http://schemas.microsoft.com/office/drawing/2010/main">
-                <a:solidFill>
-                  <a:srgbClr val="FFFFFF"/>
-                </a:solidFill>
-              </a14:hiddenFill>
-            </a:ext>
-          </a:extLst>
-        </p:spPr>
-      </p:pic>
-      <p:sp>
-        <p:nvSpPr>
-          <p:cNvPr id="2" name="TextBox 1"/>
-          <p:cNvSpPr txBox="1"/>
-          <p:nvPr/>
-        </p:nvSpPr>
-        <p:spPr>
-          <a:xfrm>
-            <a:off x="1423097" y="1619817"/>
-            <a:ext cx="9283485" cy="3231654"/>
-          </a:xfrm>
-          <a:prstGeom prst="rect">
-            <a:avLst/>
-          </a:prstGeom>
-          <a:noFill/>
-        </p:spPr>
-        <p:txBody>
-          <a:bodyPr wrap="square" rtlCol="0">
-            <a:spAutoFit/>
-          </a:bodyPr>
-          <a:lstStyle/>
-          <a:p>
-            <a:r>
-              <a:rPr lang="en-ZA" sz="2400" dirty="0" smtClean="0">
-                <a:solidFill>
-                  <a:schemeClr val="bg1"/>
-                </a:solidFill>
-              </a:rPr>
-              <a:t>CREATE A SINGLE PAGE ONLINE RESUME CONTAINING THE FOLLOWING:</a:t>
-            </a:r>
-          </a:p>
-          <a:p>
-            <a:endParaRPr lang="en-ZA" sz="2000" dirty="0">
-              <a:solidFill>
-                <a:schemeClr val="bg1"/>
-              </a:solidFill>
-            </a:endParaRPr>
-          </a:p>
-          <a:p>
-            <a:pPr marL="285750" indent="-285750">
-              <a:buFontTx/>
-              <a:buChar char="-"/>
-            </a:pPr>
-            <a:endParaRPr lang="en-ZA" sz="2000" dirty="0" smtClean="0">
-              <a:solidFill>
-                <a:schemeClr val="bg1"/>
-              </a:solidFill>
-            </a:endParaRPr>
-          </a:p>
-          <a:p>
-            <a:pPr marL="285750" indent="-285750">
-              <a:buFontTx/>
-              <a:buChar char="-"/>
-            </a:pPr>
-            <a:r>
-              <a:rPr lang="en-ZA" sz="2000" dirty="0" smtClean="0">
-                <a:solidFill>
-                  <a:schemeClr val="bg1"/>
-                </a:solidFill>
-              </a:rPr>
-              <a:t>A </a:t>
-            </a:r>
-            <a:r>
-              <a:rPr lang="en-ZA" sz="2000" b="1" dirty="0" smtClean="0">
-                <a:solidFill>
-                  <a:schemeClr val="bg1"/>
-                </a:solidFill>
-              </a:rPr>
-              <a:t>HEADER</a:t>
-            </a:r>
-            <a:r>
-              <a:rPr lang="en-ZA" sz="2000" dirty="0" smtClean="0">
-                <a:solidFill>
-                  <a:schemeClr val="bg1"/>
-                </a:solidFill>
-              </a:rPr>
-              <a:t> CONTAINING YOUR NAME</a:t>
-            </a:r>
-          </a:p>
-          <a:p>
-            <a:pPr marL="285750" indent="-285750">
-              <a:buFontTx/>
-              <a:buChar char="-"/>
-            </a:pPr>
-            <a:r>
-              <a:rPr lang="en-ZA" sz="2000" dirty="0" smtClean="0">
-                <a:solidFill>
-                  <a:schemeClr val="bg1"/>
-                </a:solidFill>
-              </a:rPr>
-              <a:t>A </a:t>
-            </a:r>
-            <a:r>
-              <a:rPr lang="en-ZA" sz="2000" b="1" dirty="0" smtClean="0">
-                <a:solidFill>
-                  <a:schemeClr val="bg1"/>
-                </a:solidFill>
-              </a:rPr>
-              <a:t>SECTION</a:t>
-            </a:r>
-            <a:r>
-              <a:rPr lang="en-ZA" sz="2000" dirty="0" smtClean="0">
-                <a:solidFill>
-                  <a:schemeClr val="bg1"/>
-                </a:solidFill>
-              </a:rPr>
-              <a:t> FOR YOUR PROFILE PICTURE AND ANY OTHER INFO YOU MAY LIKE TO ADD</a:t>
-            </a:r>
-          </a:p>
-          <a:p>
-            <a:pPr marL="285750" indent="-285750">
-              <a:buFontTx/>
-              <a:buChar char="-"/>
-            </a:pPr>
-            <a:r>
-              <a:rPr lang="en-ZA" sz="2000" dirty="0" smtClean="0">
-                <a:solidFill>
-                  <a:schemeClr val="bg1"/>
-                </a:solidFill>
-              </a:rPr>
-              <a:t>A </a:t>
-            </a:r>
-            <a:r>
-              <a:rPr lang="en-ZA" sz="2000" b="1" dirty="0" smtClean="0">
-                <a:solidFill>
-                  <a:schemeClr val="bg1"/>
-                </a:solidFill>
-              </a:rPr>
-              <a:t>SECTION</a:t>
-            </a:r>
-            <a:r>
-              <a:rPr lang="en-ZA" sz="2000" dirty="0" smtClean="0">
-                <a:solidFill>
-                  <a:schemeClr val="bg1"/>
-                </a:solidFill>
-              </a:rPr>
-              <a:t> FOR YOUR RESUME CONTENT CONTAINING THE FOLLOWING:</a:t>
-            </a:r>
-          </a:p>
-          <a:p>
-            <a:pPr marL="742950" lvl="1" indent="-285750">
-              <a:buFontTx/>
-              <a:buChar char="-"/>
-            </a:pPr>
-            <a:r>
-              <a:rPr lang="en-ZA" sz="2000" dirty="0" smtClean="0">
-                <a:solidFill>
-                  <a:schemeClr val="bg1"/>
-                </a:solidFill>
-              </a:rPr>
-              <a:t>AT LEAST 1 </a:t>
-            </a:r>
-            <a:r>
-              <a:rPr lang="en-ZA" sz="2000" b="1" dirty="0" smtClean="0">
-                <a:solidFill>
-                  <a:schemeClr val="bg1"/>
-                </a:solidFill>
-              </a:rPr>
-              <a:t>HEADING</a:t>
-            </a:r>
-          </a:p>
-          <a:p>
-            <a:pPr marL="742950" lvl="1" indent="-285750">
-              <a:buFontTx/>
-              <a:buChar char="-"/>
-            </a:pPr>
-            <a:r>
-              <a:rPr lang="en-ZA" sz="2000" dirty="0" smtClean="0">
-                <a:solidFill>
-                  <a:schemeClr val="bg1"/>
-                </a:solidFill>
-              </a:rPr>
-              <a:t>MAIN RESUME </a:t>
-            </a:r>
-            <a:r>
-              <a:rPr lang="en-ZA" sz="2000" b="1" dirty="0" smtClean="0">
-                <a:solidFill>
-                  <a:schemeClr val="bg1"/>
-                </a:solidFill>
-              </a:rPr>
-              <a:t>CONTENT</a:t>
-            </a:r>
-          </a:p>
-          <a:p>
-            <a:pPr marL="742950" lvl="1" indent="-285750">
-              <a:buFontTx/>
-              <a:buChar char="-"/>
-            </a:pPr>
-            <a:r>
-              <a:rPr lang="en-ZA" sz="2000" dirty="0" smtClean="0">
-                <a:solidFill>
-                  <a:schemeClr val="bg1"/>
-                </a:solidFill>
-              </a:rPr>
-              <a:t>A </a:t>
-            </a:r>
-            <a:r>
-              <a:rPr lang="en-ZA" sz="2000" b="1" dirty="0" smtClean="0">
-                <a:solidFill>
-                  <a:schemeClr val="bg1"/>
-                </a:solidFill>
-              </a:rPr>
-              <a:t>LIST</a:t>
-            </a:r>
-          </a:p>
-          <a:p>
-            <a:pPr marL="285750" indent="-285750">
-              <a:buFontTx/>
-              <a:buChar char="-"/>
-            </a:pPr>
-            <a:r>
-              <a:rPr lang="en-ZA" sz="2000" dirty="0" smtClean="0">
-                <a:solidFill>
-                  <a:schemeClr val="bg1"/>
-                </a:solidFill>
-              </a:rPr>
-              <a:t>A </a:t>
-            </a:r>
-            <a:r>
-              <a:rPr lang="en-ZA" sz="2000" b="1" dirty="0" smtClean="0">
-                <a:solidFill>
-                  <a:schemeClr val="bg1"/>
-                </a:solidFill>
-              </a:rPr>
-              <a:t>FOOTER</a:t>
-            </a:r>
-            <a:r>
-              <a:rPr lang="en-ZA" sz="2000" dirty="0" smtClean="0">
-                <a:solidFill>
-                  <a:schemeClr val="bg1"/>
-                </a:solidFill>
-              </a:rPr>
-              <a:t> WITH YOUR CONTACT DETAILS</a:t>
-            </a:r>
-          </a:p>
-        </p:txBody>
-      </p:sp>
-      <p:sp>
-        <p:nvSpPr>
-          <p:cNvPr id="6" name="Rectangle 5"/>
-          <p:cNvSpPr/>
-          <p:nvPr/>
-        </p:nvSpPr>
-        <p:spPr>
-          <a:xfrm>
-            <a:off x="1255365" y="2444461"/>
-            <a:ext cx="9593451" cy="2588221"/>
-          </a:xfrm>
-          <a:prstGeom prst="rect">
-            <a:avLst/>
-          </a:prstGeom>
-          <a:noFill/>
-          <a:ln>
-            <a:solidFill>
-              <a:srgbClr val="F85652"/>
-            </a:solidFill>
-          </a:ln>
-        </p:spPr>
-        <p:style>
-          <a:lnRef idx="2">
-            <a:schemeClr val="accent1">
-              <a:shade val="50000"/>
-            </a:schemeClr>
-          </a:lnRef>
-          <a:fillRef idx="1">
-            <a:schemeClr val="accent1"/>
-          </a:fillRef>
-          <a:effectRef idx="0">
-            <a:schemeClr val="accent1"/>
-          </a:effectRef>
-          <a:fontRef idx="minor">
-            <a:schemeClr val="lt1"/>
-          </a:fontRef>
-        </p:style>
-        <p:txBody>
-          <a:bodyPr rtlCol="0" anchor="ctr"/>
-          <a:lstStyle/>
-          <a:p>
-            <a:pPr algn="ctr"/>
             <a:endParaRPr lang="en-ZA"/>
           </a:p>
         </p:txBody>
@@ -18407,11 +20704,11 @@
   <p:clrMapOvr>
     <a:masterClrMapping/>
   </p:clrMapOvr>
-  <mc:AlternateContent xmlns:mc="http://schemas.openxmlformats.org/markup-compatibility/2006">
-    <mc:Choice xmlns:p14="http://schemas.microsoft.com/office/powerpoint/2010/main" Requires="p14">
+  <mc:AlternateContent xmlns:mc="http://schemas.openxmlformats.org/markup-compatibility/2006" xmlns:p14="http://schemas.microsoft.com/office/powerpoint/2010/main">
+    <mc:Choice Requires="p14">
       <p:transition p14:dur="0"/>
     </mc:Choice>
-    <mc:Fallback>
+    <mc:Fallback xmlns="">
       <p:transition/>
     </mc:Fallback>
   </mc:AlternateContent>
@@ -18700,7 +20997,7 @@
           <p:nvPr/>
         </p:nvPicPr>
         <p:blipFill>
-          <a:blip r:embed="rId2" cstate="print">
+          <a:blip r:embed="rId3" cstate="print">
             <a:extLst>
               <a:ext uri="{28A0092B-C50C-407E-A947-70E740481C1C}">
                 <a14:useLocalDpi xmlns:a14="http://schemas.microsoft.com/office/drawing/2010/main" val="0"/>
@@ -18731,7 +21028,7 @@
           <p:nvPr/>
         </p:nvPicPr>
         <p:blipFill>
-          <a:blip r:embed="rId3" cstate="print">
+          <a:blip r:embed="rId4" cstate="print">
             <a:extLst>
               <a:ext uri="{28A0092B-C50C-407E-A947-70E740481C1C}">
                 <a14:useLocalDpi xmlns:a14="http://schemas.microsoft.com/office/drawing/2010/main" val="0"/>
@@ -19519,11 +21816,11 @@
   <p:clrMapOvr>
     <a:masterClrMapping/>
   </p:clrMapOvr>
-  <mc:AlternateContent xmlns:mc="http://schemas.openxmlformats.org/markup-compatibility/2006">
-    <mc:Choice xmlns:p14="http://schemas.microsoft.com/office/powerpoint/2010/main" Requires="p14">
+  <mc:AlternateContent xmlns:mc="http://schemas.openxmlformats.org/markup-compatibility/2006" xmlns:p14="http://schemas.microsoft.com/office/powerpoint/2010/main">
+    <mc:Choice Requires="p14">
       <p:transition p14:dur="0"/>
     </mc:Choice>
-    <mc:Fallback>
+    <mc:Fallback xmlns="">
       <p:transition/>
     </mc:Fallback>
   </mc:AlternateContent>
@@ -22607,7 +24904,7 @@
           <p:nvPr/>
         </p:nvPicPr>
         <p:blipFill>
-          <a:blip r:embed="rId2" cstate="print">
+          <a:blip r:embed="rId3" cstate="print">
             <a:extLst>
               <a:ext uri="{28A0092B-C50C-407E-A947-70E740481C1C}">
                 <a14:useLocalDpi xmlns:a14="http://schemas.microsoft.com/office/drawing/2010/main" val="0"/>
@@ -22638,7 +24935,7 @@
           <p:nvPr/>
         </p:nvPicPr>
         <p:blipFill>
-          <a:blip r:embed="rId3" cstate="print">
+          <a:blip r:embed="rId4" cstate="print">
             <a:extLst>
               <a:ext uri="{28A0092B-C50C-407E-A947-70E740481C1C}">
                 <a14:useLocalDpi xmlns:a14="http://schemas.microsoft.com/office/drawing/2010/main" val="0"/>
@@ -22725,7 +25022,7 @@
           <p:nvPr/>
         </p:nvPicPr>
         <p:blipFill>
-          <a:blip r:embed="rId4"/>
+          <a:blip r:embed="rId5"/>
           <a:stretch>
             <a:fillRect/>
           </a:stretch>
@@ -23573,7 +25870,17 @@
                 <a:ea typeface="Open Sans" panose="020B0606030504020204" pitchFamily="34" charset="0"/>
                 <a:cs typeface="Arial" panose="020B0604020202020204" pitchFamily="34" charset="0"/>
               </a:rPr>
-              <a:t>COMMONLY USED TAGS: </a:t>
+              <a:t>COMMONLY USED </a:t>
+            </a:r>
+            <a:r>
+              <a:rPr lang="en-ZA" sz="5400" dirty="0" smtClean="0">
+                <a:solidFill>
+                  <a:srgbClr val="F85652"/>
+                </a:solidFill>
+                <a:ea typeface="Open Sans" panose="020B0606030504020204" pitchFamily="34" charset="0"/>
+                <a:cs typeface="Arial" panose="020B0604020202020204" pitchFamily="34" charset="0"/>
+              </a:rPr>
+              <a:t>TAGS: </a:t>
             </a:r>
             <a:r>
               <a:rPr lang="en-ZA" sz="5400" b="1" dirty="0" smtClean="0">
@@ -23722,14 +26029,14 @@
           <p:nvPr>
             <p:extLst>
               <p:ext uri="{D42A27DB-BD31-4B8C-83A1-F6EECF244321}">
-                <p14:modId xmlns:p14="http://schemas.microsoft.com/office/powerpoint/2010/main" val="542478790"/>
+                <p14:modId xmlns:p14="http://schemas.microsoft.com/office/powerpoint/2010/main" val="510935119"/>
               </p:ext>
             </p:extLst>
           </p:nvPr>
         </p:nvGraphicFramePr>
         <p:xfrm>
           <a:off x="2032000" y="1419752"/>
-          <a:ext cx="8128000" cy="3995210"/>
+          <a:ext cx="8128000" cy="3960000"/>
         </p:xfrm>
         <a:graphic>
           <a:graphicData uri="http://schemas.openxmlformats.org/drawingml/2006/table">
@@ -23741,7 +26048,7 @@
                 <a:gridCol w="2368550"/>
                 <a:gridCol w="5759450"/>
               </a:tblGrid>
-              <a:tr h="399521">
+              <a:tr h="396000">
                 <a:tc>
                   <a:txBody>
                     <a:bodyPr/>
@@ -23779,14 +26086,14 @@
                   </a:tcPr>
                 </a:tc>
               </a:tr>
-              <a:tr h="399521">
+              <a:tr h="396000">
                 <a:tc>
                   <a:txBody>
                     <a:bodyPr/>
                     <a:lstStyle/>
                     <a:p>
                       <a:r>
-                        <a:rPr lang="en-ZA" sz="1600" dirty="0" smtClean="0">
+                        <a:rPr lang="en-ZA" sz="1800" dirty="0" smtClean="0">
                           <a:solidFill>
                             <a:schemeClr val="tx1">
                               <a:lumMod val="65000"/>
@@ -23796,7 +26103,7 @@
                         </a:rPr>
                         <a:t>&lt;header&gt;&lt;/header&gt;</a:t>
                       </a:r>
-                      <a:endParaRPr lang="en-ZA" sz="1600" dirty="0">
+                      <a:endParaRPr lang="en-ZA" sz="1800" dirty="0">
                         <a:solidFill>
                           <a:schemeClr val="tx1">
                             <a:lumMod val="65000"/>
@@ -23814,7 +26121,7 @@
                     <a:lstStyle/>
                     <a:p>
                       <a:r>
-                        <a:rPr lang="en-ZA" sz="1600" dirty="0" smtClean="0">
+                        <a:rPr lang="en-ZA" sz="1800" dirty="0" smtClean="0">
                           <a:solidFill>
                             <a:schemeClr val="tx1">
                               <a:lumMod val="65000"/>
@@ -23824,7 +26131,7 @@
                         </a:rPr>
                         <a:t>Defines the header portion of the page</a:t>
                       </a:r>
-                      <a:endParaRPr lang="en-ZA" sz="1600" dirty="0">
+                      <a:endParaRPr lang="en-ZA" sz="1800" dirty="0">
                         <a:solidFill>
                           <a:schemeClr val="tx1">
                             <a:lumMod val="65000"/>
@@ -23837,14 +26144,14 @@
                   <a:tcPr/>
                 </a:tc>
               </a:tr>
-              <a:tr h="399521">
+              <a:tr h="396000">
                 <a:tc>
                   <a:txBody>
                     <a:bodyPr/>
                     <a:lstStyle/>
                     <a:p>
                       <a:r>
-                        <a:rPr lang="en-ZA" sz="1600" dirty="0" smtClean="0">
+                        <a:rPr lang="en-ZA" sz="1800" dirty="0" smtClean="0">
                           <a:solidFill>
                             <a:schemeClr val="tx1">
                               <a:lumMod val="65000"/>
@@ -23854,7 +26161,7 @@
                         </a:rPr>
                         <a:t>&lt;footer&gt;&lt;/footer&gt;</a:t>
                       </a:r>
-                      <a:endParaRPr lang="en-ZA" sz="1600" dirty="0">
+                      <a:endParaRPr lang="en-ZA" sz="1800" dirty="0">
                         <a:solidFill>
                           <a:schemeClr val="tx1">
                             <a:lumMod val="65000"/>
@@ -23872,7 +26179,7 @@
                     <a:lstStyle/>
                     <a:p>
                       <a:r>
-                        <a:rPr lang="en-ZA" sz="1600" dirty="0" smtClean="0">
+                        <a:rPr lang="en-ZA" sz="1800" dirty="0" smtClean="0">
                           <a:solidFill>
                             <a:schemeClr val="tx1">
                               <a:lumMod val="65000"/>
@@ -23882,7 +26189,7 @@
                         </a:rPr>
                         <a:t>Defines the footer portion of the page</a:t>
                       </a:r>
-                      <a:endParaRPr lang="en-ZA" sz="1600" dirty="0">
+                      <a:endParaRPr lang="en-ZA" sz="1800" dirty="0">
                         <a:solidFill>
                           <a:schemeClr val="tx1">
                             <a:lumMod val="65000"/>
@@ -23895,14 +26202,14 @@
                   <a:tcPr/>
                 </a:tc>
               </a:tr>
-              <a:tr h="399521">
+              <a:tr h="396000">
                 <a:tc>
                   <a:txBody>
                     <a:bodyPr/>
                     <a:lstStyle/>
                     <a:p>
                       <a:r>
-                        <a:rPr lang="en-ZA" sz="1600" dirty="0" smtClean="0">
+                        <a:rPr lang="en-ZA" sz="1800" dirty="0" smtClean="0">
                           <a:solidFill>
                             <a:schemeClr val="tx1">
                               <a:lumMod val="65000"/>
@@ -23913,7 +26220,7 @@
                         <a:t>&lt;</a:t>
                       </a:r>
                       <a:r>
-                        <a:rPr lang="en-ZA" sz="1600" dirty="0" err="1" smtClean="0">
+                        <a:rPr lang="en-ZA" sz="1800" dirty="0" err="1" smtClean="0">
                           <a:solidFill>
                             <a:schemeClr val="tx1">
                               <a:lumMod val="65000"/>
@@ -23924,7 +26231,7 @@
                         <a:t>nav</a:t>
                       </a:r>
                       <a:r>
-                        <a:rPr lang="en-ZA" sz="1600" dirty="0" smtClean="0">
+                        <a:rPr lang="en-ZA" sz="1800" dirty="0" smtClean="0">
                           <a:solidFill>
                             <a:schemeClr val="tx1">
                               <a:lumMod val="65000"/>
@@ -23935,7 +26242,7 @@
                         <a:t>&gt;&lt;/</a:t>
                       </a:r>
                       <a:r>
-                        <a:rPr lang="en-ZA" sz="1600" dirty="0" err="1" smtClean="0">
+                        <a:rPr lang="en-ZA" sz="1800" dirty="0" err="1" smtClean="0">
                           <a:solidFill>
                             <a:schemeClr val="tx1">
                               <a:lumMod val="65000"/>
@@ -23946,7 +26253,7 @@
                         <a:t>nav</a:t>
                       </a:r>
                       <a:r>
-                        <a:rPr lang="en-ZA" sz="1600" dirty="0" smtClean="0">
+                        <a:rPr lang="en-ZA" sz="1800" dirty="0" smtClean="0">
                           <a:solidFill>
                             <a:schemeClr val="tx1">
                               <a:lumMod val="65000"/>
@@ -23956,7 +26263,7 @@
                         </a:rPr>
                         <a:t>&gt;</a:t>
                       </a:r>
-                      <a:endParaRPr lang="en-ZA" sz="1600" dirty="0">
+                      <a:endParaRPr lang="en-ZA" sz="1800" dirty="0">
                         <a:solidFill>
                           <a:schemeClr val="tx1">
                             <a:lumMod val="65000"/>
@@ -23974,7 +26281,7 @@
                     <a:lstStyle/>
                     <a:p>
                       <a:r>
-                        <a:rPr lang="en-ZA" sz="1600" dirty="0" smtClean="0">
+                        <a:rPr lang="en-ZA" sz="1800" dirty="0" smtClean="0">
                           <a:solidFill>
                             <a:schemeClr val="tx1">
                               <a:lumMod val="65000"/>
@@ -23984,7 +26291,7 @@
                         </a:rPr>
                         <a:t>Defines the navigation portion of the page</a:t>
                       </a:r>
-                      <a:endParaRPr lang="en-ZA" sz="1600" dirty="0">
+                      <a:endParaRPr lang="en-ZA" sz="1800" dirty="0">
                         <a:solidFill>
                           <a:schemeClr val="tx1">
                             <a:lumMod val="65000"/>
@@ -23997,14 +26304,14 @@
                   <a:tcPr/>
                 </a:tc>
               </a:tr>
-              <a:tr h="399521">
+              <a:tr h="396000">
                 <a:tc>
                   <a:txBody>
                     <a:bodyPr/>
                     <a:lstStyle/>
                     <a:p>
                       <a:r>
-                        <a:rPr lang="en-ZA" sz="1600" dirty="0" smtClean="0">
+                        <a:rPr lang="en-ZA" sz="1800" dirty="0" smtClean="0">
                           <a:solidFill>
                             <a:schemeClr val="tx1">
                               <a:lumMod val="65000"/>
@@ -24014,7 +26321,7 @@
                         </a:rPr>
                         <a:t>&lt;section&gt;&lt;/section&gt;</a:t>
                       </a:r>
-                      <a:endParaRPr lang="en-ZA" sz="1600" dirty="0">
+                      <a:endParaRPr lang="en-ZA" sz="1800" dirty="0">
                         <a:solidFill>
                           <a:schemeClr val="tx1">
                             <a:lumMod val="65000"/>
@@ -24032,7 +26339,7 @@
                     <a:lstStyle/>
                     <a:p>
                       <a:r>
-                        <a:rPr lang="en-ZA" sz="1600" dirty="0" smtClean="0">
+                        <a:rPr lang="en-ZA" sz="1800" dirty="0" smtClean="0">
                           <a:solidFill>
                             <a:schemeClr val="tx1">
                               <a:lumMod val="65000"/>
@@ -24042,7 +26349,7 @@
                         </a:rPr>
                         <a:t>Defines a section of the page</a:t>
                       </a:r>
-                      <a:endParaRPr lang="en-ZA" sz="1600" dirty="0">
+                      <a:endParaRPr lang="en-ZA" sz="1800" dirty="0">
                         <a:solidFill>
                           <a:schemeClr val="tx1">
                             <a:lumMod val="65000"/>
@@ -24055,14 +26362,14 @@
                   <a:tcPr/>
                 </a:tc>
               </a:tr>
-              <a:tr h="399521">
+              <a:tr h="396000">
                 <a:tc>
                   <a:txBody>
                     <a:bodyPr/>
                     <a:lstStyle/>
                     <a:p>
                       <a:r>
-                        <a:rPr lang="en-ZA" sz="1600" dirty="0" smtClean="0">
+                        <a:rPr lang="en-ZA" sz="1800" dirty="0" smtClean="0">
                           <a:solidFill>
                             <a:schemeClr val="tx1">
                               <a:lumMod val="65000"/>
@@ -24072,7 +26379,7 @@
                         </a:rPr>
                         <a:t>&lt;article&gt;&lt;/article&gt;</a:t>
                       </a:r>
-                      <a:endParaRPr lang="en-ZA" sz="1600" dirty="0">
+                      <a:endParaRPr lang="en-ZA" sz="1800" dirty="0">
                         <a:solidFill>
                           <a:schemeClr val="tx1">
                             <a:lumMod val="65000"/>
@@ -24090,7 +26397,7 @@
                     <a:lstStyle/>
                     <a:p>
                       <a:r>
-                        <a:rPr lang="en-ZA" sz="1600" dirty="0" smtClean="0">
+                        <a:rPr lang="en-ZA" sz="1800" dirty="0" smtClean="0">
                           <a:solidFill>
                             <a:schemeClr val="tx1">
                               <a:lumMod val="65000"/>
@@ -24100,7 +26407,7 @@
                         </a:rPr>
                         <a:t>Defines a self contained article</a:t>
                       </a:r>
-                      <a:endParaRPr lang="en-ZA" sz="1600" dirty="0">
+                      <a:endParaRPr lang="en-ZA" sz="1800" dirty="0">
                         <a:solidFill>
                           <a:schemeClr val="tx1">
                             <a:lumMod val="65000"/>
@@ -24113,14 +26420,14 @@
                   <a:tcPr/>
                 </a:tc>
               </a:tr>
-              <a:tr h="399521">
+              <a:tr h="396000">
                 <a:tc>
                   <a:txBody>
                     <a:bodyPr/>
                     <a:lstStyle/>
                     <a:p>
                       <a:r>
-                        <a:rPr lang="en-ZA" sz="1600" dirty="0" smtClean="0">
+                        <a:rPr lang="en-ZA" sz="1800" dirty="0" smtClean="0">
                           <a:solidFill>
                             <a:schemeClr val="tx1">
                               <a:lumMod val="65000"/>
@@ -24130,7 +26437,7 @@
                         </a:rPr>
                         <a:t>&lt;main&gt;&lt;/main&gt;</a:t>
                       </a:r>
-                      <a:endParaRPr lang="en-ZA" sz="1600" dirty="0">
+                      <a:endParaRPr lang="en-ZA" sz="1800" dirty="0">
                         <a:solidFill>
                           <a:schemeClr val="tx1">
                             <a:lumMod val="65000"/>
@@ -24148,7 +26455,7 @@
                     <a:lstStyle/>
                     <a:p>
                       <a:r>
-                        <a:rPr lang="en-ZA" sz="1600" dirty="0" smtClean="0">
+                        <a:rPr lang="en-ZA" sz="1800" dirty="0" smtClean="0">
                           <a:solidFill>
                             <a:schemeClr val="tx1">
                               <a:lumMod val="65000"/>
@@ -24158,7 +26465,7 @@
                         </a:rPr>
                         <a:t>Defines the main content portion of the page</a:t>
                       </a:r>
-                      <a:endParaRPr lang="en-ZA" sz="1600" dirty="0">
+                      <a:endParaRPr lang="en-ZA" sz="1800" dirty="0">
                         <a:solidFill>
                           <a:schemeClr val="tx1">
                             <a:lumMod val="65000"/>
@@ -24171,14 +26478,14 @@
                   <a:tcPr/>
                 </a:tc>
               </a:tr>
-              <a:tr h="399521">
+              <a:tr h="396000">
                 <a:tc>
                   <a:txBody>
                     <a:bodyPr/>
                     <a:lstStyle/>
                     <a:p>
                       <a:r>
-                        <a:rPr lang="en-ZA" sz="1600" dirty="0" smtClean="0">
+                        <a:rPr lang="en-ZA" sz="1800" dirty="0" smtClean="0">
                           <a:solidFill>
                             <a:schemeClr val="tx1">
                               <a:lumMod val="65000"/>
@@ -24188,7 +26495,7 @@
                         </a:rPr>
                         <a:t>&lt;aside&gt;&lt;/aside&gt;</a:t>
                       </a:r>
-                      <a:endParaRPr lang="en-ZA" sz="1600" dirty="0">
+                      <a:endParaRPr lang="en-ZA" sz="1800" dirty="0">
                         <a:solidFill>
                           <a:schemeClr val="tx1">
                             <a:lumMod val="65000"/>
@@ -24223,7 +26530,7 @@
                         <a:defRPr/>
                       </a:pPr>
                       <a:r>
-                        <a:rPr lang="en-ZA" sz="1600" kern="1200" dirty="0" smtClean="0">
+                        <a:rPr lang="en-ZA" sz="1800" kern="1200" dirty="0" smtClean="0">
                           <a:solidFill>
                             <a:schemeClr val="tx1">
                               <a:lumMod val="65000"/>
@@ -24235,7 +26542,7 @@
                         <a:t>Defines</a:t>
                       </a:r>
                       <a:r>
-                        <a:rPr lang="en-ZA" sz="1600" kern="1200" baseline="0" dirty="0" smtClean="0">
+                        <a:rPr lang="en-ZA" sz="1800" kern="1200" baseline="0" dirty="0" smtClean="0">
                           <a:solidFill>
                             <a:schemeClr val="tx1">
                               <a:lumMod val="65000"/>
@@ -24246,7 +26553,7 @@
                         </a:rPr>
                         <a:t> a portion of the page related to the main content</a:t>
                       </a:r>
-                      <a:endParaRPr lang="en-ZA" sz="1600" dirty="0" smtClean="0">
+                      <a:endParaRPr lang="en-ZA" sz="1800" dirty="0" smtClean="0">
                         <a:solidFill>
                           <a:schemeClr val="tx1">
                             <a:lumMod val="65000"/>
@@ -24259,14 +26566,14 @@
                   <a:tcPr/>
                 </a:tc>
               </a:tr>
-              <a:tr h="399521">
+              <a:tr h="396000">
                 <a:tc>
                   <a:txBody>
                     <a:bodyPr/>
                     <a:lstStyle/>
                     <a:p>
                       <a:r>
-                        <a:rPr lang="en-ZA" sz="1600" dirty="0" smtClean="0">
+                        <a:rPr lang="en-ZA" sz="1800" dirty="0" smtClean="0">
                           <a:solidFill>
                             <a:schemeClr val="tx1">
                               <a:lumMod val="65000"/>
@@ -24276,7 +26583,7 @@
                         </a:rPr>
                         <a:t>&lt;div&gt;&lt;/div&gt;</a:t>
                       </a:r>
-                      <a:endParaRPr lang="en-ZA" sz="1600" dirty="0">
+                      <a:endParaRPr lang="en-ZA" sz="1800" dirty="0">
                         <a:solidFill>
                           <a:schemeClr val="tx1">
                             <a:lumMod val="65000"/>
@@ -24311,7 +26618,7 @@
                         <a:defRPr/>
                       </a:pPr>
                       <a:r>
-                        <a:rPr lang="en-ZA" sz="1600" dirty="0" smtClean="0">
+                        <a:rPr lang="en-ZA" sz="1800" dirty="0" smtClean="0">
                           <a:solidFill>
                             <a:schemeClr val="tx1">
                               <a:lumMod val="65000"/>
@@ -24326,14 +26633,14 @@
                   <a:tcPr/>
                 </a:tc>
               </a:tr>
-              <a:tr h="399521">
+              <a:tr h="396000">
                 <a:tc>
                   <a:txBody>
                     <a:bodyPr/>
                     <a:lstStyle/>
                     <a:p>
                       <a:r>
-                        <a:rPr lang="en-ZA" sz="1600" dirty="0" smtClean="0">
+                        <a:rPr lang="en-ZA" sz="1800" dirty="0" smtClean="0">
                           <a:solidFill>
                             <a:schemeClr val="tx1">
                               <a:lumMod val="65000"/>
@@ -24344,7 +26651,7 @@
                         <a:t>&lt;</a:t>
                       </a:r>
                       <a:r>
-                        <a:rPr lang="en-ZA" sz="1600" dirty="0" err="1" smtClean="0">
+                        <a:rPr lang="en-ZA" sz="1800" dirty="0" err="1" smtClean="0">
                           <a:solidFill>
                             <a:schemeClr val="tx1">
                               <a:lumMod val="65000"/>
@@ -24355,7 +26662,7 @@
                         <a:t>hr</a:t>
                       </a:r>
                       <a:r>
-                        <a:rPr lang="en-ZA" sz="1600" dirty="0" smtClean="0">
+                        <a:rPr lang="en-ZA" sz="1800" dirty="0" smtClean="0">
                           <a:solidFill>
                             <a:schemeClr val="tx1">
                               <a:lumMod val="65000"/>
@@ -24365,7 +26672,7 @@
                         </a:rPr>
                         <a:t>&gt;</a:t>
                       </a:r>
-                      <a:endParaRPr lang="en-ZA" sz="1600" dirty="0">
+                      <a:endParaRPr lang="en-ZA" sz="1800" dirty="0">
                         <a:solidFill>
                           <a:schemeClr val="tx1">
                             <a:lumMod val="65000"/>
@@ -24383,7 +26690,7 @@
                     <a:lstStyle/>
                     <a:p>
                       <a:r>
-                        <a:rPr lang="en-ZA" sz="1600" dirty="0" smtClean="0">
+                        <a:rPr lang="en-ZA" sz="1800" dirty="0" smtClean="0">
                           <a:solidFill>
                             <a:schemeClr val="tx1">
                               <a:lumMod val="65000"/>
@@ -24394,7 +26701,7 @@
                         <a:t>Defines a thematic change – draws a horizontal</a:t>
                       </a:r>
                       <a:r>
-                        <a:rPr lang="en-ZA" sz="1600" baseline="0" dirty="0" smtClean="0">
+                        <a:rPr lang="en-ZA" sz="1800" baseline="0" dirty="0" smtClean="0">
                           <a:solidFill>
                             <a:schemeClr val="tx1">
                               <a:lumMod val="65000"/>
@@ -24404,7 +26711,7 @@
                         </a:rPr>
                         <a:t> line</a:t>
                       </a:r>
-                      <a:endParaRPr lang="en-ZA" sz="1600" dirty="0">
+                      <a:endParaRPr lang="en-ZA" sz="1800" dirty="0">
                         <a:solidFill>
                           <a:schemeClr val="tx1">
                             <a:lumMod val="65000"/>
